--- a/qt_guan_dan/dev_ui_sketch.pptx
+++ b/qt_guan_dan/dev_ui_sketch.pptx
@@ -6,6 +6,7 @@
   </p:sldMasterIdLst>
   <p:sldIdLst>
     <p:sldId id="256" r:id="rId2"/>
+    <p:sldId id="261" r:id="rId3"/>
   </p:sldIdLst>
   <p:sldSz cx="12192000" cy="6858000"/>
   <p:notesSz cx="6858000" cy="9144000"/>
@@ -261,7 +262,7 @@
           <a:p>
             <a:fld id="{6E86E93E-9FC2-4E2D-B23B-44D3A41FB4D3}" type="datetimeFigureOut">
               <a:rPr lang="zh-CN" altLang="en-US" smtClean="0"/>
-              <a:t>2023/4/28</a:t>
+              <a:t>2023/4/30</a:t>
             </a:fld>
             <a:endParaRPr lang="zh-CN" altLang="en-US"/>
           </a:p>
@@ -461,7 +462,7 @@
           <a:p>
             <a:fld id="{6E86E93E-9FC2-4E2D-B23B-44D3A41FB4D3}" type="datetimeFigureOut">
               <a:rPr lang="zh-CN" altLang="en-US" smtClean="0"/>
-              <a:t>2023/4/28</a:t>
+              <a:t>2023/4/30</a:t>
             </a:fld>
             <a:endParaRPr lang="zh-CN" altLang="en-US"/>
           </a:p>
@@ -671,7 +672,7 @@
           <a:p>
             <a:fld id="{6E86E93E-9FC2-4E2D-B23B-44D3A41FB4D3}" type="datetimeFigureOut">
               <a:rPr lang="zh-CN" altLang="en-US" smtClean="0"/>
-              <a:t>2023/4/28</a:t>
+              <a:t>2023/4/30</a:t>
             </a:fld>
             <a:endParaRPr lang="zh-CN" altLang="en-US"/>
           </a:p>
@@ -871,7 +872,7 @@
           <a:p>
             <a:fld id="{6E86E93E-9FC2-4E2D-B23B-44D3A41FB4D3}" type="datetimeFigureOut">
               <a:rPr lang="zh-CN" altLang="en-US" smtClean="0"/>
-              <a:t>2023/4/28</a:t>
+              <a:t>2023/4/30</a:t>
             </a:fld>
             <a:endParaRPr lang="zh-CN" altLang="en-US"/>
           </a:p>
@@ -1147,7 +1148,7 @@
           <a:p>
             <a:fld id="{6E86E93E-9FC2-4E2D-B23B-44D3A41FB4D3}" type="datetimeFigureOut">
               <a:rPr lang="zh-CN" altLang="en-US" smtClean="0"/>
-              <a:t>2023/4/28</a:t>
+              <a:t>2023/4/30</a:t>
             </a:fld>
             <a:endParaRPr lang="zh-CN" altLang="en-US"/>
           </a:p>
@@ -1415,7 +1416,7 @@
           <a:p>
             <a:fld id="{6E86E93E-9FC2-4E2D-B23B-44D3A41FB4D3}" type="datetimeFigureOut">
               <a:rPr lang="zh-CN" altLang="en-US" smtClean="0"/>
-              <a:t>2023/4/28</a:t>
+              <a:t>2023/4/30</a:t>
             </a:fld>
             <a:endParaRPr lang="zh-CN" altLang="en-US"/>
           </a:p>
@@ -1830,7 +1831,7 @@
           <a:p>
             <a:fld id="{6E86E93E-9FC2-4E2D-B23B-44D3A41FB4D3}" type="datetimeFigureOut">
               <a:rPr lang="zh-CN" altLang="en-US" smtClean="0"/>
-              <a:t>2023/4/28</a:t>
+              <a:t>2023/4/30</a:t>
             </a:fld>
             <a:endParaRPr lang="zh-CN" altLang="en-US"/>
           </a:p>
@@ -1972,7 +1973,7 @@
           <a:p>
             <a:fld id="{6E86E93E-9FC2-4E2D-B23B-44D3A41FB4D3}" type="datetimeFigureOut">
               <a:rPr lang="zh-CN" altLang="en-US" smtClean="0"/>
-              <a:t>2023/4/28</a:t>
+              <a:t>2023/4/30</a:t>
             </a:fld>
             <a:endParaRPr lang="zh-CN" altLang="en-US"/>
           </a:p>
@@ -2085,7 +2086,7 @@
           <a:p>
             <a:fld id="{6E86E93E-9FC2-4E2D-B23B-44D3A41FB4D3}" type="datetimeFigureOut">
               <a:rPr lang="zh-CN" altLang="en-US" smtClean="0"/>
-              <a:t>2023/4/28</a:t>
+              <a:t>2023/4/30</a:t>
             </a:fld>
             <a:endParaRPr lang="zh-CN" altLang="en-US"/>
           </a:p>
@@ -2398,7 +2399,7 @@
           <a:p>
             <a:fld id="{6E86E93E-9FC2-4E2D-B23B-44D3A41FB4D3}" type="datetimeFigureOut">
               <a:rPr lang="zh-CN" altLang="en-US" smtClean="0"/>
-              <a:t>2023/4/28</a:t>
+              <a:t>2023/4/30</a:t>
             </a:fld>
             <a:endParaRPr lang="zh-CN" altLang="en-US"/>
           </a:p>
@@ -2687,7 +2688,7 @@
           <a:p>
             <a:fld id="{6E86E93E-9FC2-4E2D-B23B-44D3A41FB4D3}" type="datetimeFigureOut">
               <a:rPr lang="zh-CN" altLang="en-US" smtClean="0"/>
-              <a:t>2023/4/28</a:t>
+              <a:t>2023/4/30</a:t>
             </a:fld>
             <a:endParaRPr lang="zh-CN" altLang="en-US"/>
           </a:p>
@@ -2930,7 +2931,7 @@
           <a:p>
             <a:fld id="{6E86E93E-9FC2-4E2D-B23B-44D3A41FB4D3}" type="datetimeFigureOut">
               <a:rPr lang="zh-CN" altLang="en-US" smtClean="0"/>
-              <a:t>2023/4/28</a:t>
+              <a:t>2023/4/30</a:t>
             </a:fld>
             <a:endParaRPr lang="zh-CN" altLang="en-US"/>
           </a:p>
@@ -3767,6 +3768,3734 @@
 </p:sld>
 </file>
 
+<file path=ppt/slides/slide2.xml><?xml version="1.0" encoding="utf-8"?>
+<p:sld xmlns:a="http://schemas.openxmlformats.org/drawingml/2006/main" xmlns:r="http://schemas.openxmlformats.org/officeDocument/2006/relationships" xmlns:p="http://schemas.openxmlformats.org/presentationml/2006/main">
+  <p:cSld>
+    <p:bg>
+      <p:bgPr>
+        <a:solidFill>
+          <a:srgbClr val="282828"/>
+        </a:solidFill>
+        <a:effectLst/>
+      </p:bgPr>
+    </p:bg>
+    <p:spTree>
+      <p:nvGrpSpPr>
+        <p:cNvPr id="1" name=""/>
+        <p:cNvGrpSpPr/>
+        <p:nvPr/>
+      </p:nvGrpSpPr>
+      <p:grpSpPr>
+        <a:xfrm>
+          <a:off x="0" y="0"/>
+          <a:ext cx="0" cy="0"/>
+          <a:chOff x="0" y="0"/>
+          <a:chExt cx="0" cy="0"/>
+        </a:xfrm>
+      </p:grpSpPr>
+      <p:sp>
+        <p:nvSpPr>
+          <p:cNvPr id="17" name="Rectangle: Rounded Corners 16">
+            <a:extLst>
+              <a:ext uri="{FF2B5EF4-FFF2-40B4-BE49-F238E27FC236}">
+                <a16:creationId xmlns:a16="http://schemas.microsoft.com/office/drawing/2014/main" id="{197BD189-7D8F-959B-1A25-72923142DC46}"/>
+              </a:ext>
+            </a:extLst>
+          </p:cNvPr>
+          <p:cNvSpPr/>
+          <p:nvPr/>
+        </p:nvSpPr>
+        <p:spPr>
+          <a:xfrm>
+            <a:off x="664041" y="177632"/>
+            <a:ext cx="680576" cy="369332"/>
+          </a:xfrm>
+          <a:prstGeom prst="roundRect">
+            <a:avLst>
+              <a:gd name="adj" fmla="val 5756"/>
+            </a:avLst>
+          </a:prstGeom>
+          <a:solidFill>
+            <a:srgbClr val="FFFFD9"/>
+          </a:solidFill>
+          <a:ln w="38100">
+            <a:noFill/>
+          </a:ln>
+          <a:effectLst>
+            <a:outerShdw blurRad="50800" dist="38100" dir="2700000" algn="tl" rotWithShape="0">
+              <a:prstClr val="black">
+                <a:alpha val="40000"/>
+              </a:prstClr>
+            </a:outerShdw>
+          </a:effectLst>
+        </p:spPr>
+        <p:style>
+          <a:lnRef idx="2">
+            <a:schemeClr val="accent1">
+              <a:shade val="50000"/>
+            </a:schemeClr>
+          </a:lnRef>
+          <a:fillRef idx="1">
+            <a:schemeClr val="accent1"/>
+          </a:fillRef>
+          <a:effectRef idx="0">
+            <a:schemeClr val="accent1"/>
+          </a:effectRef>
+          <a:fontRef idx="minor">
+            <a:schemeClr val="lt1"/>
+          </a:fontRef>
+        </p:style>
+        <p:txBody>
+          <a:bodyPr rtlCol="0" anchor="ctr"/>
+          <a:lstStyle/>
+          <a:p>
+            <a:pPr marL="0" marR="0" lvl="0" indent="0" algn="ctr" defTabSz="914400" rtl="0" eaLnBrk="1" fontAlgn="auto" latinLnBrk="0" hangingPunct="1">
+              <a:lnSpc>
+                <a:spcPct val="100000"/>
+              </a:lnSpc>
+              <a:spcBef>
+                <a:spcPts val="0"/>
+              </a:spcBef>
+              <a:spcAft>
+                <a:spcPts val="0"/>
+              </a:spcAft>
+              <a:buClrTx/>
+              <a:buSzTx/>
+              <a:buFontTx/>
+              <a:buNone/>
+              <a:tabLst/>
+              <a:defRPr/>
+            </a:pPr>
+            <a:endParaRPr kumimoji="0" lang="en-US" altLang="zh-CN" b="1" i="0" u="none" strike="noStrike" kern="1200" cap="none" spc="0" normalizeH="0" baseline="0" noProof="0">
+              <a:ln>
+                <a:noFill/>
+              </a:ln>
+              <a:solidFill>
+                <a:prstClr val="white"/>
+              </a:solidFill>
+              <a:effectLst/>
+              <a:uLnTx/>
+              <a:uFillTx/>
+              <a:latin typeface="等线" panose="020F0502020204030204"/>
+              <a:ea typeface="等线" panose="02010600030101010101" pitchFamily="2" charset="-122"/>
+              <a:cs typeface="+mn-cs"/>
+            </a:endParaRPr>
+          </a:p>
+        </p:txBody>
+      </p:sp>
+      <p:sp>
+        <p:nvSpPr>
+          <p:cNvPr id="18" name="Rectangle: Rounded Corners 17">
+            <a:extLst>
+              <a:ext uri="{FF2B5EF4-FFF2-40B4-BE49-F238E27FC236}">
+                <a16:creationId xmlns:a16="http://schemas.microsoft.com/office/drawing/2014/main" id="{40969952-992A-9E66-EA53-7A742E4F335F}"/>
+              </a:ext>
+            </a:extLst>
+          </p:cNvPr>
+          <p:cNvSpPr/>
+          <p:nvPr/>
+        </p:nvSpPr>
+        <p:spPr>
+          <a:xfrm>
+            <a:off x="686227" y="640928"/>
+            <a:ext cx="658390" cy="369332"/>
+          </a:xfrm>
+          <a:prstGeom prst="roundRect">
+            <a:avLst>
+              <a:gd name="adj" fmla="val 5756"/>
+            </a:avLst>
+          </a:prstGeom>
+          <a:solidFill>
+            <a:srgbClr val="FFFFD9"/>
+          </a:solidFill>
+          <a:ln w="38100">
+            <a:noFill/>
+          </a:ln>
+          <a:effectLst>
+            <a:outerShdw blurRad="50800" dist="38100" dir="2700000" algn="tl" rotWithShape="0">
+              <a:prstClr val="black">
+                <a:alpha val="40000"/>
+              </a:prstClr>
+            </a:outerShdw>
+          </a:effectLst>
+        </p:spPr>
+        <p:style>
+          <a:lnRef idx="2">
+            <a:schemeClr val="accent1">
+              <a:shade val="50000"/>
+            </a:schemeClr>
+          </a:lnRef>
+          <a:fillRef idx="1">
+            <a:schemeClr val="accent1"/>
+          </a:fillRef>
+          <a:effectRef idx="0">
+            <a:schemeClr val="accent1"/>
+          </a:effectRef>
+          <a:fontRef idx="minor">
+            <a:schemeClr val="lt1"/>
+          </a:fontRef>
+        </p:style>
+        <p:txBody>
+          <a:bodyPr rtlCol="0" anchor="ctr"/>
+          <a:lstStyle/>
+          <a:p>
+            <a:pPr marL="0" marR="0" lvl="0" indent="0" algn="ctr" defTabSz="914400" rtl="0" eaLnBrk="1" fontAlgn="auto" latinLnBrk="0" hangingPunct="1">
+              <a:lnSpc>
+                <a:spcPct val="100000"/>
+              </a:lnSpc>
+              <a:spcBef>
+                <a:spcPts val="0"/>
+              </a:spcBef>
+              <a:spcAft>
+                <a:spcPts val="0"/>
+              </a:spcAft>
+              <a:buClrTx/>
+              <a:buSzTx/>
+              <a:buFontTx/>
+              <a:buNone/>
+              <a:tabLst/>
+              <a:defRPr/>
+            </a:pPr>
+            <a:endParaRPr kumimoji="0" lang="en-US" altLang="zh-CN" b="1" i="0" u="none" strike="noStrike" kern="1200" cap="none" spc="0" normalizeH="0" baseline="0" noProof="0">
+              <a:ln>
+                <a:noFill/>
+              </a:ln>
+              <a:solidFill>
+                <a:prstClr val="white"/>
+              </a:solidFill>
+              <a:effectLst/>
+              <a:uLnTx/>
+              <a:uFillTx/>
+              <a:latin typeface="等线" panose="020F0502020204030204"/>
+              <a:ea typeface="等线" panose="02010600030101010101" pitchFamily="2" charset="-122"/>
+              <a:cs typeface="+mn-cs"/>
+            </a:endParaRPr>
+          </a:p>
+        </p:txBody>
+      </p:sp>
+      <p:sp>
+        <p:nvSpPr>
+          <p:cNvPr id="13" name="Rectangle: Rounded Corners 12">
+            <a:extLst>
+              <a:ext uri="{FF2B5EF4-FFF2-40B4-BE49-F238E27FC236}">
+                <a16:creationId xmlns:a16="http://schemas.microsoft.com/office/drawing/2014/main" id="{F49E50A9-09F0-6405-0947-26A292CD792E}"/>
+              </a:ext>
+            </a:extLst>
+          </p:cNvPr>
+          <p:cNvSpPr/>
+          <p:nvPr/>
+        </p:nvSpPr>
+        <p:spPr>
+          <a:xfrm>
+            <a:off x="212087" y="177632"/>
+            <a:ext cx="632634" cy="369332"/>
+          </a:xfrm>
+          <a:prstGeom prst="roundRect">
+            <a:avLst>
+              <a:gd name="adj" fmla="val 5756"/>
+            </a:avLst>
+          </a:prstGeom>
+          <a:solidFill>
+            <a:schemeClr val="accent6">
+              <a:lumMod val="60000"/>
+              <a:lumOff val="40000"/>
+            </a:schemeClr>
+          </a:solidFill>
+          <a:ln w="38100">
+            <a:noFill/>
+          </a:ln>
+          <a:effectLst>
+            <a:outerShdw blurRad="50800" dist="38100" dir="2700000" algn="tl" rotWithShape="0">
+              <a:prstClr val="black">
+                <a:alpha val="40000"/>
+              </a:prstClr>
+            </a:outerShdw>
+          </a:effectLst>
+        </p:spPr>
+        <p:style>
+          <a:lnRef idx="2">
+            <a:schemeClr val="accent1">
+              <a:shade val="50000"/>
+            </a:schemeClr>
+          </a:lnRef>
+          <a:fillRef idx="1">
+            <a:schemeClr val="accent1"/>
+          </a:fillRef>
+          <a:effectRef idx="0">
+            <a:schemeClr val="accent1"/>
+          </a:effectRef>
+          <a:fontRef idx="minor">
+            <a:schemeClr val="lt1"/>
+          </a:fontRef>
+        </p:style>
+        <p:txBody>
+          <a:bodyPr rtlCol="0" anchor="ctr"/>
+          <a:lstStyle/>
+          <a:p>
+            <a:pPr marL="0" marR="0" lvl="0" indent="0" algn="ctr" defTabSz="914400" rtl="0" eaLnBrk="1" fontAlgn="auto" latinLnBrk="0" hangingPunct="1">
+              <a:lnSpc>
+                <a:spcPct val="100000"/>
+              </a:lnSpc>
+              <a:spcBef>
+                <a:spcPts val="0"/>
+              </a:spcBef>
+              <a:spcAft>
+                <a:spcPts val="0"/>
+              </a:spcAft>
+              <a:buClrTx/>
+              <a:buSzTx/>
+              <a:buFontTx/>
+              <a:buNone/>
+              <a:tabLst/>
+              <a:defRPr/>
+            </a:pPr>
+            <a:r>
+              <a:rPr kumimoji="0" lang="zh-CN" altLang="en-US" sz="1600" i="0" u="none" strike="noStrike" kern="1200" cap="none" spc="0" normalizeH="0" baseline="0" noProof="0">
+                <a:ln>
+                  <a:noFill/>
+                </a:ln>
+                <a:solidFill>
+                  <a:schemeClr val="tx1"/>
+                </a:solidFill>
+                <a:effectLst/>
+                <a:uLnTx/>
+                <a:uFillTx/>
+                <a:latin typeface="微软雅黑" panose="020B0503020204020204" pitchFamily="34" charset="-122"/>
+                <a:ea typeface="微软雅黑" panose="020B0503020204020204" pitchFamily="34" charset="-122"/>
+              </a:rPr>
+              <a:t>己方</a:t>
+            </a:r>
+            <a:endParaRPr kumimoji="0" lang="en-US" altLang="zh-CN" sz="1600" i="0" u="none" strike="noStrike" kern="1200" cap="none" spc="0" normalizeH="0" baseline="0" noProof="0">
+              <a:ln>
+                <a:noFill/>
+              </a:ln>
+              <a:solidFill>
+                <a:schemeClr val="tx1"/>
+              </a:solidFill>
+              <a:effectLst/>
+              <a:uLnTx/>
+              <a:uFillTx/>
+              <a:latin typeface="微软雅黑" panose="020B0503020204020204" pitchFamily="34" charset="-122"/>
+              <a:ea typeface="微软雅黑" panose="020B0503020204020204" pitchFamily="34" charset="-122"/>
+            </a:endParaRPr>
+          </a:p>
+        </p:txBody>
+      </p:sp>
+      <p:sp>
+        <p:nvSpPr>
+          <p:cNvPr id="15" name="Rectangle: Rounded Corners 14">
+            <a:extLst>
+              <a:ext uri="{FF2B5EF4-FFF2-40B4-BE49-F238E27FC236}">
+                <a16:creationId xmlns:a16="http://schemas.microsoft.com/office/drawing/2014/main" id="{50A81C3E-C276-416B-2EC3-DCE8D0434E37}"/>
+              </a:ext>
+            </a:extLst>
+          </p:cNvPr>
+          <p:cNvSpPr/>
+          <p:nvPr/>
+        </p:nvSpPr>
+        <p:spPr>
+          <a:xfrm>
+            <a:off x="212087" y="640928"/>
+            <a:ext cx="632634" cy="369332"/>
+          </a:xfrm>
+          <a:prstGeom prst="roundRect">
+            <a:avLst>
+              <a:gd name="adj" fmla="val 5756"/>
+            </a:avLst>
+          </a:prstGeom>
+          <a:solidFill>
+            <a:schemeClr val="accent1">
+              <a:lumMod val="60000"/>
+              <a:lumOff val="40000"/>
+            </a:schemeClr>
+          </a:solidFill>
+          <a:ln w="38100">
+            <a:noFill/>
+          </a:ln>
+          <a:effectLst>
+            <a:outerShdw blurRad="50800" dist="38100" dir="2700000" algn="tl" rotWithShape="0">
+              <a:prstClr val="black">
+                <a:alpha val="40000"/>
+              </a:prstClr>
+            </a:outerShdw>
+          </a:effectLst>
+        </p:spPr>
+        <p:style>
+          <a:lnRef idx="2">
+            <a:schemeClr val="accent1">
+              <a:shade val="50000"/>
+            </a:schemeClr>
+          </a:lnRef>
+          <a:fillRef idx="1">
+            <a:schemeClr val="accent1"/>
+          </a:fillRef>
+          <a:effectRef idx="0">
+            <a:schemeClr val="accent1"/>
+          </a:effectRef>
+          <a:fontRef idx="minor">
+            <a:schemeClr val="lt1"/>
+          </a:fontRef>
+        </p:style>
+        <p:txBody>
+          <a:bodyPr rtlCol="0" anchor="ctr"/>
+          <a:lstStyle/>
+          <a:p>
+            <a:pPr marL="0" marR="0" lvl="0" indent="0" algn="ctr" defTabSz="914400" rtl="0" eaLnBrk="1" fontAlgn="auto" latinLnBrk="0" hangingPunct="1">
+              <a:lnSpc>
+                <a:spcPct val="100000"/>
+              </a:lnSpc>
+              <a:spcBef>
+                <a:spcPts val="0"/>
+              </a:spcBef>
+              <a:spcAft>
+                <a:spcPts val="0"/>
+              </a:spcAft>
+              <a:buClrTx/>
+              <a:buSzTx/>
+              <a:buFontTx/>
+              <a:buNone/>
+              <a:tabLst/>
+              <a:defRPr/>
+            </a:pPr>
+            <a:r>
+              <a:rPr lang="zh-CN" altLang="en-US" sz="1600">
+                <a:solidFill>
+                  <a:schemeClr val="tx1"/>
+                </a:solidFill>
+                <a:latin typeface="微软雅黑" panose="020B0503020204020204" pitchFamily="34" charset="-122"/>
+                <a:ea typeface="微软雅黑" panose="020B0503020204020204" pitchFamily="34" charset="-122"/>
+              </a:rPr>
+              <a:t>对</a:t>
+            </a:r>
+            <a:r>
+              <a:rPr kumimoji="0" lang="zh-CN" altLang="en-US" sz="1600" i="0" u="none" strike="noStrike" kern="1200" cap="none" spc="0" normalizeH="0" baseline="0" noProof="0">
+                <a:ln>
+                  <a:noFill/>
+                </a:ln>
+                <a:solidFill>
+                  <a:schemeClr val="tx1"/>
+                </a:solidFill>
+                <a:effectLst/>
+                <a:uLnTx/>
+                <a:uFillTx/>
+                <a:latin typeface="微软雅黑" panose="020B0503020204020204" pitchFamily="34" charset="-122"/>
+                <a:ea typeface="微软雅黑" panose="020B0503020204020204" pitchFamily="34" charset="-122"/>
+              </a:rPr>
+              <a:t>方</a:t>
+            </a:r>
+            <a:endParaRPr kumimoji="0" lang="en-US" altLang="zh-CN" sz="1600" i="0" u="none" strike="noStrike" kern="1200" cap="none" spc="0" normalizeH="0" baseline="0" noProof="0">
+              <a:ln>
+                <a:noFill/>
+              </a:ln>
+              <a:solidFill>
+                <a:schemeClr val="tx1"/>
+              </a:solidFill>
+              <a:effectLst/>
+              <a:uLnTx/>
+              <a:uFillTx/>
+              <a:latin typeface="微软雅黑" panose="020B0503020204020204" pitchFamily="34" charset="-122"/>
+              <a:ea typeface="微软雅黑" panose="020B0503020204020204" pitchFamily="34" charset="-122"/>
+            </a:endParaRPr>
+          </a:p>
+        </p:txBody>
+      </p:sp>
+      <p:grpSp>
+        <p:nvGrpSpPr>
+          <p:cNvPr id="96" name="Group 95">
+            <a:extLst>
+              <a:ext uri="{FF2B5EF4-FFF2-40B4-BE49-F238E27FC236}">
+                <a16:creationId xmlns:a16="http://schemas.microsoft.com/office/drawing/2014/main" id="{1CA3043F-BDF5-0714-E49E-A23CD15D841D}"/>
+              </a:ext>
+            </a:extLst>
+          </p:cNvPr>
+          <p:cNvGrpSpPr/>
+          <p:nvPr/>
+        </p:nvGrpSpPr>
+        <p:grpSpPr>
+          <a:xfrm>
+            <a:off x="2207602" y="3580285"/>
+            <a:ext cx="1156704" cy="2652424"/>
+            <a:chOff x="195841" y="3920946"/>
+            <a:chExt cx="1156704" cy="2652424"/>
+          </a:xfrm>
+        </p:grpSpPr>
+        <p:pic>
+          <p:nvPicPr>
+            <p:cNvPr id="22" name="Picture 21" descr="Icon&#10;&#10;Description automatically generated">
+              <a:extLst>
+                <a:ext uri="{FF2B5EF4-FFF2-40B4-BE49-F238E27FC236}">
+                  <a16:creationId xmlns:a16="http://schemas.microsoft.com/office/drawing/2014/main" id="{F2F33D24-3759-8A88-F42F-86A0A4CC7B7D}"/>
+                </a:ext>
+              </a:extLst>
+            </p:cNvPr>
+            <p:cNvPicPr>
+              <a:picLocks noChangeAspect="1"/>
+            </p:cNvPicPr>
+            <p:nvPr/>
+          </p:nvPicPr>
+          <p:blipFill>
+            <a:blip r:embed="rId2">
+              <a:extLst>
+                <a:ext uri="{28A0092B-C50C-407E-A947-70E740481C1C}">
+                  <a14:useLocalDpi xmlns:a14="http://schemas.microsoft.com/office/drawing/2010/main" val="0"/>
+                </a:ext>
+              </a:extLst>
+            </a:blip>
+            <a:stretch>
+              <a:fillRect/>
+            </a:stretch>
+          </p:blipFill>
+          <p:spPr>
+            <a:xfrm>
+              <a:off x="195841" y="3920946"/>
+              <a:ext cx="1156704" cy="1680112"/>
+            </a:xfrm>
+            <a:prstGeom prst="rect">
+              <a:avLst/>
+            </a:prstGeom>
+          </p:spPr>
+        </p:pic>
+        <p:pic>
+          <p:nvPicPr>
+            <p:cNvPr id="21" name="Picture 20" descr="Icon&#10;&#10;Description automatically generated">
+              <a:extLst>
+                <a:ext uri="{FF2B5EF4-FFF2-40B4-BE49-F238E27FC236}">
+                  <a16:creationId xmlns:a16="http://schemas.microsoft.com/office/drawing/2014/main" id="{B9104741-1C68-D5E8-4CF1-068967AFC3C2}"/>
+                </a:ext>
+              </a:extLst>
+            </p:cNvPr>
+            <p:cNvPicPr>
+              <a:picLocks noChangeAspect="1"/>
+            </p:cNvPicPr>
+            <p:nvPr/>
+          </p:nvPicPr>
+          <p:blipFill>
+            <a:blip r:embed="rId2">
+              <a:extLst>
+                <a:ext uri="{28A0092B-C50C-407E-A947-70E740481C1C}">
+                  <a14:useLocalDpi xmlns:a14="http://schemas.microsoft.com/office/drawing/2010/main" val="0"/>
+                </a:ext>
+              </a:extLst>
+            </a:blip>
+            <a:stretch>
+              <a:fillRect/>
+            </a:stretch>
+          </p:blipFill>
+          <p:spPr>
+            <a:xfrm>
+              <a:off x="195841" y="4437486"/>
+              <a:ext cx="1156704" cy="1680112"/>
+            </a:xfrm>
+            <a:prstGeom prst="rect">
+              <a:avLst/>
+            </a:prstGeom>
+          </p:spPr>
+        </p:pic>
+        <p:pic>
+          <p:nvPicPr>
+            <p:cNvPr id="20" name="Picture 19" descr="Icon&#10;&#10;Description automatically generated">
+              <a:extLst>
+                <a:ext uri="{FF2B5EF4-FFF2-40B4-BE49-F238E27FC236}">
+                  <a16:creationId xmlns:a16="http://schemas.microsoft.com/office/drawing/2014/main" id="{82EA6E9C-6399-A58E-0B17-83963DFDD81F}"/>
+                </a:ext>
+              </a:extLst>
+            </p:cNvPr>
+            <p:cNvPicPr>
+              <a:picLocks noChangeAspect="1"/>
+            </p:cNvPicPr>
+            <p:nvPr/>
+          </p:nvPicPr>
+          <p:blipFill>
+            <a:blip r:embed="rId2">
+              <a:extLst>
+                <a:ext uri="{28A0092B-C50C-407E-A947-70E740481C1C}">
+                  <a14:useLocalDpi xmlns:a14="http://schemas.microsoft.com/office/drawing/2010/main" val="0"/>
+                </a:ext>
+              </a:extLst>
+            </a:blip>
+            <a:stretch>
+              <a:fillRect/>
+            </a:stretch>
+          </p:blipFill>
+          <p:spPr>
+            <a:xfrm>
+              <a:off x="195841" y="4893258"/>
+              <a:ext cx="1156704" cy="1680112"/>
+            </a:xfrm>
+            <a:prstGeom prst="rect">
+              <a:avLst/>
+            </a:prstGeom>
+          </p:spPr>
+        </p:pic>
+      </p:grpSp>
+      <p:grpSp>
+        <p:nvGrpSpPr>
+          <p:cNvPr id="97" name="Group 96">
+            <a:extLst>
+              <a:ext uri="{FF2B5EF4-FFF2-40B4-BE49-F238E27FC236}">
+                <a16:creationId xmlns:a16="http://schemas.microsoft.com/office/drawing/2014/main" id="{57545BA1-4FA6-3DBA-B7E7-E947EFCCA440}"/>
+              </a:ext>
+            </a:extLst>
+          </p:cNvPr>
+          <p:cNvGrpSpPr/>
+          <p:nvPr/>
+        </p:nvGrpSpPr>
+        <p:grpSpPr>
+          <a:xfrm>
+            <a:off x="2881210" y="3580285"/>
+            <a:ext cx="1156704" cy="2652424"/>
+            <a:chOff x="195841" y="3920946"/>
+            <a:chExt cx="1156704" cy="2652424"/>
+          </a:xfrm>
+        </p:grpSpPr>
+        <p:pic>
+          <p:nvPicPr>
+            <p:cNvPr id="98" name="Picture 97" descr="Icon&#10;&#10;Description automatically generated">
+              <a:extLst>
+                <a:ext uri="{FF2B5EF4-FFF2-40B4-BE49-F238E27FC236}">
+                  <a16:creationId xmlns:a16="http://schemas.microsoft.com/office/drawing/2014/main" id="{931B198D-D96B-3C3F-FA65-76CCD932C64B}"/>
+                </a:ext>
+              </a:extLst>
+            </p:cNvPr>
+            <p:cNvPicPr>
+              <a:picLocks noChangeAspect="1"/>
+            </p:cNvPicPr>
+            <p:nvPr/>
+          </p:nvPicPr>
+          <p:blipFill>
+            <a:blip r:embed="rId2">
+              <a:extLst>
+                <a:ext uri="{28A0092B-C50C-407E-A947-70E740481C1C}">
+                  <a14:useLocalDpi xmlns:a14="http://schemas.microsoft.com/office/drawing/2010/main" val="0"/>
+                </a:ext>
+              </a:extLst>
+            </a:blip>
+            <a:stretch>
+              <a:fillRect/>
+            </a:stretch>
+          </p:blipFill>
+          <p:spPr>
+            <a:xfrm>
+              <a:off x="195841" y="3920946"/>
+              <a:ext cx="1156704" cy="1680112"/>
+            </a:xfrm>
+            <a:prstGeom prst="rect">
+              <a:avLst/>
+            </a:prstGeom>
+          </p:spPr>
+        </p:pic>
+        <p:pic>
+          <p:nvPicPr>
+            <p:cNvPr id="99" name="Picture 98" descr="Icon&#10;&#10;Description automatically generated">
+              <a:extLst>
+                <a:ext uri="{FF2B5EF4-FFF2-40B4-BE49-F238E27FC236}">
+                  <a16:creationId xmlns:a16="http://schemas.microsoft.com/office/drawing/2014/main" id="{4B01183A-79E4-9385-988E-176A014E9359}"/>
+                </a:ext>
+              </a:extLst>
+            </p:cNvPr>
+            <p:cNvPicPr>
+              <a:picLocks noChangeAspect="1"/>
+            </p:cNvPicPr>
+            <p:nvPr/>
+          </p:nvPicPr>
+          <p:blipFill>
+            <a:blip r:embed="rId2">
+              <a:extLst>
+                <a:ext uri="{28A0092B-C50C-407E-A947-70E740481C1C}">
+                  <a14:useLocalDpi xmlns:a14="http://schemas.microsoft.com/office/drawing/2010/main" val="0"/>
+                </a:ext>
+              </a:extLst>
+            </a:blip>
+            <a:stretch>
+              <a:fillRect/>
+            </a:stretch>
+          </p:blipFill>
+          <p:spPr>
+            <a:xfrm>
+              <a:off x="195841" y="4437486"/>
+              <a:ext cx="1156704" cy="1680112"/>
+            </a:xfrm>
+            <a:prstGeom prst="rect">
+              <a:avLst/>
+            </a:prstGeom>
+          </p:spPr>
+        </p:pic>
+        <p:pic>
+          <p:nvPicPr>
+            <p:cNvPr id="100" name="Picture 99" descr="Icon&#10;&#10;Description automatically generated">
+              <a:extLst>
+                <a:ext uri="{FF2B5EF4-FFF2-40B4-BE49-F238E27FC236}">
+                  <a16:creationId xmlns:a16="http://schemas.microsoft.com/office/drawing/2014/main" id="{66A17BAD-D33B-94DD-8717-8001057CBAE5}"/>
+                </a:ext>
+              </a:extLst>
+            </p:cNvPr>
+            <p:cNvPicPr>
+              <a:picLocks noChangeAspect="1"/>
+            </p:cNvPicPr>
+            <p:nvPr/>
+          </p:nvPicPr>
+          <p:blipFill>
+            <a:blip r:embed="rId2">
+              <a:extLst>
+                <a:ext uri="{28A0092B-C50C-407E-A947-70E740481C1C}">
+                  <a14:useLocalDpi xmlns:a14="http://schemas.microsoft.com/office/drawing/2010/main" val="0"/>
+                </a:ext>
+              </a:extLst>
+            </a:blip>
+            <a:stretch>
+              <a:fillRect/>
+            </a:stretch>
+          </p:blipFill>
+          <p:spPr>
+            <a:xfrm>
+              <a:off x="195841" y="4893258"/>
+              <a:ext cx="1156704" cy="1680112"/>
+            </a:xfrm>
+            <a:prstGeom prst="rect">
+              <a:avLst/>
+            </a:prstGeom>
+          </p:spPr>
+        </p:pic>
+      </p:grpSp>
+      <p:grpSp>
+        <p:nvGrpSpPr>
+          <p:cNvPr id="101" name="Group 100">
+            <a:extLst>
+              <a:ext uri="{FF2B5EF4-FFF2-40B4-BE49-F238E27FC236}">
+                <a16:creationId xmlns:a16="http://schemas.microsoft.com/office/drawing/2014/main" id="{3A40F991-4736-DD71-1A54-CA11626ED25B}"/>
+              </a:ext>
+            </a:extLst>
+          </p:cNvPr>
+          <p:cNvGrpSpPr/>
+          <p:nvPr/>
+        </p:nvGrpSpPr>
+        <p:grpSpPr>
+          <a:xfrm>
+            <a:off x="3459562" y="3585215"/>
+            <a:ext cx="1156704" cy="2652424"/>
+            <a:chOff x="195841" y="3920946"/>
+            <a:chExt cx="1156704" cy="2652424"/>
+          </a:xfrm>
+        </p:grpSpPr>
+        <p:pic>
+          <p:nvPicPr>
+            <p:cNvPr id="102" name="Picture 101" descr="Icon&#10;&#10;Description automatically generated">
+              <a:extLst>
+                <a:ext uri="{FF2B5EF4-FFF2-40B4-BE49-F238E27FC236}">
+                  <a16:creationId xmlns:a16="http://schemas.microsoft.com/office/drawing/2014/main" id="{AC790063-7568-D9E3-FE94-8F18F6553B45}"/>
+                </a:ext>
+              </a:extLst>
+            </p:cNvPr>
+            <p:cNvPicPr>
+              <a:picLocks noChangeAspect="1"/>
+            </p:cNvPicPr>
+            <p:nvPr/>
+          </p:nvPicPr>
+          <p:blipFill>
+            <a:blip r:embed="rId2">
+              <a:extLst>
+                <a:ext uri="{28A0092B-C50C-407E-A947-70E740481C1C}">
+                  <a14:useLocalDpi xmlns:a14="http://schemas.microsoft.com/office/drawing/2010/main" val="0"/>
+                </a:ext>
+              </a:extLst>
+            </a:blip>
+            <a:stretch>
+              <a:fillRect/>
+            </a:stretch>
+          </p:blipFill>
+          <p:spPr>
+            <a:xfrm>
+              <a:off x="195841" y="3920946"/>
+              <a:ext cx="1156704" cy="1680112"/>
+            </a:xfrm>
+            <a:prstGeom prst="rect">
+              <a:avLst/>
+            </a:prstGeom>
+          </p:spPr>
+        </p:pic>
+        <p:pic>
+          <p:nvPicPr>
+            <p:cNvPr id="103" name="Picture 102" descr="Icon&#10;&#10;Description automatically generated">
+              <a:extLst>
+                <a:ext uri="{FF2B5EF4-FFF2-40B4-BE49-F238E27FC236}">
+                  <a16:creationId xmlns:a16="http://schemas.microsoft.com/office/drawing/2014/main" id="{EC97C250-D41C-798E-590D-2569A3C97963}"/>
+                </a:ext>
+              </a:extLst>
+            </p:cNvPr>
+            <p:cNvPicPr>
+              <a:picLocks noChangeAspect="1"/>
+            </p:cNvPicPr>
+            <p:nvPr/>
+          </p:nvPicPr>
+          <p:blipFill>
+            <a:blip r:embed="rId2">
+              <a:extLst>
+                <a:ext uri="{28A0092B-C50C-407E-A947-70E740481C1C}">
+                  <a14:useLocalDpi xmlns:a14="http://schemas.microsoft.com/office/drawing/2010/main" val="0"/>
+                </a:ext>
+              </a:extLst>
+            </a:blip>
+            <a:stretch>
+              <a:fillRect/>
+            </a:stretch>
+          </p:blipFill>
+          <p:spPr>
+            <a:xfrm>
+              <a:off x="195841" y="4437486"/>
+              <a:ext cx="1156704" cy="1680112"/>
+            </a:xfrm>
+            <a:prstGeom prst="rect">
+              <a:avLst/>
+            </a:prstGeom>
+          </p:spPr>
+        </p:pic>
+        <p:pic>
+          <p:nvPicPr>
+            <p:cNvPr id="104" name="Picture 103" descr="Icon&#10;&#10;Description automatically generated">
+              <a:extLst>
+                <a:ext uri="{FF2B5EF4-FFF2-40B4-BE49-F238E27FC236}">
+                  <a16:creationId xmlns:a16="http://schemas.microsoft.com/office/drawing/2014/main" id="{999A3CCE-EB3B-ABB6-2C0C-ED3F43121E1F}"/>
+                </a:ext>
+              </a:extLst>
+            </p:cNvPr>
+            <p:cNvPicPr>
+              <a:picLocks noChangeAspect="1"/>
+            </p:cNvPicPr>
+            <p:nvPr/>
+          </p:nvPicPr>
+          <p:blipFill>
+            <a:blip r:embed="rId2">
+              <a:extLst>
+                <a:ext uri="{28A0092B-C50C-407E-A947-70E740481C1C}">
+                  <a14:useLocalDpi xmlns:a14="http://schemas.microsoft.com/office/drawing/2010/main" val="0"/>
+                </a:ext>
+              </a:extLst>
+            </a:blip>
+            <a:stretch>
+              <a:fillRect/>
+            </a:stretch>
+          </p:blipFill>
+          <p:spPr>
+            <a:xfrm>
+              <a:off x="195841" y="4893258"/>
+              <a:ext cx="1156704" cy="1680112"/>
+            </a:xfrm>
+            <a:prstGeom prst="rect">
+              <a:avLst/>
+            </a:prstGeom>
+          </p:spPr>
+        </p:pic>
+      </p:grpSp>
+      <p:grpSp>
+        <p:nvGrpSpPr>
+          <p:cNvPr id="105" name="Group 104">
+            <a:extLst>
+              <a:ext uri="{FF2B5EF4-FFF2-40B4-BE49-F238E27FC236}">
+                <a16:creationId xmlns:a16="http://schemas.microsoft.com/office/drawing/2014/main" id="{F0C62210-EE97-B987-310A-30C5F61ED67C}"/>
+              </a:ext>
+            </a:extLst>
+          </p:cNvPr>
+          <p:cNvGrpSpPr/>
+          <p:nvPr/>
+        </p:nvGrpSpPr>
+        <p:grpSpPr>
+          <a:xfrm>
+            <a:off x="4133170" y="3586688"/>
+            <a:ext cx="1156704" cy="2652424"/>
+            <a:chOff x="195841" y="3920946"/>
+            <a:chExt cx="1156704" cy="2652424"/>
+          </a:xfrm>
+        </p:grpSpPr>
+        <p:pic>
+          <p:nvPicPr>
+            <p:cNvPr id="106" name="Picture 105" descr="Icon&#10;&#10;Description automatically generated">
+              <a:extLst>
+                <a:ext uri="{FF2B5EF4-FFF2-40B4-BE49-F238E27FC236}">
+                  <a16:creationId xmlns:a16="http://schemas.microsoft.com/office/drawing/2014/main" id="{2D634470-8B8F-86C6-0213-70C75F776DDD}"/>
+                </a:ext>
+              </a:extLst>
+            </p:cNvPr>
+            <p:cNvPicPr>
+              <a:picLocks noChangeAspect="1"/>
+            </p:cNvPicPr>
+            <p:nvPr/>
+          </p:nvPicPr>
+          <p:blipFill>
+            <a:blip r:embed="rId2">
+              <a:extLst>
+                <a:ext uri="{28A0092B-C50C-407E-A947-70E740481C1C}">
+                  <a14:useLocalDpi xmlns:a14="http://schemas.microsoft.com/office/drawing/2010/main" val="0"/>
+                </a:ext>
+              </a:extLst>
+            </a:blip>
+            <a:stretch>
+              <a:fillRect/>
+            </a:stretch>
+          </p:blipFill>
+          <p:spPr>
+            <a:xfrm>
+              <a:off x="195841" y="3920946"/>
+              <a:ext cx="1156704" cy="1680112"/>
+            </a:xfrm>
+            <a:prstGeom prst="rect">
+              <a:avLst/>
+            </a:prstGeom>
+          </p:spPr>
+        </p:pic>
+        <p:pic>
+          <p:nvPicPr>
+            <p:cNvPr id="107" name="Picture 106" descr="Icon&#10;&#10;Description automatically generated">
+              <a:extLst>
+                <a:ext uri="{FF2B5EF4-FFF2-40B4-BE49-F238E27FC236}">
+                  <a16:creationId xmlns:a16="http://schemas.microsoft.com/office/drawing/2014/main" id="{5DD72ABA-7B70-F1B1-223B-78E53EA94A39}"/>
+                </a:ext>
+              </a:extLst>
+            </p:cNvPr>
+            <p:cNvPicPr>
+              <a:picLocks noChangeAspect="1"/>
+            </p:cNvPicPr>
+            <p:nvPr/>
+          </p:nvPicPr>
+          <p:blipFill>
+            <a:blip r:embed="rId2">
+              <a:extLst>
+                <a:ext uri="{28A0092B-C50C-407E-A947-70E740481C1C}">
+                  <a14:useLocalDpi xmlns:a14="http://schemas.microsoft.com/office/drawing/2010/main" val="0"/>
+                </a:ext>
+              </a:extLst>
+            </a:blip>
+            <a:stretch>
+              <a:fillRect/>
+            </a:stretch>
+          </p:blipFill>
+          <p:spPr>
+            <a:xfrm>
+              <a:off x="195841" y="4437486"/>
+              <a:ext cx="1156704" cy="1680112"/>
+            </a:xfrm>
+            <a:prstGeom prst="rect">
+              <a:avLst/>
+            </a:prstGeom>
+          </p:spPr>
+        </p:pic>
+        <p:pic>
+          <p:nvPicPr>
+            <p:cNvPr id="108" name="Picture 107" descr="Icon&#10;&#10;Description automatically generated">
+              <a:extLst>
+                <a:ext uri="{FF2B5EF4-FFF2-40B4-BE49-F238E27FC236}">
+                  <a16:creationId xmlns:a16="http://schemas.microsoft.com/office/drawing/2014/main" id="{0A6F4635-29E9-75B5-F3B2-731EC16AC921}"/>
+                </a:ext>
+              </a:extLst>
+            </p:cNvPr>
+            <p:cNvPicPr>
+              <a:picLocks noChangeAspect="1"/>
+            </p:cNvPicPr>
+            <p:nvPr/>
+          </p:nvPicPr>
+          <p:blipFill>
+            <a:blip r:embed="rId2">
+              <a:extLst>
+                <a:ext uri="{28A0092B-C50C-407E-A947-70E740481C1C}">
+                  <a14:useLocalDpi xmlns:a14="http://schemas.microsoft.com/office/drawing/2010/main" val="0"/>
+                </a:ext>
+              </a:extLst>
+            </a:blip>
+            <a:stretch>
+              <a:fillRect/>
+            </a:stretch>
+          </p:blipFill>
+          <p:spPr>
+            <a:xfrm>
+              <a:off x="195841" y="4893258"/>
+              <a:ext cx="1156704" cy="1680112"/>
+            </a:xfrm>
+            <a:prstGeom prst="rect">
+              <a:avLst/>
+            </a:prstGeom>
+          </p:spPr>
+        </p:pic>
+      </p:grpSp>
+      <p:grpSp>
+        <p:nvGrpSpPr>
+          <p:cNvPr id="109" name="Group 108">
+            <a:extLst>
+              <a:ext uri="{FF2B5EF4-FFF2-40B4-BE49-F238E27FC236}">
+                <a16:creationId xmlns:a16="http://schemas.microsoft.com/office/drawing/2014/main" id="{80BB18E3-4F60-F3EF-F10A-94BB70DF2F56}"/>
+              </a:ext>
+            </a:extLst>
+          </p:cNvPr>
+          <p:cNvGrpSpPr/>
+          <p:nvPr/>
+        </p:nvGrpSpPr>
+        <p:grpSpPr>
+          <a:xfrm>
+            <a:off x="4806778" y="3586688"/>
+            <a:ext cx="1156704" cy="2652424"/>
+            <a:chOff x="195841" y="3920946"/>
+            <a:chExt cx="1156704" cy="2652424"/>
+          </a:xfrm>
+        </p:grpSpPr>
+        <p:pic>
+          <p:nvPicPr>
+            <p:cNvPr id="110" name="Picture 109" descr="Icon&#10;&#10;Description automatically generated">
+              <a:extLst>
+                <a:ext uri="{FF2B5EF4-FFF2-40B4-BE49-F238E27FC236}">
+                  <a16:creationId xmlns:a16="http://schemas.microsoft.com/office/drawing/2014/main" id="{FB6AB27A-500F-225B-8A28-978D24927088}"/>
+                </a:ext>
+              </a:extLst>
+            </p:cNvPr>
+            <p:cNvPicPr>
+              <a:picLocks noChangeAspect="1"/>
+            </p:cNvPicPr>
+            <p:nvPr/>
+          </p:nvPicPr>
+          <p:blipFill>
+            <a:blip r:embed="rId2">
+              <a:extLst>
+                <a:ext uri="{28A0092B-C50C-407E-A947-70E740481C1C}">
+                  <a14:useLocalDpi xmlns:a14="http://schemas.microsoft.com/office/drawing/2010/main" val="0"/>
+                </a:ext>
+              </a:extLst>
+            </a:blip>
+            <a:stretch>
+              <a:fillRect/>
+            </a:stretch>
+          </p:blipFill>
+          <p:spPr>
+            <a:xfrm>
+              <a:off x="195841" y="3920946"/>
+              <a:ext cx="1156704" cy="1680112"/>
+            </a:xfrm>
+            <a:prstGeom prst="rect">
+              <a:avLst/>
+            </a:prstGeom>
+          </p:spPr>
+        </p:pic>
+        <p:pic>
+          <p:nvPicPr>
+            <p:cNvPr id="111" name="Picture 110" descr="Icon&#10;&#10;Description automatically generated">
+              <a:extLst>
+                <a:ext uri="{FF2B5EF4-FFF2-40B4-BE49-F238E27FC236}">
+                  <a16:creationId xmlns:a16="http://schemas.microsoft.com/office/drawing/2014/main" id="{894D5284-0E32-56B8-2A48-D3BEA372EBD1}"/>
+                </a:ext>
+              </a:extLst>
+            </p:cNvPr>
+            <p:cNvPicPr>
+              <a:picLocks noChangeAspect="1"/>
+            </p:cNvPicPr>
+            <p:nvPr/>
+          </p:nvPicPr>
+          <p:blipFill>
+            <a:blip r:embed="rId2">
+              <a:extLst>
+                <a:ext uri="{28A0092B-C50C-407E-A947-70E740481C1C}">
+                  <a14:useLocalDpi xmlns:a14="http://schemas.microsoft.com/office/drawing/2010/main" val="0"/>
+                </a:ext>
+              </a:extLst>
+            </a:blip>
+            <a:stretch>
+              <a:fillRect/>
+            </a:stretch>
+          </p:blipFill>
+          <p:spPr>
+            <a:xfrm>
+              <a:off x="195841" y="4437486"/>
+              <a:ext cx="1156704" cy="1680112"/>
+            </a:xfrm>
+            <a:prstGeom prst="rect">
+              <a:avLst/>
+            </a:prstGeom>
+          </p:spPr>
+        </p:pic>
+        <p:pic>
+          <p:nvPicPr>
+            <p:cNvPr id="112" name="Picture 111" descr="Icon&#10;&#10;Description automatically generated">
+              <a:extLst>
+                <a:ext uri="{FF2B5EF4-FFF2-40B4-BE49-F238E27FC236}">
+                  <a16:creationId xmlns:a16="http://schemas.microsoft.com/office/drawing/2014/main" id="{92A0C0F6-D01A-0A20-2A3E-3CF3A3F89226}"/>
+                </a:ext>
+              </a:extLst>
+            </p:cNvPr>
+            <p:cNvPicPr>
+              <a:picLocks noChangeAspect="1"/>
+            </p:cNvPicPr>
+            <p:nvPr/>
+          </p:nvPicPr>
+          <p:blipFill>
+            <a:blip r:embed="rId2">
+              <a:extLst>
+                <a:ext uri="{28A0092B-C50C-407E-A947-70E740481C1C}">
+                  <a14:useLocalDpi xmlns:a14="http://schemas.microsoft.com/office/drawing/2010/main" val="0"/>
+                </a:ext>
+              </a:extLst>
+            </a:blip>
+            <a:stretch>
+              <a:fillRect/>
+            </a:stretch>
+          </p:blipFill>
+          <p:spPr>
+            <a:xfrm>
+              <a:off x="195841" y="4893258"/>
+              <a:ext cx="1156704" cy="1680112"/>
+            </a:xfrm>
+            <a:prstGeom prst="rect">
+              <a:avLst/>
+            </a:prstGeom>
+          </p:spPr>
+        </p:pic>
+      </p:grpSp>
+      <p:grpSp>
+        <p:nvGrpSpPr>
+          <p:cNvPr id="113" name="Group 112">
+            <a:extLst>
+              <a:ext uri="{FF2B5EF4-FFF2-40B4-BE49-F238E27FC236}">
+                <a16:creationId xmlns:a16="http://schemas.microsoft.com/office/drawing/2014/main" id="{282103A2-B181-057D-F6A6-90155CF94009}"/>
+              </a:ext>
+            </a:extLst>
+          </p:cNvPr>
+          <p:cNvGrpSpPr/>
+          <p:nvPr/>
+        </p:nvGrpSpPr>
+        <p:grpSpPr>
+          <a:xfrm>
+            <a:off x="5385130" y="3591618"/>
+            <a:ext cx="1156704" cy="2652424"/>
+            <a:chOff x="195841" y="3920946"/>
+            <a:chExt cx="1156704" cy="2652424"/>
+          </a:xfrm>
+        </p:grpSpPr>
+        <p:pic>
+          <p:nvPicPr>
+            <p:cNvPr id="114" name="Picture 113" descr="Icon&#10;&#10;Description automatically generated">
+              <a:extLst>
+                <a:ext uri="{FF2B5EF4-FFF2-40B4-BE49-F238E27FC236}">
+                  <a16:creationId xmlns:a16="http://schemas.microsoft.com/office/drawing/2014/main" id="{74588B47-B440-CB6C-3FC8-22AB948B96C4}"/>
+                </a:ext>
+              </a:extLst>
+            </p:cNvPr>
+            <p:cNvPicPr>
+              <a:picLocks noChangeAspect="1"/>
+            </p:cNvPicPr>
+            <p:nvPr/>
+          </p:nvPicPr>
+          <p:blipFill>
+            <a:blip r:embed="rId2">
+              <a:extLst>
+                <a:ext uri="{28A0092B-C50C-407E-A947-70E740481C1C}">
+                  <a14:useLocalDpi xmlns:a14="http://schemas.microsoft.com/office/drawing/2010/main" val="0"/>
+                </a:ext>
+              </a:extLst>
+            </a:blip>
+            <a:stretch>
+              <a:fillRect/>
+            </a:stretch>
+          </p:blipFill>
+          <p:spPr>
+            <a:xfrm>
+              <a:off x="195841" y="3920946"/>
+              <a:ext cx="1156704" cy="1680112"/>
+            </a:xfrm>
+            <a:prstGeom prst="rect">
+              <a:avLst/>
+            </a:prstGeom>
+          </p:spPr>
+        </p:pic>
+        <p:pic>
+          <p:nvPicPr>
+            <p:cNvPr id="115" name="Picture 114" descr="Icon&#10;&#10;Description automatically generated">
+              <a:extLst>
+                <a:ext uri="{FF2B5EF4-FFF2-40B4-BE49-F238E27FC236}">
+                  <a16:creationId xmlns:a16="http://schemas.microsoft.com/office/drawing/2014/main" id="{1509EE04-8A10-41EA-66E6-95096B0F344A}"/>
+                </a:ext>
+              </a:extLst>
+            </p:cNvPr>
+            <p:cNvPicPr>
+              <a:picLocks noChangeAspect="1"/>
+            </p:cNvPicPr>
+            <p:nvPr/>
+          </p:nvPicPr>
+          <p:blipFill>
+            <a:blip r:embed="rId2">
+              <a:extLst>
+                <a:ext uri="{28A0092B-C50C-407E-A947-70E740481C1C}">
+                  <a14:useLocalDpi xmlns:a14="http://schemas.microsoft.com/office/drawing/2010/main" val="0"/>
+                </a:ext>
+              </a:extLst>
+            </a:blip>
+            <a:stretch>
+              <a:fillRect/>
+            </a:stretch>
+          </p:blipFill>
+          <p:spPr>
+            <a:xfrm>
+              <a:off x="195841" y="4437486"/>
+              <a:ext cx="1156704" cy="1680112"/>
+            </a:xfrm>
+            <a:prstGeom prst="rect">
+              <a:avLst/>
+            </a:prstGeom>
+          </p:spPr>
+        </p:pic>
+        <p:pic>
+          <p:nvPicPr>
+            <p:cNvPr id="116" name="Picture 115" descr="Icon&#10;&#10;Description automatically generated">
+              <a:extLst>
+                <a:ext uri="{FF2B5EF4-FFF2-40B4-BE49-F238E27FC236}">
+                  <a16:creationId xmlns:a16="http://schemas.microsoft.com/office/drawing/2014/main" id="{77B94DDE-A718-8BC6-BB57-34CF230D9BB2}"/>
+                </a:ext>
+              </a:extLst>
+            </p:cNvPr>
+            <p:cNvPicPr>
+              <a:picLocks noChangeAspect="1"/>
+            </p:cNvPicPr>
+            <p:nvPr/>
+          </p:nvPicPr>
+          <p:blipFill>
+            <a:blip r:embed="rId2">
+              <a:extLst>
+                <a:ext uri="{28A0092B-C50C-407E-A947-70E740481C1C}">
+                  <a14:useLocalDpi xmlns:a14="http://schemas.microsoft.com/office/drawing/2010/main" val="0"/>
+                </a:ext>
+              </a:extLst>
+            </a:blip>
+            <a:stretch>
+              <a:fillRect/>
+            </a:stretch>
+          </p:blipFill>
+          <p:spPr>
+            <a:xfrm>
+              <a:off x="195841" y="4893258"/>
+              <a:ext cx="1156704" cy="1680112"/>
+            </a:xfrm>
+            <a:prstGeom prst="rect">
+              <a:avLst/>
+            </a:prstGeom>
+          </p:spPr>
+        </p:pic>
+      </p:grpSp>
+      <p:grpSp>
+        <p:nvGrpSpPr>
+          <p:cNvPr id="117" name="Group 116">
+            <a:extLst>
+              <a:ext uri="{FF2B5EF4-FFF2-40B4-BE49-F238E27FC236}">
+                <a16:creationId xmlns:a16="http://schemas.microsoft.com/office/drawing/2014/main" id="{0A42B38B-A60E-7C76-C279-3588B0F80D13}"/>
+              </a:ext>
+            </a:extLst>
+          </p:cNvPr>
+          <p:cNvGrpSpPr/>
+          <p:nvPr/>
+        </p:nvGrpSpPr>
+        <p:grpSpPr>
+          <a:xfrm>
+            <a:off x="6101027" y="3580285"/>
+            <a:ext cx="1156704" cy="2652424"/>
+            <a:chOff x="195841" y="3920946"/>
+            <a:chExt cx="1156704" cy="2652424"/>
+          </a:xfrm>
+        </p:grpSpPr>
+        <p:pic>
+          <p:nvPicPr>
+            <p:cNvPr id="118" name="Picture 117" descr="Icon&#10;&#10;Description automatically generated">
+              <a:extLst>
+                <a:ext uri="{FF2B5EF4-FFF2-40B4-BE49-F238E27FC236}">
+                  <a16:creationId xmlns:a16="http://schemas.microsoft.com/office/drawing/2014/main" id="{5BD2077D-C7AA-E624-74DB-88EA8CEB5D0D}"/>
+                </a:ext>
+              </a:extLst>
+            </p:cNvPr>
+            <p:cNvPicPr>
+              <a:picLocks noChangeAspect="1"/>
+            </p:cNvPicPr>
+            <p:nvPr/>
+          </p:nvPicPr>
+          <p:blipFill>
+            <a:blip r:embed="rId2">
+              <a:extLst>
+                <a:ext uri="{28A0092B-C50C-407E-A947-70E740481C1C}">
+                  <a14:useLocalDpi xmlns:a14="http://schemas.microsoft.com/office/drawing/2010/main" val="0"/>
+                </a:ext>
+              </a:extLst>
+            </a:blip>
+            <a:stretch>
+              <a:fillRect/>
+            </a:stretch>
+          </p:blipFill>
+          <p:spPr>
+            <a:xfrm>
+              <a:off x="195841" y="3920946"/>
+              <a:ext cx="1156704" cy="1680112"/>
+            </a:xfrm>
+            <a:prstGeom prst="rect">
+              <a:avLst/>
+            </a:prstGeom>
+          </p:spPr>
+        </p:pic>
+        <p:pic>
+          <p:nvPicPr>
+            <p:cNvPr id="119" name="Picture 118" descr="Icon&#10;&#10;Description automatically generated">
+              <a:extLst>
+                <a:ext uri="{FF2B5EF4-FFF2-40B4-BE49-F238E27FC236}">
+                  <a16:creationId xmlns:a16="http://schemas.microsoft.com/office/drawing/2014/main" id="{88104E37-E06C-48CE-732B-ACE5763E914F}"/>
+                </a:ext>
+              </a:extLst>
+            </p:cNvPr>
+            <p:cNvPicPr>
+              <a:picLocks noChangeAspect="1"/>
+            </p:cNvPicPr>
+            <p:nvPr/>
+          </p:nvPicPr>
+          <p:blipFill>
+            <a:blip r:embed="rId2">
+              <a:extLst>
+                <a:ext uri="{28A0092B-C50C-407E-A947-70E740481C1C}">
+                  <a14:useLocalDpi xmlns:a14="http://schemas.microsoft.com/office/drawing/2010/main" val="0"/>
+                </a:ext>
+              </a:extLst>
+            </a:blip>
+            <a:stretch>
+              <a:fillRect/>
+            </a:stretch>
+          </p:blipFill>
+          <p:spPr>
+            <a:xfrm>
+              <a:off x="195841" y="4437486"/>
+              <a:ext cx="1156704" cy="1680112"/>
+            </a:xfrm>
+            <a:prstGeom prst="rect">
+              <a:avLst/>
+            </a:prstGeom>
+          </p:spPr>
+        </p:pic>
+        <p:pic>
+          <p:nvPicPr>
+            <p:cNvPr id="120" name="Picture 119" descr="Icon&#10;&#10;Description automatically generated">
+              <a:extLst>
+                <a:ext uri="{FF2B5EF4-FFF2-40B4-BE49-F238E27FC236}">
+                  <a16:creationId xmlns:a16="http://schemas.microsoft.com/office/drawing/2014/main" id="{4E8DE61C-9608-EF8B-C01A-E9385F5FCD7B}"/>
+                </a:ext>
+              </a:extLst>
+            </p:cNvPr>
+            <p:cNvPicPr>
+              <a:picLocks noChangeAspect="1"/>
+            </p:cNvPicPr>
+            <p:nvPr/>
+          </p:nvPicPr>
+          <p:blipFill>
+            <a:blip r:embed="rId2">
+              <a:extLst>
+                <a:ext uri="{28A0092B-C50C-407E-A947-70E740481C1C}">
+                  <a14:useLocalDpi xmlns:a14="http://schemas.microsoft.com/office/drawing/2010/main" val="0"/>
+                </a:ext>
+              </a:extLst>
+            </a:blip>
+            <a:stretch>
+              <a:fillRect/>
+            </a:stretch>
+          </p:blipFill>
+          <p:spPr>
+            <a:xfrm>
+              <a:off x="195841" y="4893258"/>
+              <a:ext cx="1156704" cy="1680112"/>
+            </a:xfrm>
+            <a:prstGeom prst="rect">
+              <a:avLst/>
+            </a:prstGeom>
+          </p:spPr>
+        </p:pic>
+      </p:grpSp>
+      <p:grpSp>
+        <p:nvGrpSpPr>
+          <p:cNvPr id="121" name="Group 120">
+            <a:extLst>
+              <a:ext uri="{FF2B5EF4-FFF2-40B4-BE49-F238E27FC236}">
+                <a16:creationId xmlns:a16="http://schemas.microsoft.com/office/drawing/2014/main" id="{ADCAF181-279E-52F7-8D7B-567C0D14EFEA}"/>
+              </a:ext>
+            </a:extLst>
+          </p:cNvPr>
+          <p:cNvGrpSpPr/>
+          <p:nvPr/>
+        </p:nvGrpSpPr>
+        <p:grpSpPr>
+          <a:xfrm>
+            <a:off x="6774635" y="3580285"/>
+            <a:ext cx="1156704" cy="2652424"/>
+            <a:chOff x="195841" y="3920946"/>
+            <a:chExt cx="1156704" cy="2652424"/>
+          </a:xfrm>
+        </p:grpSpPr>
+        <p:pic>
+          <p:nvPicPr>
+            <p:cNvPr id="122" name="Picture 121" descr="Icon&#10;&#10;Description automatically generated">
+              <a:extLst>
+                <a:ext uri="{FF2B5EF4-FFF2-40B4-BE49-F238E27FC236}">
+                  <a16:creationId xmlns:a16="http://schemas.microsoft.com/office/drawing/2014/main" id="{AD0BD2CA-2FB5-09AD-8409-BED567882C1E}"/>
+                </a:ext>
+              </a:extLst>
+            </p:cNvPr>
+            <p:cNvPicPr>
+              <a:picLocks noChangeAspect="1"/>
+            </p:cNvPicPr>
+            <p:nvPr/>
+          </p:nvPicPr>
+          <p:blipFill>
+            <a:blip r:embed="rId2">
+              <a:extLst>
+                <a:ext uri="{28A0092B-C50C-407E-A947-70E740481C1C}">
+                  <a14:useLocalDpi xmlns:a14="http://schemas.microsoft.com/office/drawing/2010/main" val="0"/>
+                </a:ext>
+              </a:extLst>
+            </a:blip>
+            <a:stretch>
+              <a:fillRect/>
+            </a:stretch>
+          </p:blipFill>
+          <p:spPr>
+            <a:xfrm>
+              <a:off x="195841" y="3920946"/>
+              <a:ext cx="1156704" cy="1680112"/>
+            </a:xfrm>
+            <a:prstGeom prst="rect">
+              <a:avLst/>
+            </a:prstGeom>
+          </p:spPr>
+        </p:pic>
+        <p:pic>
+          <p:nvPicPr>
+            <p:cNvPr id="123" name="Picture 122" descr="Icon&#10;&#10;Description automatically generated">
+              <a:extLst>
+                <a:ext uri="{FF2B5EF4-FFF2-40B4-BE49-F238E27FC236}">
+                  <a16:creationId xmlns:a16="http://schemas.microsoft.com/office/drawing/2014/main" id="{E3E23C59-3076-CC88-0E10-FB24432ACA70}"/>
+                </a:ext>
+              </a:extLst>
+            </p:cNvPr>
+            <p:cNvPicPr>
+              <a:picLocks noChangeAspect="1"/>
+            </p:cNvPicPr>
+            <p:nvPr/>
+          </p:nvPicPr>
+          <p:blipFill>
+            <a:blip r:embed="rId2">
+              <a:extLst>
+                <a:ext uri="{28A0092B-C50C-407E-A947-70E740481C1C}">
+                  <a14:useLocalDpi xmlns:a14="http://schemas.microsoft.com/office/drawing/2010/main" val="0"/>
+                </a:ext>
+              </a:extLst>
+            </a:blip>
+            <a:stretch>
+              <a:fillRect/>
+            </a:stretch>
+          </p:blipFill>
+          <p:spPr>
+            <a:xfrm>
+              <a:off x="195841" y="4437486"/>
+              <a:ext cx="1156704" cy="1680112"/>
+            </a:xfrm>
+            <a:prstGeom prst="rect">
+              <a:avLst/>
+            </a:prstGeom>
+          </p:spPr>
+        </p:pic>
+        <p:pic>
+          <p:nvPicPr>
+            <p:cNvPr id="124" name="Picture 123" descr="Icon&#10;&#10;Description automatically generated">
+              <a:extLst>
+                <a:ext uri="{FF2B5EF4-FFF2-40B4-BE49-F238E27FC236}">
+                  <a16:creationId xmlns:a16="http://schemas.microsoft.com/office/drawing/2014/main" id="{B63B9A1A-70F9-0C48-2370-6C5FE66BFB76}"/>
+                </a:ext>
+              </a:extLst>
+            </p:cNvPr>
+            <p:cNvPicPr>
+              <a:picLocks noChangeAspect="1"/>
+            </p:cNvPicPr>
+            <p:nvPr/>
+          </p:nvPicPr>
+          <p:blipFill>
+            <a:blip r:embed="rId2">
+              <a:extLst>
+                <a:ext uri="{28A0092B-C50C-407E-A947-70E740481C1C}">
+                  <a14:useLocalDpi xmlns:a14="http://schemas.microsoft.com/office/drawing/2010/main" val="0"/>
+                </a:ext>
+              </a:extLst>
+            </a:blip>
+            <a:stretch>
+              <a:fillRect/>
+            </a:stretch>
+          </p:blipFill>
+          <p:spPr>
+            <a:xfrm>
+              <a:off x="195841" y="4893258"/>
+              <a:ext cx="1156704" cy="1680112"/>
+            </a:xfrm>
+            <a:prstGeom prst="rect">
+              <a:avLst/>
+            </a:prstGeom>
+          </p:spPr>
+        </p:pic>
+      </p:grpSp>
+      <p:grpSp>
+        <p:nvGrpSpPr>
+          <p:cNvPr id="125" name="Group 124">
+            <a:extLst>
+              <a:ext uri="{FF2B5EF4-FFF2-40B4-BE49-F238E27FC236}">
+                <a16:creationId xmlns:a16="http://schemas.microsoft.com/office/drawing/2014/main" id="{4895E2C9-5D9F-27E5-2662-CABC451F9D2B}"/>
+              </a:ext>
+            </a:extLst>
+          </p:cNvPr>
+          <p:cNvGrpSpPr/>
+          <p:nvPr/>
+        </p:nvGrpSpPr>
+        <p:grpSpPr>
+          <a:xfrm>
+            <a:off x="7352987" y="3585215"/>
+            <a:ext cx="1156704" cy="2652424"/>
+            <a:chOff x="195841" y="3920946"/>
+            <a:chExt cx="1156704" cy="2652424"/>
+          </a:xfrm>
+        </p:grpSpPr>
+        <p:pic>
+          <p:nvPicPr>
+            <p:cNvPr id="126" name="Picture 125" descr="Icon&#10;&#10;Description automatically generated">
+              <a:extLst>
+                <a:ext uri="{FF2B5EF4-FFF2-40B4-BE49-F238E27FC236}">
+                  <a16:creationId xmlns:a16="http://schemas.microsoft.com/office/drawing/2014/main" id="{8FFAE2D7-9671-24C4-B7EA-83FB41AACC1B}"/>
+                </a:ext>
+              </a:extLst>
+            </p:cNvPr>
+            <p:cNvPicPr>
+              <a:picLocks noChangeAspect="1"/>
+            </p:cNvPicPr>
+            <p:nvPr/>
+          </p:nvPicPr>
+          <p:blipFill>
+            <a:blip r:embed="rId2">
+              <a:extLst>
+                <a:ext uri="{28A0092B-C50C-407E-A947-70E740481C1C}">
+                  <a14:useLocalDpi xmlns:a14="http://schemas.microsoft.com/office/drawing/2010/main" val="0"/>
+                </a:ext>
+              </a:extLst>
+            </a:blip>
+            <a:stretch>
+              <a:fillRect/>
+            </a:stretch>
+          </p:blipFill>
+          <p:spPr>
+            <a:xfrm>
+              <a:off x="195841" y="3920946"/>
+              <a:ext cx="1156704" cy="1680112"/>
+            </a:xfrm>
+            <a:prstGeom prst="rect">
+              <a:avLst/>
+            </a:prstGeom>
+          </p:spPr>
+        </p:pic>
+        <p:pic>
+          <p:nvPicPr>
+            <p:cNvPr id="127" name="Picture 126" descr="Icon&#10;&#10;Description automatically generated">
+              <a:extLst>
+                <a:ext uri="{FF2B5EF4-FFF2-40B4-BE49-F238E27FC236}">
+                  <a16:creationId xmlns:a16="http://schemas.microsoft.com/office/drawing/2014/main" id="{A1900939-A02E-C58E-F2BF-28CC937B857E}"/>
+                </a:ext>
+              </a:extLst>
+            </p:cNvPr>
+            <p:cNvPicPr>
+              <a:picLocks noChangeAspect="1"/>
+            </p:cNvPicPr>
+            <p:nvPr/>
+          </p:nvPicPr>
+          <p:blipFill>
+            <a:blip r:embed="rId2">
+              <a:extLst>
+                <a:ext uri="{28A0092B-C50C-407E-A947-70E740481C1C}">
+                  <a14:useLocalDpi xmlns:a14="http://schemas.microsoft.com/office/drawing/2010/main" val="0"/>
+                </a:ext>
+              </a:extLst>
+            </a:blip>
+            <a:stretch>
+              <a:fillRect/>
+            </a:stretch>
+          </p:blipFill>
+          <p:spPr>
+            <a:xfrm>
+              <a:off x="195841" y="4437486"/>
+              <a:ext cx="1156704" cy="1680112"/>
+            </a:xfrm>
+            <a:prstGeom prst="rect">
+              <a:avLst/>
+            </a:prstGeom>
+          </p:spPr>
+        </p:pic>
+        <p:pic>
+          <p:nvPicPr>
+            <p:cNvPr id="128" name="Picture 127" descr="Icon&#10;&#10;Description automatically generated">
+              <a:extLst>
+                <a:ext uri="{FF2B5EF4-FFF2-40B4-BE49-F238E27FC236}">
+                  <a16:creationId xmlns:a16="http://schemas.microsoft.com/office/drawing/2014/main" id="{E0E0DB00-8DCB-1BD0-0FFC-CE38A9DB290C}"/>
+                </a:ext>
+              </a:extLst>
+            </p:cNvPr>
+            <p:cNvPicPr>
+              <a:picLocks noChangeAspect="1"/>
+            </p:cNvPicPr>
+            <p:nvPr/>
+          </p:nvPicPr>
+          <p:blipFill>
+            <a:blip r:embed="rId2">
+              <a:extLst>
+                <a:ext uri="{28A0092B-C50C-407E-A947-70E740481C1C}">
+                  <a14:useLocalDpi xmlns:a14="http://schemas.microsoft.com/office/drawing/2010/main" val="0"/>
+                </a:ext>
+              </a:extLst>
+            </a:blip>
+            <a:stretch>
+              <a:fillRect/>
+            </a:stretch>
+          </p:blipFill>
+          <p:spPr>
+            <a:xfrm>
+              <a:off x="195841" y="4893258"/>
+              <a:ext cx="1156704" cy="1680112"/>
+            </a:xfrm>
+            <a:prstGeom prst="rect">
+              <a:avLst/>
+            </a:prstGeom>
+          </p:spPr>
+        </p:pic>
+      </p:grpSp>
+      <p:grpSp>
+        <p:nvGrpSpPr>
+          <p:cNvPr id="129" name="Group 128">
+            <a:extLst>
+              <a:ext uri="{FF2B5EF4-FFF2-40B4-BE49-F238E27FC236}">
+                <a16:creationId xmlns:a16="http://schemas.microsoft.com/office/drawing/2014/main" id="{DF1A4C6A-3B58-495A-715E-0D65C07AFE02}"/>
+              </a:ext>
+            </a:extLst>
+          </p:cNvPr>
+          <p:cNvGrpSpPr/>
+          <p:nvPr/>
+        </p:nvGrpSpPr>
+        <p:grpSpPr>
+          <a:xfrm>
+            <a:off x="7931339" y="3575355"/>
+            <a:ext cx="1156704" cy="2652424"/>
+            <a:chOff x="195841" y="3920946"/>
+            <a:chExt cx="1156704" cy="2652424"/>
+          </a:xfrm>
+        </p:grpSpPr>
+        <p:pic>
+          <p:nvPicPr>
+            <p:cNvPr id="130" name="Picture 129" descr="Icon&#10;&#10;Description automatically generated">
+              <a:extLst>
+                <a:ext uri="{FF2B5EF4-FFF2-40B4-BE49-F238E27FC236}">
+                  <a16:creationId xmlns:a16="http://schemas.microsoft.com/office/drawing/2014/main" id="{B39C154A-7412-B830-9DC7-72F1636691BD}"/>
+                </a:ext>
+              </a:extLst>
+            </p:cNvPr>
+            <p:cNvPicPr>
+              <a:picLocks noChangeAspect="1"/>
+            </p:cNvPicPr>
+            <p:nvPr/>
+          </p:nvPicPr>
+          <p:blipFill>
+            <a:blip r:embed="rId2">
+              <a:extLst>
+                <a:ext uri="{28A0092B-C50C-407E-A947-70E740481C1C}">
+                  <a14:useLocalDpi xmlns:a14="http://schemas.microsoft.com/office/drawing/2010/main" val="0"/>
+                </a:ext>
+              </a:extLst>
+            </a:blip>
+            <a:stretch>
+              <a:fillRect/>
+            </a:stretch>
+          </p:blipFill>
+          <p:spPr>
+            <a:xfrm>
+              <a:off x="195841" y="3920946"/>
+              <a:ext cx="1156704" cy="1680112"/>
+            </a:xfrm>
+            <a:prstGeom prst="rect">
+              <a:avLst/>
+            </a:prstGeom>
+          </p:spPr>
+        </p:pic>
+        <p:pic>
+          <p:nvPicPr>
+            <p:cNvPr id="131" name="Picture 130" descr="Icon&#10;&#10;Description automatically generated">
+              <a:extLst>
+                <a:ext uri="{FF2B5EF4-FFF2-40B4-BE49-F238E27FC236}">
+                  <a16:creationId xmlns:a16="http://schemas.microsoft.com/office/drawing/2014/main" id="{A80AE303-22B4-334F-C8E1-74C594FA00E2}"/>
+                </a:ext>
+              </a:extLst>
+            </p:cNvPr>
+            <p:cNvPicPr>
+              <a:picLocks noChangeAspect="1"/>
+            </p:cNvPicPr>
+            <p:nvPr/>
+          </p:nvPicPr>
+          <p:blipFill>
+            <a:blip r:embed="rId2">
+              <a:extLst>
+                <a:ext uri="{28A0092B-C50C-407E-A947-70E740481C1C}">
+                  <a14:useLocalDpi xmlns:a14="http://schemas.microsoft.com/office/drawing/2010/main" val="0"/>
+                </a:ext>
+              </a:extLst>
+            </a:blip>
+            <a:stretch>
+              <a:fillRect/>
+            </a:stretch>
+          </p:blipFill>
+          <p:spPr>
+            <a:xfrm>
+              <a:off x="195841" y="4437486"/>
+              <a:ext cx="1156704" cy="1680112"/>
+            </a:xfrm>
+            <a:prstGeom prst="rect">
+              <a:avLst/>
+            </a:prstGeom>
+          </p:spPr>
+        </p:pic>
+        <p:pic>
+          <p:nvPicPr>
+            <p:cNvPr id="132" name="Picture 131" descr="Icon&#10;&#10;Description automatically generated">
+              <a:extLst>
+                <a:ext uri="{FF2B5EF4-FFF2-40B4-BE49-F238E27FC236}">
+                  <a16:creationId xmlns:a16="http://schemas.microsoft.com/office/drawing/2014/main" id="{049B15C9-4916-C7A0-AECF-07596AF578EC}"/>
+                </a:ext>
+              </a:extLst>
+            </p:cNvPr>
+            <p:cNvPicPr>
+              <a:picLocks noChangeAspect="1"/>
+            </p:cNvPicPr>
+            <p:nvPr/>
+          </p:nvPicPr>
+          <p:blipFill>
+            <a:blip r:embed="rId2">
+              <a:extLst>
+                <a:ext uri="{28A0092B-C50C-407E-A947-70E740481C1C}">
+                  <a14:useLocalDpi xmlns:a14="http://schemas.microsoft.com/office/drawing/2010/main" val="0"/>
+                </a:ext>
+              </a:extLst>
+            </a:blip>
+            <a:stretch>
+              <a:fillRect/>
+            </a:stretch>
+          </p:blipFill>
+          <p:spPr>
+            <a:xfrm>
+              <a:off x="195841" y="4893258"/>
+              <a:ext cx="1156704" cy="1680112"/>
+            </a:xfrm>
+            <a:prstGeom prst="rect">
+              <a:avLst/>
+            </a:prstGeom>
+          </p:spPr>
+        </p:pic>
+      </p:grpSp>
+      <p:grpSp>
+        <p:nvGrpSpPr>
+          <p:cNvPr id="133" name="Group 132">
+            <a:extLst>
+              <a:ext uri="{FF2B5EF4-FFF2-40B4-BE49-F238E27FC236}">
+                <a16:creationId xmlns:a16="http://schemas.microsoft.com/office/drawing/2014/main" id="{F8066C94-6FC1-453C-F737-D3520E06633C}"/>
+              </a:ext>
+            </a:extLst>
+          </p:cNvPr>
+          <p:cNvGrpSpPr/>
+          <p:nvPr/>
+        </p:nvGrpSpPr>
+        <p:grpSpPr>
+          <a:xfrm>
+            <a:off x="8604947" y="3575355"/>
+            <a:ext cx="1156704" cy="2652424"/>
+            <a:chOff x="195841" y="3920946"/>
+            <a:chExt cx="1156704" cy="2652424"/>
+          </a:xfrm>
+        </p:grpSpPr>
+        <p:pic>
+          <p:nvPicPr>
+            <p:cNvPr id="134" name="Picture 133" descr="Icon&#10;&#10;Description automatically generated">
+              <a:extLst>
+                <a:ext uri="{FF2B5EF4-FFF2-40B4-BE49-F238E27FC236}">
+                  <a16:creationId xmlns:a16="http://schemas.microsoft.com/office/drawing/2014/main" id="{F3195536-F3E7-23E6-35E1-2FEC910379FE}"/>
+                </a:ext>
+              </a:extLst>
+            </p:cNvPr>
+            <p:cNvPicPr>
+              <a:picLocks noChangeAspect="1"/>
+            </p:cNvPicPr>
+            <p:nvPr/>
+          </p:nvPicPr>
+          <p:blipFill>
+            <a:blip r:embed="rId2">
+              <a:extLst>
+                <a:ext uri="{28A0092B-C50C-407E-A947-70E740481C1C}">
+                  <a14:useLocalDpi xmlns:a14="http://schemas.microsoft.com/office/drawing/2010/main" val="0"/>
+                </a:ext>
+              </a:extLst>
+            </a:blip>
+            <a:stretch>
+              <a:fillRect/>
+            </a:stretch>
+          </p:blipFill>
+          <p:spPr>
+            <a:xfrm>
+              <a:off x="195841" y="3920946"/>
+              <a:ext cx="1156704" cy="1680112"/>
+            </a:xfrm>
+            <a:prstGeom prst="rect">
+              <a:avLst/>
+            </a:prstGeom>
+          </p:spPr>
+        </p:pic>
+        <p:pic>
+          <p:nvPicPr>
+            <p:cNvPr id="135" name="Picture 134" descr="Icon&#10;&#10;Description automatically generated">
+              <a:extLst>
+                <a:ext uri="{FF2B5EF4-FFF2-40B4-BE49-F238E27FC236}">
+                  <a16:creationId xmlns:a16="http://schemas.microsoft.com/office/drawing/2014/main" id="{AAF4FA7B-59CD-1631-2B65-8A5F4BF466FF}"/>
+                </a:ext>
+              </a:extLst>
+            </p:cNvPr>
+            <p:cNvPicPr>
+              <a:picLocks noChangeAspect="1"/>
+            </p:cNvPicPr>
+            <p:nvPr/>
+          </p:nvPicPr>
+          <p:blipFill>
+            <a:blip r:embed="rId2">
+              <a:extLst>
+                <a:ext uri="{28A0092B-C50C-407E-A947-70E740481C1C}">
+                  <a14:useLocalDpi xmlns:a14="http://schemas.microsoft.com/office/drawing/2010/main" val="0"/>
+                </a:ext>
+              </a:extLst>
+            </a:blip>
+            <a:stretch>
+              <a:fillRect/>
+            </a:stretch>
+          </p:blipFill>
+          <p:spPr>
+            <a:xfrm>
+              <a:off x="195841" y="4437486"/>
+              <a:ext cx="1156704" cy="1680112"/>
+            </a:xfrm>
+            <a:prstGeom prst="rect">
+              <a:avLst/>
+            </a:prstGeom>
+          </p:spPr>
+        </p:pic>
+        <p:pic>
+          <p:nvPicPr>
+            <p:cNvPr id="136" name="Picture 135" descr="Icon&#10;&#10;Description automatically generated">
+              <a:extLst>
+                <a:ext uri="{FF2B5EF4-FFF2-40B4-BE49-F238E27FC236}">
+                  <a16:creationId xmlns:a16="http://schemas.microsoft.com/office/drawing/2014/main" id="{3505EE15-D3AE-18A4-C6DD-A9E14761EBE7}"/>
+                </a:ext>
+              </a:extLst>
+            </p:cNvPr>
+            <p:cNvPicPr>
+              <a:picLocks noChangeAspect="1"/>
+            </p:cNvPicPr>
+            <p:nvPr/>
+          </p:nvPicPr>
+          <p:blipFill>
+            <a:blip r:embed="rId2">
+              <a:extLst>
+                <a:ext uri="{28A0092B-C50C-407E-A947-70E740481C1C}">
+                  <a14:useLocalDpi xmlns:a14="http://schemas.microsoft.com/office/drawing/2010/main" val="0"/>
+                </a:ext>
+              </a:extLst>
+            </a:blip>
+            <a:stretch>
+              <a:fillRect/>
+            </a:stretch>
+          </p:blipFill>
+          <p:spPr>
+            <a:xfrm>
+              <a:off x="195841" y="4893258"/>
+              <a:ext cx="1156704" cy="1680112"/>
+            </a:xfrm>
+            <a:prstGeom prst="rect">
+              <a:avLst/>
+            </a:prstGeom>
+          </p:spPr>
+        </p:pic>
+      </p:grpSp>
+      <p:grpSp>
+        <p:nvGrpSpPr>
+          <p:cNvPr id="137" name="Group 136">
+            <a:extLst>
+              <a:ext uri="{FF2B5EF4-FFF2-40B4-BE49-F238E27FC236}">
+                <a16:creationId xmlns:a16="http://schemas.microsoft.com/office/drawing/2014/main" id="{167BD02D-6A88-22C8-C2AC-12904E02B08D}"/>
+              </a:ext>
+            </a:extLst>
+          </p:cNvPr>
+          <p:cNvGrpSpPr/>
+          <p:nvPr/>
+        </p:nvGrpSpPr>
+        <p:grpSpPr>
+          <a:xfrm>
+            <a:off x="9183299" y="3578909"/>
+            <a:ext cx="1156704" cy="2652424"/>
+            <a:chOff x="195841" y="3920946"/>
+            <a:chExt cx="1156704" cy="2652424"/>
+          </a:xfrm>
+        </p:grpSpPr>
+        <p:pic>
+          <p:nvPicPr>
+            <p:cNvPr id="138" name="Picture 137" descr="Icon&#10;&#10;Description automatically generated">
+              <a:extLst>
+                <a:ext uri="{FF2B5EF4-FFF2-40B4-BE49-F238E27FC236}">
+                  <a16:creationId xmlns:a16="http://schemas.microsoft.com/office/drawing/2014/main" id="{6CA2F3D0-AEE0-1493-493E-0E9D5BDFDD42}"/>
+                </a:ext>
+              </a:extLst>
+            </p:cNvPr>
+            <p:cNvPicPr>
+              <a:picLocks noChangeAspect="1"/>
+            </p:cNvPicPr>
+            <p:nvPr/>
+          </p:nvPicPr>
+          <p:blipFill>
+            <a:blip r:embed="rId2">
+              <a:extLst>
+                <a:ext uri="{28A0092B-C50C-407E-A947-70E740481C1C}">
+                  <a14:useLocalDpi xmlns:a14="http://schemas.microsoft.com/office/drawing/2010/main" val="0"/>
+                </a:ext>
+              </a:extLst>
+            </a:blip>
+            <a:stretch>
+              <a:fillRect/>
+            </a:stretch>
+          </p:blipFill>
+          <p:spPr>
+            <a:xfrm>
+              <a:off x="195841" y="3920946"/>
+              <a:ext cx="1156704" cy="1680112"/>
+            </a:xfrm>
+            <a:prstGeom prst="rect">
+              <a:avLst/>
+            </a:prstGeom>
+          </p:spPr>
+        </p:pic>
+        <p:pic>
+          <p:nvPicPr>
+            <p:cNvPr id="139" name="Picture 138" descr="Icon&#10;&#10;Description automatically generated">
+              <a:extLst>
+                <a:ext uri="{FF2B5EF4-FFF2-40B4-BE49-F238E27FC236}">
+                  <a16:creationId xmlns:a16="http://schemas.microsoft.com/office/drawing/2014/main" id="{2C8B5825-0577-D20B-973A-4C2CCDDD6366}"/>
+                </a:ext>
+              </a:extLst>
+            </p:cNvPr>
+            <p:cNvPicPr>
+              <a:picLocks noChangeAspect="1"/>
+            </p:cNvPicPr>
+            <p:nvPr/>
+          </p:nvPicPr>
+          <p:blipFill>
+            <a:blip r:embed="rId2">
+              <a:extLst>
+                <a:ext uri="{28A0092B-C50C-407E-A947-70E740481C1C}">
+                  <a14:useLocalDpi xmlns:a14="http://schemas.microsoft.com/office/drawing/2010/main" val="0"/>
+                </a:ext>
+              </a:extLst>
+            </a:blip>
+            <a:stretch>
+              <a:fillRect/>
+            </a:stretch>
+          </p:blipFill>
+          <p:spPr>
+            <a:xfrm>
+              <a:off x="195841" y="4437486"/>
+              <a:ext cx="1156704" cy="1680112"/>
+            </a:xfrm>
+            <a:prstGeom prst="rect">
+              <a:avLst/>
+            </a:prstGeom>
+          </p:spPr>
+        </p:pic>
+        <p:pic>
+          <p:nvPicPr>
+            <p:cNvPr id="140" name="Picture 139" descr="Icon&#10;&#10;Description automatically generated">
+              <a:extLst>
+                <a:ext uri="{FF2B5EF4-FFF2-40B4-BE49-F238E27FC236}">
+                  <a16:creationId xmlns:a16="http://schemas.microsoft.com/office/drawing/2014/main" id="{C082583F-7086-9560-3366-0797E2E8443D}"/>
+                </a:ext>
+              </a:extLst>
+            </p:cNvPr>
+            <p:cNvPicPr>
+              <a:picLocks noChangeAspect="1"/>
+            </p:cNvPicPr>
+            <p:nvPr/>
+          </p:nvPicPr>
+          <p:blipFill>
+            <a:blip r:embed="rId2">
+              <a:extLst>
+                <a:ext uri="{28A0092B-C50C-407E-A947-70E740481C1C}">
+                  <a14:useLocalDpi xmlns:a14="http://schemas.microsoft.com/office/drawing/2010/main" val="0"/>
+                </a:ext>
+              </a:extLst>
+            </a:blip>
+            <a:stretch>
+              <a:fillRect/>
+            </a:stretch>
+          </p:blipFill>
+          <p:spPr>
+            <a:xfrm>
+              <a:off x="195841" y="4893258"/>
+              <a:ext cx="1156704" cy="1680112"/>
+            </a:xfrm>
+            <a:prstGeom prst="rect">
+              <a:avLst/>
+            </a:prstGeom>
+          </p:spPr>
+        </p:pic>
+      </p:grpSp>
+      <p:grpSp>
+        <p:nvGrpSpPr>
+          <p:cNvPr id="145" name="Group 144">
+            <a:extLst>
+              <a:ext uri="{FF2B5EF4-FFF2-40B4-BE49-F238E27FC236}">
+                <a16:creationId xmlns:a16="http://schemas.microsoft.com/office/drawing/2014/main" id="{F5E34056-A799-0F3D-2A4E-30127169291D}"/>
+              </a:ext>
+            </a:extLst>
+          </p:cNvPr>
+          <p:cNvGrpSpPr/>
+          <p:nvPr/>
+        </p:nvGrpSpPr>
+        <p:grpSpPr>
+          <a:xfrm>
+            <a:off x="242562" y="4711167"/>
+            <a:ext cx="981112" cy="1383813"/>
+            <a:chOff x="346768" y="4875801"/>
+            <a:chExt cx="981112" cy="1383813"/>
+          </a:xfrm>
+        </p:grpSpPr>
+        <p:pic>
+          <p:nvPicPr>
+            <p:cNvPr id="142" name="Picture 141" descr="A picture containing engineering drawing&#10;&#10;Description automatically generated">
+              <a:extLst>
+                <a:ext uri="{FF2B5EF4-FFF2-40B4-BE49-F238E27FC236}">
+                  <a16:creationId xmlns:a16="http://schemas.microsoft.com/office/drawing/2014/main" id="{71B724CC-F704-CA19-9589-E3BBB3C7F03D}"/>
+                </a:ext>
+              </a:extLst>
+            </p:cNvPr>
+            <p:cNvPicPr>
+              <a:picLocks noChangeAspect="1"/>
+            </p:cNvPicPr>
+            <p:nvPr/>
+          </p:nvPicPr>
+          <p:blipFill rotWithShape="1">
+            <a:blip r:embed="rId3">
+              <a:extLst>
+                <a:ext uri="{28A0092B-C50C-407E-A947-70E740481C1C}">
+                  <a14:useLocalDpi xmlns:a14="http://schemas.microsoft.com/office/drawing/2010/main" val="0"/>
+                </a:ext>
+              </a:extLst>
+            </a:blip>
+            <a:srcRect l="42128" t="5467" r="38007" b="77067"/>
+            <a:stretch/>
+          </p:blipFill>
+          <p:spPr>
+            <a:xfrm>
+              <a:off x="390590" y="5359614"/>
+              <a:ext cx="908437" cy="900000"/>
+            </a:xfrm>
+            <a:prstGeom prst="rect">
+              <a:avLst/>
+            </a:prstGeom>
+            <a:ln w="38100">
+              <a:solidFill>
+                <a:schemeClr val="bg1">
+                  <a:lumMod val="75000"/>
+                </a:schemeClr>
+              </a:solidFill>
+            </a:ln>
+            <a:effectLst>
+              <a:outerShdw blurRad="190500" algn="tl" rotWithShape="0">
+                <a:srgbClr val="000000">
+                  <a:alpha val="70000"/>
+                </a:srgbClr>
+              </a:outerShdw>
+            </a:effectLst>
+          </p:spPr>
+        </p:pic>
+        <p:sp>
+          <p:nvSpPr>
+            <p:cNvPr id="144" name="Rectangle: Rounded Corners 143">
+              <a:extLst>
+                <a:ext uri="{FF2B5EF4-FFF2-40B4-BE49-F238E27FC236}">
+                  <a16:creationId xmlns:a16="http://schemas.microsoft.com/office/drawing/2014/main" id="{ABE11A90-5F1D-1BA7-4DB4-3DCD8985DCEE}"/>
+                </a:ext>
+              </a:extLst>
+            </p:cNvPr>
+            <p:cNvSpPr/>
+            <p:nvPr/>
+          </p:nvSpPr>
+          <p:spPr>
+            <a:xfrm>
+              <a:off x="346768" y="4875801"/>
+              <a:ext cx="981112" cy="369332"/>
+            </a:xfrm>
+            <a:prstGeom prst="roundRect">
+              <a:avLst>
+                <a:gd name="adj" fmla="val 5756"/>
+              </a:avLst>
+            </a:prstGeom>
+            <a:solidFill>
+              <a:schemeClr val="accent6">
+                <a:lumMod val="60000"/>
+                <a:lumOff val="40000"/>
+              </a:schemeClr>
+            </a:solidFill>
+            <a:ln w="38100">
+              <a:noFill/>
+            </a:ln>
+            <a:effectLst>
+              <a:outerShdw blurRad="50800" dist="38100" dir="2700000" algn="tl" rotWithShape="0">
+                <a:prstClr val="black">
+                  <a:alpha val="40000"/>
+                </a:prstClr>
+              </a:outerShdw>
+            </a:effectLst>
+          </p:spPr>
+          <p:style>
+            <a:lnRef idx="2">
+              <a:schemeClr val="accent1">
+                <a:shade val="50000"/>
+              </a:schemeClr>
+            </a:lnRef>
+            <a:fillRef idx="1">
+              <a:schemeClr val="accent1"/>
+            </a:fillRef>
+            <a:effectRef idx="0">
+              <a:schemeClr val="accent1"/>
+            </a:effectRef>
+            <a:fontRef idx="minor">
+              <a:schemeClr val="lt1"/>
+            </a:fontRef>
+          </p:style>
+          <p:txBody>
+            <a:bodyPr rtlCol="0" anchor="ctr"/>
+            <a:lstStyle/>
+            <a:p>
+              <a:pPr marL="0" marR="0" lvl="0" indent="0" algn="ctr" defTabSz="914400" rtl="0" eaLnBrk="1" fontAlgn="auto" latinLnBrk="0" hangingPunct="1">
+                <a:lnSpc>
+                  <a:spcPct val="100000"/>
+                </a:lnSpc>
+                <a:spcBef>
+                  <a:spcPts val="0"/>
+                </a:spcBef>
+                <a:spcAft>
+                  <a:spcPts val="0"/>
+                </a:spcAft>
+                <a:buClrTx/>
+                <a:buSzTx/>
+                <a:buFontTx/>
+                <a:buNone/>
+                <a:tabLst/>
+                <a:defRPr/>
+              </a:pPr>
+              <a:r>
+                <a:rPr lang="zh-CN" altLang="en-US">
+                  <a:solidFill>
+                    <a:schemeClr val="tx1"/>
+                  </a:solidFill>
+                  <a:latin typeface="等线" panose="020F0502020204030204"/>
+                  <a:ea typeface="等线" panose="02010600030101010101" pitchFamily="2" charset="-122"/>
+                </a:rPr>
+                <a:t>玩家</a:t>
+              </a:r>
+              <a:r>
+                <a:rPr lang="en-US" altLang="zh-CN">
+                  <a:solidFill>
+                    <a:schemeClr val="tx1"/>
+                  </a:solidFill>
+                  <a:latin typeface="等线" panose="020F0502020204030204"/>
+                  <a:ea typeface="等线" panose="02010600030101010101" pitchFamily="2" charset="-122"/>
+                </a:rPr>
+                <a:t>1</a:t>
+              </a:r>
+              <a:endParaRPr kumimoji="0" lang="en-US" altLang="zh-CN" i="0" u="none" strike="noStrike" kern="1200" cap="none" spc="0" normalizeH="0" baseline="0" noProof="0">
+                <a:ln>
+                  <a:noFill/>
+                </a:ln>
+                <a:solidFill>
+                  <a:schemeClr val="tx1"/>
+                </a:solidFill>
+                <a:effectLst/>
+                <a:uLnTx/>
+                <a:uFillTx/>
+                <a:latin typeface="等线" panose="020F0502020204030204"/>
+                <a:ea typeface="等线" panose="02010600030101010101" pitchFamily="2" charset="-122"/>
+                <a:cs typeface="+mn-cs"/>
+              </a:endParaRPr>
+            </a:p>
+          </p:txBody>
+        </p:sp>
+      </p:grpSp>
+      <p:sp>
+        <p:nvSpPr>
+          <p:cNvPr id="146" name="Rectangle: Rounded Corners 145">
+            <a:extLst>
+              <a:ext uri="{FF2B5EF4-FFF2-40B4-BE49-F238E27FC236}">
+                <a16:creationId xmlns:a16="http://schemas.microsoft.com/office/drawing/2014/main" id="{28F3844F-DE9A-2804-6166-FB87F9B80D5D}"/>
+              </a:ext>
+            </a:extLst>
+          </p:cNvPr>
+          <p:cNvSpPr/>
+          <p:nvPr/>
+        </p:nvSpPr>
+        <p:spPr>
+          <a:xfrm>
+            <a:off x="3922515" y="2532796"/>
+            <a:ext cx="1768526" cy="596095"/>
+          </a:xfrm>
+          <a:prstGeom prst="roundRect">
+            <a:avLst>
+              <a:gd name="adj" fmla="val 42656"/>
+            </a:avLst>
+          </a:prstGeom>
+          <a:solidFill>
+            <a:srgbClr val="FB9593"/>
+          </a:solidFill>
+          <a:ln w="38100">
+            <a:solidFill>
+              <a:schemeClr val="bg1"/>
+            </a:solidFill>
+          </a:ln>
+          <a:effectLst>
+            <a:outerShdw blurRad="50800" dist="38100" dir="2700000" algn="tl" rotWithShape="0">
+              <a:prstClr val="black">
+                <a:alpha val="40000"/>
+              </a:prstClr>
+            </a:outerShdw>
+          </a:effectLst>
+        </p:spPr>
+        <p:style>
+          <a:lnRef idx="2">
+            <a:schemeClr val="accent1">
+              <a:shade val="50000"/>
+            </a:schemeClr>
+          </a:lnRef>
+          <a:fillRef idx="1">
+            <a:schemeClr val="accent1"/>
+          </a:fillRef>
+          <a:effectRef idx="0">
+            <a:schemeClr val="accent1"/>
+          </a:effectRef>
+          <a:fontRef idx="minor">
+            <a:schemeClr val="lt1"/>
+          </a:fontRef>
+        </p:style>
+        <p:txBody>
+          <a:bodyPr rtlCol="0" anchor="ctr"/>
+          <a:lstStyle/>
+          <a:p>
+            <a:pPr algn="ctr"/>
+            <a:r>
+              <a:rPr lang="en-US" altLang="zh-CN" sz="2800" b="1">
+                <a:solidFill>
+                  <a:schemeClr val="tx1"/>
+                </a:solidFill>
+                <a:latin typeface="微软雅黑" panose="020B0503020204020204" pitchFamily="34" charset="-122"/>
+                <a:ea typeface="微软雅黑" panose="020B0503020204020204" pitchFamily="34" charset="-122"/>
+              </a:rPr>
+              <a:t>× </a:t>
+            </a:r>
+            <a:r>
+              <a:rPr lang="zh-CN" altLang="en-US" sz="2800" b="1">
+                <a:solidFill>
+                  <a:schemeClr val="tx1"/>
+                </a:solidFill>
+                <a:latin typeface="微软雅黑" panose="020B0503020204020204" pitchFamily="34" charset="-122"/>
+                <a:ea typeface="微软雅黑" panose="020B0503020204020204" pitchFamily="34" charset="-122"/>
+              </a:rPr>
+              <a:t>不出</a:t>
+            </a:r>
+          </a:p>
+        </p:txBody>
+      </p:sp>
+      <p:sp>
+        <p:nvSpPr>
+          <p:cNvPr id="155" name="Rectangle: Rounded Corners 154">
+            <a:extLst>
+              <a:ext uri="{FF2B5EF4-FFF2-40B4-BE49-F238E27FC236}">
+                <a16:creationId xmlns:a16="http://schemas.microsoft.com/office/drawing/2014/main" id="{B0F0172B-20B7-AB02-DD1C-45B7F9FEB3F7}"/>
+              </a:ext>
+            </a:extLst>
+          </p:cNvPr>
+          <p:cNvSpPr/>
+          <p:nvPr/>
+        </p:nvSpPr>
+        <p:spPr>
+          <a:xfrm>
+            <a:off x="6774635" y="2515060"/>
+            <a:ext cx="1768526" cy="596095"/>
+          </a:xfrm>
+          <a:prstGeom prst="roundRect">
+            <a:avLst>
+              <a:gd name="adj" fmla="val 42656"/>
+            </a:avLst>
+          </a:prstGeom>
+          <a:solidFill>
+            <a:srgbClr val="8FAADC"/>
+          </a:solidFill>
+          <a:ln w="38100">
+            <a:solidFill>
+              <a:schemeClr val="bg1"/>
+            </a:solidFill>
+          </a:ln>
+          <a:effectLst>
+            <a:outerShdw blurRad="50800" dist="38100" dir="2700000" algn="tl" rotWithShape="0">
+              <a:prstClr val="black">
+                <a:alpha val="40000"/>
+              </a:prstClr>
+            </a:outerShdw>
+          </a:effectLst>
+        </p:spPr>
+        <p:style>
+          <a:lnRef idx="2">
+            <a:schemeClr val="accent1">
+              <a:shade val="50000"/>
+            </a:schemeClr>
+          </a:lnRef>
+          <a:fillRef idx="1">
+            <a:schemeClr val="accent1"/>
+          </a:fillRef>
+          <a:effectRef idx="0">
+            <a:schemeClr val="accent1"/>
+          </a:effectRef>
+          <a:fontRef idx="minor">
+            <a:schemeClr val="lt1"/>
+          </a:fontRef>
+        </p:style>
+        <p:txBody>
+          <a:bodyPr rtlCol="0" anchor="ctr"/>
+          <a:lstStyle/>
+          <a:p>
+            <a:pPr algn="ctr"/>
+            <a:r>
+              <a:rPr lang="zh-CN" altLang="en-US" sz="2800" b="1">
+                <a:solidFill>
+                  <a:schemeClr val="tx1"/>
+                </a:solidFill>
+                <a:latin typeface="微软雅黑" panose="020B0503020204020204" pitchFamily="34" charset="-122"/>
+                <a:ea typeface="微软雅黑" panose="020B0503020204020204" pitchFamily="34" charset="-122"/>
+              </a:rPr>
+              <a:t>√ 出牌</a:t>
+            </a:r>
+          </a:p>
+        </p:txBody>
+      </p:sp>
+      <p:grpSp>
+        <p:nvGrpSpPr>
+          <p:cNvPr id="162" name="Group 161">
+            <a:extLst>
+              <a:ext uri="{FF2B5EF4-FFF2-40B4-BE49-F238E27FC236}">
+                <a16:creationId xmlns:a16="http://schemas.microsoft.com/office/drawing/2014/main" id="{84F0D020-BFF5-F01C-BDD6-2C24E1EA2118}"/>
+              </a:ext>
+            </a:extLst>
+          </p:cNvPr>
+          <p:cNvGrpSpPr/>
+          <p:nvPr/>
+        </p:nvGrpSpPr>
+        <p:grpSpPr>
+          <a:xfrm>
+            <a:off x="4945450" y="211996"/>
+            <a:ext cx="949998" cy="1405207"/>
+            <a:chOff x="2699156" y="160261"/>
+            <a:chExt cx="949998" cy="1405207"/>
+          </a:xfrm>
+        </p:grpSpPr>
+        <p:sp>
+          <p:nvSpPr>
+            <p:cNvPr id="153" name="Rectangle: Rounded Corners 152">
+              <a:extLst>
+                <a:ext uri="{FF2B5EF4-FFF2-40B4-BE49-F238E27FC236}">
+                  <a16:creationId xmlns:a16="http://schemas.microsoft.com/office/drawing/2014/main" id="{1907382D-877C-48BF-BBA0-F04C3FF994F8}"/>
+                </a:ext>
+              </a:extLst>
+            </p:cNvPr>
+            <p:cNvSpPr/>
+            <p:nvPr/>
+          </p:nvSpPr>
+          <p:spPr>
+            <a:xfrm>
+              <a:off x="2699156" y="160261"/>
+              <a:ext cx="949998" cy="392356"/>
+            </a:xfrm>
+            <a:prstGeom prst="roundRect">
+              <a:avLst>
+                <a:gd name="adj" fmla="val 5756"/>
+              </a:avLst>
+            </a:prstGeom>
+            <a:solidFill>
+              <a:schemeClr val="accent6">
+                <a:lumMod val="60000"/>
+                <a:lumOff val="40000"/>
+              </a:schemeClr>
+            </a:solidFill>
+            <a:ln w="38100">
+              <a:noFill/>
+            </a:ln>
+            <a:effectLst>
+              <a:outerShdw blurRad="50800" dist="38100" dir="2700000" algn="tl" rotWithShape="0">
+                <a:prstClr val="black">
+                  <a:alpha val="40000"/>
+                </a:prstClr>
+              </a:outerShdw>
+            </a:effectLst>
+          </p:spPr>
+          <p:style>
+            <a:lnRef idx="2">
+              <a:schemeClr val="accent1">
+                <a:shade val="50000"/>
+              </a:schemeClr>
+            </a:lnRef>
+            <a:fillRef idx="1">
+              <a:schemeClr val="accent1"/>
+            </a:fillRef>
+            <a:effectRef idx="0">
+              <a:schemeClr val="accent1"/>
+            </a:effectRef>
+            <a:fontRef idx="minor">
+              <a:schemeClr val="lt1"/>
+            </a:fontRef>
+          </p:style>
+          <p:txBody>
+            <a:bodyPr rtlCol="0" anchor="ctr"/>
+            <a:lstStyle/>
+            <a:p>
+              <a:pPr marL="0" marR="0" lvl="0" indent="0" algn="ctr" defTabSz="914400" rtl="0" eaLnBrk="1" fontAlgn="auto" latinLnBrk="0" hangingPunct="1">
+                <a:lnSpc>
+                  <a:spcPct val="100000"/>
+                </a:lnSpc>
+                <a:spcBef>
+                  <a:spcPts val="0"/>
+                </a:spcBef>
+                <a:spcAft>
+                  <a:spcPts val="0"/>
+                </a:spcAft>
+                <a:buClrTx/>
+                <a:buSzTx/>
+                <a:buFontTx/>
+                <a:buNone/>
+                <a:tabLst/>
+                <a:defRPr/>
+              </a:pPr>
+              <a:r>
+                <a:rPr lang="zh-CN" altLang="en-US">
+                  <a:solidFill>
+                    <a:schemeClr val="tx1"/>
+                  </a:solidFill>
+                  <a:latin typeface="等线" panose="020F0502020204030204"/>
+                  <a:ea typeface="等线" panose="02010600030101010101" pitchFamily="2" charset="-122"/>
+                </a:rPr>
+                <a:t>玩家</a:t>
+              </a:r>
+              <a:r>
+                <a:rPr lang="en-US" altLang="zh-CN">
+                  <a:solidFill>
+                    <a:schemeClr val="tx1"/>
+                  </a:solidFill>
+                  <a:latin typeface="等线" panose="020F0502020204030204"/>
+                  <a:ea typeface="等线" panose="02010600030101010101" pitchFamily="2" charset="-122"/>
+                </a:rPr>
+                <a:t>3</a:t>
+              </a:r>
+              <a:endParaRPr kumimoji="0" lang="en-US" altLang="zh-CN" i="0" u="none" strike="noStrike" kern="1200" cap="none" spc="0" normalizeH="0" baseline="0" noProof="0">
+                <a:ln>
+                  <a:noFill/>
+                </a:ln>
+                <a:solidFill>
+                  <a:schemeClr val="tx1"/>
+                </a:solidFill>
+                <a:effectLst/>
+                <a:uLnTx/>
+                <a:uFillTx/>
+                <a:latin typeface="等线" panose="020F0502020204030204"/>
+                <a:ea typeface="等线" panose="02010600030101010101" pitchFamily="2" charset="-122"/>
+                <a:cs typeface="+mn-cs"/>
+              </a:endParaRPr>
+            </a:p>
+          </p:txBody>
+        </p:sp>
+        <p:pic>
+          <p:nvPicPr>
+            <p:cNvPr id="157" name="Picture 156">
+              <a:extLst>
+                <a:ext uri="{FF2B5EF4-FFF2-40B4-BE49-F238E27FC236}">
+                  <a16:creationId xmlns:a16="http://schemas.microsoft.com/office/drawing/2014/main" id="{8DE5C45B-087E-2D17-559C-3C859E96F715}"/>
+                </a:ext>
+              </a:extLst>
+            </p:cNvPr>
+            <p:cNvPicPr>
+              <a:picLocks noChangeAspect="1"/>
+            </p:cNvPicPr>
+            <p:nvPr/>
+          </p:nvPicPr>
+          <p:blipFill rotWithShape="1">
+            <a:blip r:embed="rId3">
+              <a:extLst>
+                <a:ext uri="{28A0092B-C50C-407E-A947-70E740481C1C}">
+                  <a14:useLocalDpi xmlns:a14="http://schemas.microsoft.com/office/drawing/2010/main" val="0"/>
+                </a:ext>
+              </a:extLst>
+            </a:blip>
+            <a:srcRect l="4830" t="4044" r="73574" b="76688"/>
+            <a:stretch/>
+          </p:blipFill>
+          <p:spPr>
+            <a:xfrm>
+              <a:off x="2753906" y="665468"/>
+              <a:ext cx="895248" cy="900000"/>
+            </a:xfrm>
+            <a:prstGeom prst="rect">
+              <a:avLst/>
+            </a:prstGeom>
+            <a:ln w="38100">
+              <a:solidFill>
+                <a:schemeClr val="bg1">
+                  <a:lumMod val="75000"/>
+                </a:schemeClr>
+              </a:solidFill>
+            </a:ln>
+            <a:effectLst>
+              <a:outerShdw blurRad="190500" algn="tl" rotWithShape="0">
+                <a:srgbClr val="000000">
+                  <a:alpha val="70000"/>
+                </a:srgbClr>
+              </a:outerShdw>
+            </a:effectLst>
+          </p:spPr>
+        </p:pic>
+      </p:grpSp>
+      <p:grpSp>
+        <p:nvGrpSpPr>
+          <p:cNvPr id="163" name="Group 162">
+            <a:extLst>
+              <a:ext uri="{FF2B5EF4-FFF2-40B4-BE49-F238E27FC236}">
+                <a16:creationId xmlns:a16="http://schemas.microsoft.com/office/drawing/2014/main" id="{EB8DBFBF-7BDF-D45C-4A2E-6CC061C5C7FA}"/>
+              </a:ext>
+            </a:extLst>
+          </p:cNvPr>
+          <p:cNvGrpSpPr/>
+          <p:nvPr/>
+        </p:nvGrpSpPr>
+        <p:grpSpPr>
+          <a:xfrm>
+            <a:off x="249684" y="1439262"/>
+            <a:ext cx="966868" cy="1454737"/>
+            <a:chOff x="342684" y="1817808"/>
+            <a:chExt cx="966868" cy="1454737"/>
+          </a:xfrm>
+        </p:grpSpPr>
+        <p:pic>
+          <p:nvPicPr>
+            <p:cNvPr id="152" name="Picture 151">
+              <a:extLst>
+                <a:ext uri="{FF2B5EF4-FFF2-40B4-BE49-F238E27FC236}">
+                  <a16:creationId xmlns:a16="http://schemas.microsoft.com/office/drawing/2014/main" id="{295CF71B-F976-C862-6176-88B925CC2257}"/>
+                </a:ext>
+              </a:extLst>
+            </p:cNvPr>
+            <p:cNvPicPr>
+              <a:picLocks noChangeAspect="1"/>
+            </p:cNvPicPr>
+            <p:nvPr/>
+          </p:nvPicPr>
+          <p:blipFill rotWithShape="1">
+            <a:blip r:embed="rId4">
+              <a:extLst>
+                <a:ext uri="{28A0092B-C50C-407E-A947-70E740481C1C}">
+                  <a14:useLocalDpi xmlns:a14="http://schemas.microsoft.com/office/drawing/2010/main" val="0"/>
+                </a:ext>
+              </a:extLst>
+            </a:blip>
+            <a:srcRect l="264" t="5118" r="264"/>
+            <a:stretch/>
+          </p:blipFill>
+          <p:spPr>
+            <a:xfrm>
+              <a:off x="375769" y="2372545"/>
+              <a:ext cx="915958" cy="900000"/>
+            </a:xfrm>
+            <a:prstGeom prst="rect">
+              <a:avLst/>
+            </a:prstGeom>
+            <a:ln w="38100">
+              <a:solidFill>
+                <a:schemeClr val="bg1">
+                  <a:lumMod val="75000"/>
+                </a:schemeClr>
+              </a:solidFill>
+            </a:ln>
+            <a:effectLst>
+              <a:outerShdw blurRad="190500" algn="tl" rotWithShape="0">
+                <a:srgbClr val="000000">
+                  <a:alpha val="70000"/>
+                </a:srgbClr>
+              </a:outerShdw>
+            </a:effectLst>
+          </p:spPr>
+        </p:pic>
+        <p:sp>
+          <p:nvSpPr>
+            <p:cNvPr id="158" name="Rectangle: Rounded Corners 157">
+              <a:extLst>
+                <a:ext uri="{FF2B5EF4-FFF2-40B4-BE49-F238E27FC236}">
+                  <a16:creationId xmlns:a16="http://schemas.microsoft.com/office/drawing/2014/main" id="{8F303340-CB88-F179-526A-C5AE49106F72}"/>
+                </a:ext>
+              </a:extLst>
+            </p:cNvPr>
+            <p:cNvSpPr/>
+            <p:nvPr/>
+          </p:nvSpPr>
+          <p:spPr>
+            <a:xfrm>
+              <a:off x="342684" y="1817808"/>
+              <a:ext cx="966868" cy="402891"/>
+            </a:xfrm>
+            <a:prstGeom prst="roundRect">
+              <a:avLst>
+                <a:gd name="adj" fmla="val 5756"/>
+              </a:avLst>
+            </a:prstGeom>
+            <a:solidFill>
+              <a:srgbClr val="8FAADC"/>
+            </a:solidFill>
+            <a:ln w="38100">
+              <a:noFill/>
+            </a:ln>
+            <a:effectLst>
+              <a:outerShdw blurRad="50800" dist="38100" dir="2700000" algn="tl" rotWithShape="0">
+                <a:prstClr val="black">
+                  <a:alpha val="40000"/>
+                </a:prstClr>
+              </a:outerShdw>
+            </a:effectLst>
+          </p:spPr>
+          <p:style>
+            <a:lnRef idx="2">
+              <a:schemeClr val="accent1">
+                <a:shade val="50000"/>
+              </a:schemeClr>
+            </a:lnRef>
+            <a:fillRef idx="1">
+              <a:schemeClr val="accent1"/>
+            </a:fillRef>
+            <a:effectRef idx="0">
+              <a:schemeClr val="accent1"/>
+            </a:effectRef>
+            <a:fontRef idx="minor">
+              <a:schemeClr val="lt1"/>
+            </a:fontRef>
+          </p:style>
+          <p:txBody>
+            <a:bodyPr rtlCol="0" anchor="ctr"/>
+            <a:lstStyle/>
+            <a:p>
+              <a:pPr marL="0" marR="0" lvl="0" indent="0" algn="ctr" defTabSz="914400" rtl="0" eaLnBrk="1" fontAlgn="auto" latinLnBrk="0" hangingPunct="1">
+                <a:lnSpc>
+                  <a:spcPct val="100000"/>
+                </a:lnSpc>
+                <a:spcBef>
+                  <a:spcPts val="0"/>
+                </a:spcBef>
+                <a:spcAft>
+                  <a:spcPts val="0"/>
+                </a:spcAft>
+                <a:buClrTx/>
+                <a:buSzTx/>
+                <a:buFontTx/>
+                <a:buNone/>
+                <a:tabLst/>
+                <a:defRPr/>
+              </a:pPr>
+              <a:r>
+                <a:rPr lang="zh-CN" altLang="en-US">
+                  <a:solidFill>
+                    <a:schemeClr val="tx1"/>
+                  </a:solidFill>
+                  <a:latin typeface="等线" panose="020F0502020204030204"/>
+                  <a:ea typeface="等线" panose="02010600030101010101" pitchFamily="2" charset="-122"/>
+                </a:rPr>
+                <a:t>玩家</a:t>
+              </a:r>
+              <a:r>
+                <a:rPr lang="en-US" altLang="zh-CN">
+                  <a:solidFill>
+                    <a:schemeClr val="tx1"/>
+                  </a:solidFill>
+                  <a:latin typeface="等线" panose="020F0502020204030204"/>
+                  <a:ea typeface="等线" panose="02010600030101010101" pitchFamily="2" charset="-122"/>
+                </a:rPr>
+                <a:t>4</a:t>
+              </a:r>
+              <a:endParaRPr kumimoji="0" lang="en-US" altLang="zh-CN" i="0" u="none" strike="noStrike" kern="1200" cap="none" spc="0" normalizeH="0" baseline="0" noProof="0">
+                <a:ln>
+                  <a:noFill/>
+                </a:ln>
+                <a:solidFill>
+                  <a:schemeClr val="tx1"/>
+                </a:solidFill>
+                <a:effectLst/>
+                <a:uLnTx/>
+                <a:uFillTx/>
+                <a:latin typeface="等线" panose="020F0502020204030204"/>
+                <a:ea typeface="等线" panose="02010600030101010101" pitchFamily="2" charset="-122"/>
+                <a:cs typeface="+mn-cs"/>
+              </a:endParaRPr>
+            </a:p>
+          </p:txBody>
+        </p:sp>
+      </p:grpSp>
+      <p:grpSp>
+        <p:nvGrpSpPr>
+          <p:cNvPr id="159" name="Group 158">
+            <a:extLst>
+              <a:ext uri="{FF2B5EF4-FFF2-40B4-BE49-F238E27FC236}">
+                <a16:creationId xmlns:a16="http://schemas.microsoft.com/office/drawing/2014/main" id="{40A283BD-3E56-8F16-FCAF-1E6DDE95C7A9}"/>
+              </a:ext>
+            </a:extLst>
+          </p:cNvPr>
+          <p:cNvGrpSpPr/>
+          <p:nvPr/>
+        </p:nvGrpSpPr>
+        <p:grpSpPr>
+          <a:xfrm>
+            <a:off x="11041841" y="1451489"/>
+            <a:ext cx="1022812" cy="1443539"/>
+            <a:chOff x="337624" y="4866585"/>
+            <a:chExt cx="1022812" cy="1443539"/>
+          </a:xfrm>
+        </p:grpSpPr>
+        <p:pic>
+          <p:nvPicPr>
+            <p:cNvPr id="160" name="Picture 159">
+              <a:extLst>
+                <a:ext uri="{FF2B5EF4-FFF2-40B4-BE49-F238E27FC236}">
+                  <a16:creationId xmlns:a16="http://schemas.microsoft.com/office/drawing/2014/main" id="{F16F9781-8920-8E86-8FCB-AF7182DC00B9}"/>
+                </a:ext>
+              </a:extLst>
+            </p:cNvPr>
+            <p:cNvPicPr>
+              <a:picLocks noChangeAspect="1"/>
+            </p:cNvPicPr>
+            <p:nvPr/>
+          </p:nvPicPr>
+          <p:blipFill rotWithShape="1">
+            <a:blip r:embed="rId5">
+              <a:extLst>
+                <a:ext uri="{28A0092B-C50C-407E-A947-70E740481C1C}">
+                  <a14:useLocalDpi xmlns:a14="http://schemas.microsoft.com/office/drawing/2010/main" val="0"/>
+                </a:ext>
+              </a:extLst>
+            </a:blip>
+            <a:srcRect l="3525" t="8726" r="71923" b="61654"/>
+            <a:stretch/>
+          </p:blipFill>
+          <p:spPr>
+            <a:xfrm>
+              <a:off x="392374" y="5410124"/>
+              <a:ext cx="895248" cy="900000"/>
+            </a:xfrm>
+            <a:prstGeom prst="rect">
+              <a:avLst/>
+            </a:prstGeom>
+            <a:ln w="38100">
+              <a:solidFill>
+                <a:schemeClr val="bg1">
+                  <a:lumMod val="75000"/>
+                </a:schemeClr>
+              </a:solidFill>
+            </a:ln>
+            <a:effectLst>
+              <a:outerShdw blurRad="190500" algn="tl" rotWithShape="0">
+                <a:srgbClr val="000000">
+                  <a:alpha val="70000"/>
+                </a:srgbClr>
+              </a:outerShdw>
+            </a:effectLst>
+          </p:spPr>
+        </p:pic>
+        <p:sp>
+          <p:nvSpPr>
+            <p:cNvPr id="161" name="Rectangle: Rounded Corners 160">
+              <a:extLst>
+                <a:ext uri="{FF2B5EF4-FFF2-40B4-BE49-F238E27FC236}">
+                  <a16:creationId xmlns:a16="http://schemas.microsoft.com/office/drawing/2014/main" id="{FA4153B4-9F5B-F016-5A36-1F118FA8E312}"/>
+                </a:ext>
+              </a:extLst>
+            </p:cNvPr>
+            <p:cNvSpPr/>
+            <p:nvPr/>
+          </p:nvSpPr>
+          <p:spPr>
+            <a:xfrm>
+              <a:off x="337624" y="4866585"/>
+              <a:ext cx="1022812" cy="378547"/>
+            </a:xfrm>
+            <a:prstGeom prst="roundRect">
+              <a:avLst>
+                <a:gd name="adj" fmla="val 5756"/>
+              </a:avLst>
+            </a:prstGeom>
+            <a:solidFill>
+              <a:srgbClr val="8FAADC"/>
+            </a:solidFill>
+            <a:ln w="38100">
+              <a:noFill/>
+            </a:ln>
+            <a:effectLst>
+              <a:outerShdw blurRad="50800" dist="38100" dir="2700000" algn="tl" rotWithShape="0">
+                <a:prstClr val="black">
+                  <a:alpha val="40000"/>
+                </a:prstClr>
+              </a:outerShdw>
+            </a:effectLst>
+          </p:spPr>
+          <p:style>
+            <a:lnRef idx="2">
+              <a:schemeClr val="accent1">
+                <a:shade val="50000"/>
+              </a:schemeClr>
+            </a:lnRef>
+            <a:fillRef idx="1">
+              <a:schemeClr val="accent1"/>
+            </a:fillRef>
+            <a:effectRef idx="0">
+              <a:schemeClr val="accent1"/>
+            </a:effectRef>
+            <a:fontRef idx="minor">
+              <a:schemeClr val="lt1"/>
+            </a:fontRef>
+          </p:style>
+          <p:txBody>
+            <a:bodyPr rtlCol="0" anchor="ctr"/>
+            <a:lstStyle/>
+            <a:p>
+              <a:pPr marL="0" marR="0" lvl="0" indent="0" algn="ctr" defTabSz="914400" rtl="0" eaLnBrk="1" fontAlgn="auto" latinLnBrk="0" hangingPunct="1">
+                <a:lnSpc>
+                  <a:spcPct val="100000"/>
+                </a:lnSpc>
+                <a:spcBef>
+                  <a:spcPts val="0"/>
+                </a:spcBef>
+                <a:spcAft>
+                  <a:spcPts val="0"/>
+                </a:spcAft>
+                <a:buClrTx/>
+                <a:buSzTx/>
+                <a:buFontTx/>
+                <a:buNone/>
+                <a:tabLst/>
+                <a:defRPr/>
+              </a:pPr>
+              <a:r>
+                <a:rPr lang="zh-CN" altLang="en-US">
+                  <a:solidFill>
+                    <a:schemeClr val="tx1"/>
+                  </a:solidFill>
+                  <a:latin typeface="等线" panose="020F0502020204030204"/>
+                  <a:ea typeface="等线" panose="02010600030101010101" pitchFamily="2" charset="-122"/>
+                </a:rPr>
+                <a:t>玩家</a:t>
+              </a:r>
+              <a:r>
+                <a:rPr lang="en-US" altLang="zh-CN">
+                  <a:solidFill>
+                    <a:schemeClr val="tx1"/>
+                  </a:solidFill>
+                  <a:latin typeface="等线" panose="020F0502020204030204"/>
+                  <a:ea typeface="等线" panose="02010600030101010101" pitchFamily="2" charset="-122"/>
+                </a:rPr>
+                <a:t>2</a:t>
+              </a:r>
+              <a:endParaRPr kumimoji="0" lang="en-US" altLang="zh-CN" i="0" u="none" strike="noStrike" kern="1200" cap="none" spc="0" normalizeH="0" baseline="0" noProof="0">
+                <a:ln>
+                  <a:noFill/>
+                </a:ln>
+                <a:solidFill>
+                  <a:schemeClr val="tx1"/>
+                </a:solidFill>
+                <a:effectLst/>
+                <a:uLnTx/>
+                <a:uFillTx/>
+                <a:latin typeface="等线" panose="020F0502020204030204"/>
+                <a:ea typeface="等线" panose="02010600030101010101" pitchFamily="2" charset="-122"/>
+                <a:cs typeface="+mn-cs"/>
+              </a:endParaRPr>
+            </a:p>
+          </p:txBody>
+        </p:sp>
+      </p:grpSp>
+      <p:pic>
+        <p:nvPicPr>
+          <p:cNvPr id="167" name="Picture 166" descr="Icon&#10;&#10;Description automatically generated">
+            <a:extLst>
+              <a:ext uri="{FF2B5EF4-FFF2-40B4-BE49-F238E27FC236}">
+                <a16:creationId xmlns:a16="http://schemas.microsoft.com/office/drawing/2014/main" id="{85B86938-2689-034D-B394-45919368E22B}"/>
+              </a:ext>
+            </a:extLst>
+          </p:cNvPr>
+          <p:cNvPicPr>
+            <a:picLocks noChangeAspect="1"/>
+          </p:cNvPicPr>
+          <p:nvPr/>
+        </p:nvPicPr>
+        <p:blipFill>
+          <a:blip r:embed="rId2">
+            <a:extLst>
+              <a:ext uri="{28A0092B-C50C-407E-A947-70E740481C1C}">
+                <a14:useLocalDpi xmlns:a14="http://schemas.microsoft.com/office/drawing/2010/main" val="0"/>
+              </a:ext>
+            </a:extLst>
+          </a:blip>
+          <a:stretch>
+            <a:fillRect/>
+          </a:stretch>
+        </p:blipFill>
+        <p:spPr>
+          <a:xfrm>
+            <a:off x="6168809" y="722133"/>
+            <a:ext cx="697295" cy="1012821"/>
+          </a:xfrm>
+          <a:prstGeom prst="rect">
+            <a:avLst/>
+          </a:prstGeom>
+        </p:spPr>
+      </p:pic>
+      <p:pic>
+        <p:nvPicPr>
+          <p:cNvPr id="168" name="Picture 167" descr="Icon&#10;&#10;Description automatically generated">
+            <a:extLst>
+              <a:ext uri="{FF2B5EF4-FFF2-40B4-BE49-F238E27FC236}">
+                <a16:creationId xmlns:a16="http://schemas.microsoft.com/office/drawing/2014/main" id="{C384C341-671A-4727-DA04-72FE233F1E4B}"/>
+              </a:ext>
+            </a:extLst>
+          </p:cNvPr>
+          <p:cNvPicPr>
+            <a:picLocks noChangeAspect="1"/>
+          </p:cNvPicPr>
+          <p:nvPr/>
+        </p:nvPicPr>
+        <p:blipFill>
+          <a:blip r:embed="rId2">
+            <a:extLst>
+              <a:ext uri="{28A0092B-C50C-407E-A947-70E740481C1C}">
+                <a14:useLocalDpi xmlns:a14="http://schemas.microsoft.com/office/drawing/2010/main" val="0"/>
+              </a:ext>
+            </a:extLst>
+          </a:blip>
+          <a:stretch>
+            <a:fillRect/>
+          </a:stretch>
+        </p:blipFill>
+        <p:spPr>
+          <a:xfrm>
+            <a:off x="6319646" y="722133"/>
+            <a:ext cx="697295" cy="1012821"/>
+          </a:xfrm>
+          <a:prstGeom prst="rect">
+            <a:avLst/>
+          </a:prstGeom>
+        </p:spPr>
+      </p:pic>
+      <p:pic>
+        <p:nvPicPr>
+          <p:cNvPr id="169" name="Picture 168" descr="Icon&#10;&#10;Description automatically generated">
+            <a:extLst>
+              <a:ext uri="{FF2B5EF4-FFF2-40B4-BE49-F238E27FC236}">
+                <a16:creationId xmlns:a16="http://schemas.microsoft.com/office/drawing/2014/main" id="{7D92CB86-C696-38EA-667F-3712D17D8D01}"/>
+              </a:ext>
+            </a:extLst>
+          </p:cNvPr>
+          <p:cNvPicPr>
+            <a:picLocks noChangeAspect="1"/>
+          </p:cNvPicPr>
+          <p:nvPr/>
+        </p:nvPicPr>
+        <p:blipFill>
+          <a:blip r:embed="rId2">
+            <a:extLst>
+              <a:ext uri="{28A0092B-C50C-407E-A947-70E740481C1C}">
+                <a14:useLocalDpi xmlns:a14="http://schemas.microsoft.com/office/drawing/2010/main" val="0"/>
+              </a:ext>
+            </a:extLst>
+          </a:blip>
+          <a:stretch>
+            <a:fillRect/>
+          </a:stretch>
+        </p:blipFill>
+        <p:spPr>
+          <a:xfrm>
+            <a:off x="6459481" y="717203"/>
+            <a:ext cx="697295" cy="1012821"/>
+          </a:xfrm>
+          <a:prstGeom prst="rect">
+            <a:avLst/>
+          </a:prstGeom>
+        </p:spPr>
+      </p:pic>
+      <p:pic>
+        <p:nvPicPr>
+          <p:cNvPr id="170" name="Picture 169" descr="Icon&#10;&#10;Description automatically generated">
+            <a:extLst>
+              <a:ext uri="{FF2B5EF4-FFF2-40B4-BE49-F238E27FC236}">
+                <a16:creationId xmlns:a16="http://schemas.microsoft.com/office/drawing/2014/main" id="{F0AF5871-91EB-AF53-9763-A6113C5128F4}"/>
+              </a:ext>
+            </a:extLst>
+          </p:cNvPr>
+          <p:cNvPicPr>
+            <a:picLocks noChangeAspect="1"/>
+          </p:cNvPicPr>
+          <p:nvPr/>
+        </p:nvPicPr>
+        <p:blipFill>
+          <a:blip r:embed="rId2">
+            <a:extLst>
+              <a:ext uri="{28A0092B-C50C-407E-A947-70E740481C1C}">
+                <a14:useLocalDpi xmlns:a14="http://schemas.microsoft.com/office/drawing/2010/main" val="0"/>
+              </a:ext>
+            </a:extLst>
+          </a:blip>
+          <a:stretch>
+            <a:fillRect/>
+          </a:stretch>
+        </p:blipFill>
+        <p:spPr>
+          <a:xfrm>
+            <a:off x="1432584" y="1998929"/>
+            <a:ext cx="697295" cy="1012821"/>
+          </a:xfrm>
+          <a:prstGeom prst="rect">
+            <a:avLst/>
+          </a:prstGeom>
+        </p:spPr>
+      </p:pic>
+      <p:pic>
+        <p:nvPicPr>
+          <p:cNvPr id="171" name="Picture 170" descr="Icon&#10;&#10;Description automatically generated">
+            <a:extLst>
+              <a:ext uri="{FF2B5EF4-FFF2-40B4-BE49-F238E27FC236}">
+                <a16:creationId xmlns:a16="http://schemas.microsoft.com/office/drawing/2014/main" id="{72C6DC7C-64E8-3926-658D-87535C7A3655}"/>
+              </a:ext>
+            </a:extLst>
+          </p:cNvPr>
+          <p:cNvPicPr>
+            <a:picLocks noChangeAspect="1"/>
+          </p:cNvPicPr>
+          <p:nvPr/>
+        </p:nvPicPr>
+        <p:blipFill>
+          <a:blip r:embed="rId2">
+            <a:extLst>
+              <a:ext uri="{28A0092B-C50C-407E-A947-70E740481C1C}">
+                <a14:useLocalDpi xmlns:a14="http://schemas.microsoft.com/office/drawing/2010/main" val="0"/>
+              </a:ext>
+            </a:extLst>
+          </a:blip>
+          <a:stretch>
+            <a:fillRect/>
+          </a:stretch>
+        </p:blipFill>
+        <p:spPr>
+          <a:xfrm>
+            <a:off x="1583421" y="1998929"/>
+            <a:ext cx="697295" cy="1012821"/>
+          </a:xfrm>
+          <a:prstGeom prst="rect">
+            <a:avLst/>
+          </a:prstGeom>
+        </p:spPr>
+      </p:pic>
+      <p:pic>
+        <p:nvPicPr>
+          <p:cNvPr id="172" name="Picture 171" descr="Icon&#10;&#10;Description automatically generated">
+            <a:extLst>
+              <a:ext uri="{FF2B5EF4-FFF2-40B4-BE49-F238E27FC236}">
+                <a16:creationId xmlns:a16="http://schemas.microsoft.com/office/drawing/2014/main" id="{37F54397-C2E8-4993-CD71-60B53A5350FC}"/>
+              </a:ext>
+            </a:extLst>
+          </p:cNvPr>
+          <p:cNvPicPr>
+            <a:picLocks noChangeAspect="1"/>
+          </p:cNvPicPr>
+          <p:nvPr/>
+        </p:nvPicPr>
+        <p:blipFill>
+          <a:blip r:embed="rId2">
+            <a:extLst>
+              <a:ext uri="{28A0092B-C50C-407E-A947-70E740481C1C}">
+                <a14:useLocalDpi xmlns:a14="http://schemas.microsoft.com/office/drawing/2010/main" val="0"/>
+              </a:ext>
+            </a:extLst>
+          </a:blip>
+          <a:stretch>
+            <a:fillRect/>
+          </a:stretch>
+        </p:blipFill>
+        <p:spPr>
+          <a:xfrm>
+            <a:off x="1723256" y="1993999"/>
+            <a:ext cx="697295" cy="1012821"/>
+          </a:xfrm>
+          <a:prstGeom prst="rect">
+            <a:avLst/>
+          </a:prstGeom>
+        </p:spPr>
+      </p:pic>
+      <p:pic>
+        <p:nvPicPr>
+          <p:cNvPr id="173" name="Picture 172" descr="Icon&#10;&#10;Description automatically generated">
+            <a:extLst>
+              <a:ext uri="{FF2B5EF4-FFF2-40B4-BE49-F238E27FC236}">
+                <a16:creationId xmlns:a16="http://schemas.microsoft.com/office/drawing/2014/main" id="{99C86EDD-DAB5-7D3F-DB80-07B33A17CFC4}"/>
+              </a:ext>
+            </a:extLst>
+          </p:cNvPr>
+          <p:cNvPicPr>
+            <a:picLocks noChangeAspect="1"/>
+          </p:cNvPicPr>
+          <p:nvPr/>
+        </p:nvPicPr>
+        <p:blipFill>
+          <a:blip r:embed="rId2">
+            <a:extLst>
+              <a:ext uri="{28A0092B-C50C-407E-A947-70E740481C1C}">
+                <a14:useLocalDpi xmlns:a14="http://schemas.microsoft.com/office/drawing/2010/main" val="0"/>
+              </a:ext>
+            </a:extLst>
+          </a:blip>
+          <a:stretch>
+            <a:fillRect/>
+          </a:stretch>
+        </p:blipFill>
+        <p:spPr>
+          <a:xfrm>
+            <a:off x="9938198" y="1959137"/>
+            <a:ext cx="697295" cy="1012821"/>
+          </a:xfrm>
+          <a:prstGeom prst="rect">
+            <a:avLst/>
+          </a:prstGeom>
+        </p:spPr>
+      </p:pic>
+      <p:pic>
+        <p:nvPicPr>
+          <p:cNvPr id="174" name="Picture 173" descr="Icon&#10;&#10;Description automatically generated">
+            <a:extLst>
+              <a:ext uri="{FF2B5EF4-FFF2-40B4-BE49-F238E27FC236}">
+                <a16:creationId xmlns:a16="http://schemas.microsoft.com/office/drawing/2014/main" id="{92FC571B-AE7A-1CFB-E7B9-265D892CE04A}"/>
+              </a:ext>
+            </a:extLst>
+          </p:cNvPr>
+          <p:cNvPicPr>
+            <a:picLocks noChangeAspect="1"/>
+          </p:cNvPicPr>
+          <p:nvPr/>
+        </p:nvPicPr>
+        <p:blipFill>
+          <a:blip r:embed="rId2">
+            <a:extLst>
+              <a:ext uri="{28A0092B-C50C-407E-A947-70E740481C1C}">
+                <a14:useLocalDpi xmlns:a14="http://schemas.microsoft.com/office/drawing/2010/main" val="0"/>
+              </a:ext>
+            </a:extLst>
+          </a:blip>
+          <a:stretch>
+            <a:fillRect/>
+          </a:stretch>
+        </p:blipFill>
+        <p:spPr>
+          <a:xfrm>
+            <a:off x="10089035" y="1959137"/>
+            <a:ext cx="697295" cy="1012821"/>
+          </a:xfrm>
+          <a:prstGeom prst="rect">
+            <a:avLst/>
+          </a:prstGeom>
+        </p:spPr>
+      </p:pic>
+      <p:pic>
+        <p:nvPicPr>
+          <p:cNvPr id="175" name="Picture 174" descr="Icon&#10;&#10;Description automatically generated">
+            <a:extLst>
+              <a:ext uri="{FF2B5EF4-FFF2-40B4-BE49-F238E27FC236}">
+                <a16:creationId xmlns:a16="http://schemas.microsoft.com/office/drawing/2014/main" id="{B4D9A5B3-4C79-ADB8-09FB-BD6015FF66AB}"/>
+              </a:ext>
+            </a:extLst>
+          </p:cNvPr>
+          <p:cNvPicPr>
+            <a:picLocks noChangeAspect="1"/>
+          </p:cNvPicPr>
+          <p:nvPr/>
+        </p:nvPicPr>
+        <p:blipFill>
+          <a:blip r:embed="rId2">
+            <a:extLst>
+              <a:ext uri="{28A0092B-C50C-407E-A947-70E740481C1C}">
+                <a14:useLocalDpi xmlns:a14="http://schemas.microsoft.com/office/drawing/2010/main" val="0"/>
+              </a:ext>
+            </a:extLst>
+          </a:blip>
+          <a:stretch>
+            <a:fillRect/>
+          </a:stretch>
+        </p:blipFill>
+        <p:spPr>
+          <a:xfrm>
+            <a:off x="10228870" y="1954207"/>
+            <a:ext cx="697295" cy="1012821"/>
+          </a:xfrm>
+          <a:prstGeom prst="rect">
+            <a:avLst/>
+          </a:prstGeom>
+        </p:spPr>
+      </p:pic>
+      <p:sp>
+        <p:nvSpPr>
+          <p:cNvPr id="178" name="Rectangle: Rounded Corners 177">
+            <a:extLst>
+              <a:ext uri="{FF2B5EF4-FFF2-40B4-BE49-F238E27FC236}">
+                <a16:creationId xmlns:a16="http://schemas.microsoft.com/office/drawing/2014/main" id="{25BE23C7-7257-5DFA-CF67-339D021AA8C2}"/>
+              </a:ext>
+            </a:extLst>
+          </p:cNvPr>
+          <p:cNvSpPr/>
+          <p:nvPr/>
+        </p:nvSpPr>
+        <p:spPr>
+          <a:xfrm>
+            <a:off x="3922515" y="6314456"/>
+            <a:ext cx="1630981" cy="422021"/>
+          </a:xfrm>
+          <a:prstGeom prst="roundRect">
+            <a:avLst>
+              <a:gd name="adj" fmla="val 50000"/>
+            </a:avLst>
+          </a:prstGeom>
+          <a:gradFill flip="none" rotWithShape="1">
+            <a:gsLst>
+              <a:gs pos="0">
+                <a:schemeClr val="accent4">
+                  <a:lumMod val="40000"/>
+                  <a:lumOff val="60000"/>
+                </a:schemeClr>
+              </a:gs>
+              <a:gs pos="46000">
+                <a:schemeClr val="accent4">
+                  <a:lumMod val="95000"/>
+                  <a:lumOff val="5000"/>
+                </a:schemeClr>
+              </a:gs>
+              <a:gs pos="100000">
+                <a:schemeClr val="accent4">
+                  <a:lumMod val="60000"/>
+                </a:schemeClr>
+              </a:gs>
+            </a:gsLst>
+            <a:path path="circle">
+              <a:fillToRect l="50000" t="130000" r="50000" b="-30000"/>
+            </a:path>
+            <a:tileRect/>
+          </a:gradFill>
+          <a:ln w="38100">
+            <a:noFill/>
+          </a:ln>
+          <a:effectLst>
+            <a:outerShdw blurRad="50800" dist="38100" dir="2700000" algn="tl" rotWithShape="0">
+              <a:prstClr val="black">
+                <a:alpha val="40000"/>
+              </a:prstClr>
+            </a:outerShdw>
+          </a:effectLst>
+        </p:spPr>
+        <p:style>
+          <a:lnRef idx="2">
+            <a:schemeClr val="accent1">
+              <a:shade val="50000"/>
+            </a:schemeClr>
+          </a:lnRef>
+          <a:fillRef idx="1">
+            <a:schemeClr val="accent1"/>
+          </a:fillRef>
+          <a:effectRef idx="0">
+            <a:schemeClr val="accent1"/>
+          </a:effectRef>
+          <a:fontRef idx="minor">
+            <a:schemeClr val="lt1"/>
+          </a:fontRef>
+        </p:style>
+        <p:txBody>
+          <a:bodyPr rtlCol="0" anchor="ctr"/>
+          <a:lstStyle/>
+          <a:p>
+            <a:pPr algn="ctr"/>
+            <a:r>
+              <a:rPr lang="zh-CN" altLang="en-US" sz="2000" b="1">
+                <a:solidFill>
+                  <a:schemeClr val="tx1"/>
+                </a:solidFill>
+                <a:latin typeface="微软雅黑" panose="020B0503020204020204" pitchFamily="34" charset="-122"/>
+                <a:ea typeface="微软雅黑" panose="020B0503020204020204" pitchFamily="34" charset="-122"/>
+              </a:rPr>
+              <a:t>❀ 同花顺</a:t>
+            </a:r>
+          </a:p>
+        </p:txBody>
+      </p:sp>
+      <p:sp>
+        <p:nvSpPr>
+          <p:cNvPr id="180" name="Rectangle: Rounded Corners 179">
+            <a:extLst>
+              <a:ext uri="{FF2B5EF4-FFF2-40B4-BE49-F238E27FC236}">
+                <a16:creationId xmlns:a16="http://schemas.microsoft.com/office/drawing/2014/main" id="{2A00BF0B-AF02-89C2-CD3F-DC557F00244C}"/>
+              </a:ext>
+            </a:extLst>
+          </p:cNvPr>
+          <p:cNvSpPr/>
+          <p:nvPr/>
+        </p:nvSpPr>
+        <p:spPr>
+          <a:xfrm>
+            <a:off x="267973" y="2775718"/>
+            <a:ext cx="945136" cy="369332"/>
+          </a:xfrm>
+          <a:prstGeom prst="roundRect">
+            <a:avLst/>
+          </a:prstGeom>
+          <a:gradFill flip="none" rotWithShape="1">
+            <a:gsLst>
+              <a:gs pos="0">
+                <a:srgbClr val="FF0000"/>
+              </a:gs>
+              <a:gs pos="100000">
+                <a:schemeClr val="accent2">
+                  <a:lumMod val="75000"/>
+                </a:schemeClr>
+              </a:gs>
+            </a:gsLst>
+            <a:lin ang="16200000" scaled="1"/>
+            <a:tileRect/>
+          </a:gradFill>
+          <a:ln>
+            <a:noFill/>
+          </a:ln>
+        </p:spPr>
+        <p:style>
+          <a:lnRef idx="0">
+            <a:scrgbClr r="0" g="0" b="0"/>
+          </a:lnRef>
+          <a:fillRef idx="0">
+            <a:scrgbClr r="0" g="0" b="0"/>
+          </a:fillRef>
+          <a:effectRef idx="0">
+            <a:scrgbClr r="0" g="0" b="0"/>
+          </a:effectRef>
+          <a:fontRef idx="minor">
+            <a:schemeClr val="lt1"/>
+          </a:fontRef>
+        </p:style>
+        <p:txBody>
+          <a:bodyPr rtlCol="0" anchor="ctr"/>
+          <a:lstStyle/>
+          <a:p>
+            <a:pPr algn="ctr"/>
+            <a:r>
+              <a:rPr lang="zh-CN" altLang="en-US"/>
+              <a:t>剩</a:t>
+            </a:r>
+            <a:r>
+              <a:rPr lang="en-US" altLang="zh-CN"/>
+              <a:t>    </a:t>
+            </a:r>
+            <a:r>
+              <a:rPr lang="zh-CN" altLang="en-US"/>
+              <a:t>张</a:t>
+            </a:r>
+          </a:p>
+        </p:txBody>
+      </p:sp>
+      <p:sp>
+        <p:nvSpPr>
+          <p:cNvPr id="182" name="Rectangle: Rounded Corners 181">
+            <a:extLst>
+              <a:ext uri="{FF2B5EF4-FFF2-40B4-BE49-F238E27FC236}">
+                <a16:creationId xmlns:a16="http://schemas.microsoft.com/office/drawing/2014/main" id="{599E0164-9A74-96C1-3BA4-F3E6F8364F76}"/>
+              </a:ext>
+            </a:extLst>
+          </p:cNvPr>
+          <p:cNvSpPr/>
+          <p:nvPr/>
+        </p:nvSpPr>
+        <p:spPr>
+          <a:xfrm>
+            <a:off x="6168809" y="6330558"/>
+            <a:ext cx="1630981" cy="422021"/>
+          </a:xfrm>
+          <a:prstGeom prst="roundRect">
+            <a:avLst>
+              <a:gd name="adj" fmla="val 50000"/>
+            </a:avLst>
+          </a:prstGeom>
+          <a:gradFill flip="none" rotWithShape="1">
+            <a:gsLst>
+              <a:gs pos="0">
+                <a:schemeClr val="accent4">
+                  <a:lumMod val="40000"/>
+                  <a:lumOff val="60000"/>
+                </a:schemeClr>
+              </a:gs>
+              <a:gs pos="46000">
+                <a:schemeClr val="accent4">
+                  <a:lumMod val="95000"/>
+                  <a:lumOff val="5000"/>
+                </a:schemeClr>
+              </a:gs>
+              <a:gs pos="100000">
+                <a:schemeClr val="accent4">
+                  <a:lumMod val="60000"/>
+                </a:schemeClr>
+              </a:gs>
+            </a:gsLst>
+            <a:path path="circle">
+              <a:fillToRect l="50000" t="130000" r="50000" b="-30000"/>
+            </a:path>
+            <a:tileRect/>
+          </a:gradFill>
+          <a:ln w="38100">
+            <a:noFill/>
+          </a:ln>
+          <a:effectLst>
+            <a:outerShdw blurRad="50800" dist="38100" dir="2700000" algn="tl" rotWithShape="0">
+              <a:prstClr val="black">
+                <a:alpha val="40000"/>
+              </a:prstClr>
+            </a:outerShdw>
+          </a:effectLst>
+        </p:spPr>
+        <p:style>
+          <a:lnRef idx="2">
+            <a:schemeClr val="accent1">
+              <a:shade val="50000"/>
+            </a:schemeClr>
+          </a:lnRef>
+          <a:fillRef idx="1">
+            <a:schemeClr val="accent1"/>
+          </a:fillRef>
+          <a:effectRef idx="0">
+            <a:schemeClr val="accent1"/>
+          </a:effectRef>
+          <a:fontRef idx="minor">
+            <a:schemeClr val="lt1"/>
+          </a:fontRef>
+        </p:style>
+        <p:txBody>
+          <a:bodyPr rtlCol="0" anchor="ctr"/>
+          <a:lstStyle/>
+          <a:p>
+            <a:pPr algn="ctr"/>
+            <a:r>
+              <a:rPr lang="zh-CN" altLang="en-US" sz="2000" b="1">
+                <a:solidFill>
+                  <a:schemeClr val="tx1"/>
+                </a:solidFill>
+                <a:latin typeface="微软雅黑" panose="020B0503020204020204" pitchFamily="34" charset="-122"/>
+                <a:ea typeface="微软雅黑" panose="020B0503020204020204" pitchFamily="34" charset="-122"/>
+              </a:rPr>
+              <a:t>▲ 理牌</a:t>
+            </a:r>
+          </a:p>
+        </p:txBody>
+      </p:sp>
+      <p:sp>
+        <p:nvSpPr>
+          <p:cNvPr id="184" name="Rectangle: Rounded Corners 183">
+            <a:extLst>
+              <a:ext uri="{FF2B5EF4-FFF2-40B4-BE49-F238E27FC236}">
+                <a16:creationId xmlns:a16="http://schemas.microsoft.com/office/drawing/2014/main" id="{3B7E11FD-9E7F-84C3-6757-27B8FC1DF68F}"/>
+              </a:ext>
+            </a:extLst>
+          </p:cNvPr>
+          <p:cNvSpPr/>
+          <p:nvPr/>
+        </p:nvSpPr>
+        <p:spPr>
+          <a:xfrm>
+            <a:off x="6168808" y="6858000"/>
+            <a:ext cx="1630981" cy="422021"/>
+          </a:xfrm>
+          <a:prstGeom prst="roundRect">
+            <a:avLst>
+              <a:gd name="adj" fmla="val 50000"/>
+            </a:avLst>
+          </a:prstGeom>
+          <a:gradFill flip="none" rotWithShape="1">
+            <a:gsLst>
+              <a:gs pos="0">
+                <a:schemeClr val="accent4">
+                  <a:lumMod val="40000"/>
+                  <a:lumOff val="60000"/>
+                </a:schemeClr>
+              </a:gs>
+              <a:gs pos="46000">
+                <a:schemeClr val="accent4">
+                  <a:lumMod val="95000"/>
+                  <a:lumOff val="5000"/>
+                </a:schemeClr>
+              </a:gs>
+              <a:gs pos="100000">
+                <a:schemeClr val="accent4">
+                  <a:lumMod val="60000"/>
+                </a:schemeClr>
+              </a:gs>
+            </a:gsLst>
+            <a:path path="circle">
+              <a:fillToRect l="50000" t="130000" r="50000" b="-30000"/>
+            </a:path>
+            <a:tileRect/>
+          </a:gradFill>
+          <a:ln w="38100">
+            <a:noFill/>
+          </a:ln>
+          <a:effectLst>
+            <a:outerShdw blurRad="50800" dist="38100" dir="2700000" algn="tl" rotWithShape="0">
+              <a:prstClr val="black">
+                <a:alpha val="40000"/>
+              </a:prstClr>
+            </a:outerShdw>
+          </a:effectLst>
+        </p:spPr>
+        <p:style>
+          <a:lnRef idx="2">
+            <a:schemeClr val="accent1">
+              <a:shade val="50000"/>
+            </a:schemeClr>
+          </a:lnRef>
+          <a:fillRef idx="1">
+            <a:schemeClr val="accent1"/>
+          </a:fillRef>
+          <a:effectRef idx="0">
+            <a:schemeClr val="accent1"/>
+          </a:effectRef>
+          <a:fontRef idx="minor">
+            <a:schemeClr val="lt1"/>
+          </a:fontRef>
+        </p:style>
+        <p:txBody>
+          <a:bodyPr rtlCol="0" anchor="ctr"/>
+          <a:lstStyle/>
+          <a:p>
+            <a:pPr algn="ctr"/>
+            <a:r>
+              <a:rPr lang="zh-CN" altLang="en-US" sz="2000" b="1">
+                <a:solidFill>
+                  <a:schemeClr val="tx1"/>
+                </a:solidFill>
+                <a:latin typeface="微软雅黑" panose="020B0503020204020204" pitchFamily="34" charset="-122"/>
+                <a:ea typeface="微软雅黑" panose="020B0503020204020204" pitchFamily="34" charset="-122"/>
+              </a:rPr>
+              <a:t>↪ 恢复</a:t>
+            </a:r>
+          </a:p>
+        </p:txBody>
+      </p:sp>
+      <p:sp>
+        <p:nvSpPr>
+          <p:cNvPr id="185" name="Rectangle: Rounded Corners 184">
+            <a:extLst>
+              <a:ext uri="{FF2B5EF4-FFF2-40B4-BE49-F238E27FC236}">
+                <a16:creationId xmlns:a16="http://schemas.microsoft.com/office/drawing/2014/main" id="{EFB0C361-4245-7B1B-41BA-9FEAD9CD8AA6}"/>
+              </a:ext>
+            </a:extLst>
+          </p:cNvPr>
+          <p:cNvSpPr/>
+          <p:nvPr/>
+        </p:nvSpPr>
+        <p:spPr>
+          <a:xfrm>
+            <a:off x="10701725" y="100365"/>
+            <a:ext cx="1362928" cy="426719"/>
+          </a:xfrm>
+          <a:prstGeom prst="roundRect">
+            <a:avLst>
+              <a:gd name="adj" fmla="val 50000"/>
+            </a:avLst>
+          </a:prstGeom>
+          <a:gradFill flip="none" rotWithShape="1">
+            <a:gsLst>
+              <a:gs pos="0">
+                <a:schemeClr val="accent4">
+                  <a:lumMod val="40000"/>
+                  <a:lumOff val="60000"/>
+                </a:schemeClr>
+              </a:gs>
+              <a:gs pos="46000">
+                <a:schemeClr val="accent4">
+                  <a:lumMod val="95000"/>
+                  <a:lumOff val="5000"/>
+                </a:schemeClr>
+              </a:gs>
+              <a:gs pos="100000">
+                <a:schemeClr val="accent4">
+                  <a:lumMod val="60000"/>
+                </a:schemeClr>
+              </a:gs>
+            </a:gsLst>
+            <a:path path="circle">
+              <a:fillToRect l="50000" t="130000" r="50000" b="-30000"/>
+            </a:path>
+            <a:tileRect/>
+          </a:gradFill>
+          <a:ln w="38100">
+            <a:noFill/>
+          </a:ln>
+          <a:effectLst>
+            <a:outerShdw blurRad="50800" dist="38100" dir="2700000" algn="tl" rotWithShape="0">
+              <a:prstClr val="black">
+                <a:alpha val="40000"/>
+              </a:prstClr>
+            </a:outerShdw>
+          </a:effectLst>
+        </p:spPr>
+        <p:style>
+          <a:lnRef idx="2">
+            <a:schemeClr val="accent1">
+              <a:shade val="50000"/>
+            </a:schemeClr>
+          </a:lnRef>
+          <a:fillRef idx="1">
+            <a:schemeClr val="accent1"/>
+          </a:fillRef>
+          <a:effectRef idx="0">
+            <a:schemeClr val="accent1"/>
+          </a:effectRef>
+          <a:fontRef idx="minor">
+            <a:schemeClr val="lt1"/>
+          </a:fontRef>
+        </p:style>
+        <p:txBody>
+          <a:bodyPr rtlCol="0" anchor="ctr"/>
+          <a:lstStyle/>
+          <a:p>
+            <a:pPr algn="ctr"/>
+            <a:r>
+              <a:rPr lang="zh-CN" altLang="en-US" b="1">
+                <a:solidFill>
+                  <a:schemeClr val="tx1"/>
+                </a:solidFill>
+                <a:latin typeface="微软雅黑" panose="020B0503020204020204" pitchFamily="34" charset="-122"/>
+                <a:ea typeface="微软雅黑" panose="020B0503020204020204" pitchFamily="34" charset="-122"/>
+              </a:rPr>
+              <a:t>牌局记录</a:t>
+            </a:r>
+          </a:p>
+        </p:txBody>
+      </p:sp>
+      <p:sp>
+        <p:nvSpPr>
+          <p:cNvPr id="186" name="Rectangle: Rounded Corners 185">
+            <a:extLst>
+              <a:ext uri="{FF2B5EF4-FFF2-40B4-BE49-F238E27FC236}">
+                <a16:creationId xmlns:a16="http://schemas.microsoft.com/office/drawing/2014/main" id="{E6CB161C-8A43-EDCA-ED6D-12630B21C38A}"/>
+              </a:ext>
+            </a:extLst>
+          </p:cNvPr>
+          <p:cNvSpPr/>
+          <p:nvPr/>
+        </p:nvSpPr>
+        <p:spPr>
+          <a:xfrm>
+            <a:off x="9183299" y="98651"/>
+            <a:ext cx="1362928" cy="426719"/>
+          </a:xfrm>
+          <a:prstGeom prst="roundRect">
+            <a:avLst>
+              <a:gd name="adj" fmla="val 50000"/>
+            </a:avLst>
+          </a:prstGeom>
+          <a:gradFill flip="none" rotWithShape="1">
+            <a:gsLst>
+              <a:gs pos="0">
+                <a:schemeClr val="accent4">
+                  <a:lumMod val="40000"/>
+                  <a:lumOff val="60000"/>
+                </a:schemeClr>
+              </a:gs>
+              <a:gs pos="46000">
+                <a:schemeClr val="accent4">
+                  <a:lumMod val="95000"/>
+                  <a:lumOff val="5000"/>
+                </a:schemeClr>
+              </a:gs>
+              <a:gs pos="100000">
+                <a:schemeClr val="accent4">
+                  <a:lumMod val="60000"/>
+                </a:schemeClr>
+              </a:gs>
+            </a:gsLst>
+            <a:path path="circle">
+              <a:fillToRect l="50000" t="130000" r="50000" b="-30000"/>
+            </a:path>
+            <a:tileRect/>
+          </a:gradFill>
+          <a:ln w="38100">
+            <a:noFill/>
+          </a:ln>
+          <a:effectLst>
+            <a:outerShdw blurRad="50800" dist="38100" dir="2700000" algn="tl" rotWithShape="0">
+              <a:prstClr val="black">
+                <a:alpha val="40000"/>
+              </a:prstClr>
+            </a:outerShdw>
+          </a:effectLst>
+        </p:spPr>
+        <p:style>
+          <a:lnRef idx="2">
+            <a:schemeClr val="accent1">
+              <a:shade val="50000"/>
+            </a:schemeClr>
+          </a:lnRef>
+          <a:fillRef idx="1">
+            <a:schemeClr val="accent1"/>
+          </a:fillRef>
+          <a:effectRef idx="0">
+            <a:schemeClr val="accent1"/>
+          </a:effectRef>
+          <a:fontRef idx="minor">
+            <a:schemeClr val="lt1"/>
+          </a:fontRef>
+        </p:style>
+        <p:txBody>
+          <a:bodyPr rtlCol="0" anchor="ctr"/>
+          <a:lstStyle/>
+          <a:p>
+            <a:pPr algn="ctr"/>
+            <a:r>
+              <a:rPr lang="zh-CN" altLang="en-US" b="1">
+                <a:solidFill>
+                  <a:schemeClr val="tx1"/>
+                </a:solidFill>
+                <a:latin typeface="微软雅黑" panose="020B0503020204020204" pitchFamily="34" charset="-122"/>
+                <a:ea typeface="微软雅黑" panose="020B0503020204020204" pitchFamily="34" charset="-122"/>
+              </a:rPr>
+              <a:t>声音 开</a:t>
+            </a:r>
+          </a:p>
+        </p:txBody>
+      </p:sp>
+    </p:spTree>
+    <p:extLst>
+      <p:ext uri="{BB962C8B-B14F-4D97-AF65-F5344CB8AC3E}">
+        <p14:creationId xmlns:p14="http://schemas.microsoft.com/office/powerpoint/2010/main" val="1366776819"/>
+      </p:ext>
+    </p:extLst>
+  </p:cSld>
+  <p:clrMapOvr>
+    <a:masterClrMapping/>
+  </p:clrMapOvr>
+</p:sld>
+</file>
+
 <file path=ppt/theme/theme1.xml><?xml version="1.0" encoding="utf-8"?>
 <a:theme xmlns:a="http://schemas.openxmlformats.org/drawingml/2006/main" name="Office Theme">
   <a:themeElements>

--- a/qt_guan_dan/dev_ui_sketch.pptx
+++ b/qt_guan_dan/dev_ui_sketch.pptx
@@ -3793,264 +3793,309 @@
           <a:chExt cx="0" cy="0"/>
         </a:xfrm>
       </p:grpSpPr>
-      <p:sp>
-        <p:nvSpPr>
-          <p:cNvPr id="17" name="Rectangle: Rounded Corners 16">
-            <a:extLst>
-              <a:ext uri="{FF2B5EF4-FFF2-40B4-BE49-F238E27FC236}">
-                <a16:creationId xmlns:a16="http://schemas.microsoft.com/office/drawing/2014/main" id="{197BD189-7D8F-959B-1A25-72923142DC46}"/>
-              </a:ext>
-            </a:extLst>
-          </p:cNvPr>
-          <p:cNvSpPr/>
+      <p:grpSp>
+        <p:nvGrpSpPr>
+          <p:cNvPr id="2" name="Group 1">
+            <a:extLst>
+              <a:ext uri="{FF2B5EF4-FFF2-40B4-BE49-F238E27FC236}">
+                <a16:creationId xmlns:a16="http://schemas.microsoft.com/office/drawing/2014/main" id="{0CE90292-0ECA-E142-92EE-19B8C56AE8FD}"/>
+              </a:ext>
+            </a:extLst>
+          </p:cNvPr>
+          <p:cNvGrpSpPr/>
           <p:nvPr/>
-        </p:nvSpPr>
-        <p:spPr>
+        </p:nvGrpSpPr>
+        <p:grpSpPr>
           <a:xfrm>
-            <a:off x="664041" y="177632"/>
-            <a:ext cx="680576" cy="369332"/>
+            <a:off x="204452" y="171906"/>
+            <a:ext cx="1140165" cy="838354"/>
+            <a:chOff x="204452" y="171906"/>
+            <a:chExt cx="1140165" cy="838354"/>
           </a:xfrm>
-          <a:prstGeom prst="roundRect">
-            <a:avLst>
-              <a:gd name="adj" fmla="val 5756"/>
-            </a:avLst>
-          </a:prstGeom>
-          <a:solidFill>
-            <a:srgbClr val="FFFFD9"/>
-          </a:solidFill>
-          <a:ln w="38100">
-            <a:noFill/>
-          </a:ln>
-          <a:effectLst>
-            <a:outerShdw blurRad="50800" dist="38100" dir="2700000" algn="tl" rotWithShape="0">
-              <a:prstClr val="black">
-                <a:alpha val="40000"/>
-              </a:prstClr>
-            </a:outerShdw>
-          </a:effectLst>
-        </p:spPr>
-        <p:style>
-          <a:lnRef idx="2">
-            <a:schemeClr val="accent1">
-              <a:shade val="50000"/>
-            </a:schemeClr>
-          </a:lnRef>
-          <a:fillRef idx="1">
-            <a:schemeClr val="accent1"/>
-          </a:fillRef>
-          <a:effectRef idx="0">
-            <a:schemeClr val="accent1"/>
-          </a:effectRef>
-          <a:fontRef idx="minor">
-            <a:schemeClr val="lt1"/>
-          </a:fontRef>
-        </p:style>
-        <p:txBody>
-          <a:bodyPr rtlCol="0" anchor="ctr"/>
-          <a:lstStyle/>
-          <a:p>
-            <a:pPr marL="0" marR="0" lvl="0" indent="0" algn="ctr" defTabSz="914400" rtl="0" eaLnBrk="1" fontAlgn="auto" latinLnBrk="0" hangingPunct="1">
-              <a:lnSpc>
-                <a:spcPct val="100000"/>
-              </a:lnSpc>
-              <a:spcBef>
-                <a:spcPts val="0"/>
-              </a:spcBef>
-              <a:spcAft>
-                <a:spcPts val="0"/>
-              </a:spcAft>
-              <a:buClrTx/>
-              <a:buSzTx/>
-              <a:buFontTx/>
-              <a:buNone/>
-              <a:tabLst/>
-              <a:defRPr/>
-            </a:pPr>
-            <a:endParaRPr kumimoji="0" lang="en-US" altLang="zh-CN" b="1" i="0" u="none" strike="noStrike" kern="1200" cap="none" spc="0" normalizeH="0" baseline="0" noProof="0">
-              <a:ln>
-                <a:noFill/>
-              </a:ln>
-              <a:solidFill>
-                <a:prstClr val="white"/>
-              </a:solidFill>
-              <a:effectLst/>
-              <a:uLnTx/>
-              <a:uFillTx/>
-              <a:latin typeface="等线" panose="020F0502020204030204"/>
-              <a:ea typeface="等线" panose="02010600030101010101" pitchFamily="2" charset="-122"/>
-              <a:cs typeface="+mn-cs"/>
-            </a:endParaRPr>
-          </a:p>
-        </p:txBody>
-      </p:sp>
-      <p:sp>
-        <p:nvSpPr>
-          <p:cNvPr id="18" name="Rectangle: Rounded Corners 17">
-            <a:extLst>
-              <a:ext uri="{FF2B5EF4-FFF2-40B4-BE49-F238E27FC236}">
-                <a16:creationId xmlns:a16="http://schemas.microsoft.com/office/drawing/2014/main" id="{40969952-992A-9E66-EA53-7A742E4F335F}"/>
-              </a:ext>
-            </a:extLst>
-          </p:cNvPr>
-          <p:cNvSpPr/>
-          <p:nvPr/>
-        </p:nvSpPr>
-        <p:spPr>
-          <a:xfrm>
-            <a:off x="686227" y="640928"/>
-            <a:ext cx="658390" cy="369332"/>
-          </a:xfrm>
-          <a:prstGeom prst="roundRect">
-            <a:avLst>
-              <a:gd name="adj" fmla="val 5756"/>
-            </a:avLst>
-          </a:prstGeom>
-          <a:solidFill>
-            <a:srgbClr val="FFFFD9"/>
-          </a:solidFill>
-          <a:ln w="38100">
-            <a:noFill/>
-          </a:ln>
-          <a:effectLst>
-            <a:outerShdw blurRad="50800" dist="38100" dir="2700000" algn="tl" rotWithShape="0">
-              <a:prstClr val="black">
-                <a:alpha val="40000"/>
-              </a:prstClr>
-            </a:outerShdw>
-          </a:effectLst>
-        </p:spPr>
-        <p:style>
-          <a:lnRef idx="2">
-            <a:schemeClr val="accent1">
-              <a:shade val="50000"/>
-            </a:schemeClr>
-          </a:lnRef>
-          <a:fillRef idx="1">
-            <a:schemeClr val="accent1"/>
-          </a:fillRef>
-          <a:effectRef idx="0">
-            <a:schemeClr val="accent1"/>
-          </a:effectRef>
-          <a:fontRef idx="minor">
-            <a:schemeClr val="lt1"/>
-          </a:fontRef>
-        </p:style>
-        <p:txBody>
-          <a:bodyPr rtlCol="0" anchor="ctr"/>
-          <a:lstStyle/>
-          <a:p>
-            <a:pPr marL="0" marR="0" lvl="0" indent="0" algn="ctr" defTabSz="914400" rtl="0" eaLnBrk="1" fontAlgn="auto" latinLnBrk="0" hangingPunct="1">
-              <a:lnSpc>
-                <a:spcPct val="100000"/>
-              </a:lnSpc>
-              <a:spcBef>
-                <a:spcPts val="0"/>
-              </a:spcBef>
-              <a:spcAft>
-                <a:spcPts val="0"/>
-              </a:spcAft>
-              <a:buClrTx/>
-              <a:buSzTx/>
-              <a:buFontTx/>
-              <a:buNone/>
-              <a:tabLst/>
-              <a:defRPr/>
-            </a:pPr>
-            <a:endParaRPr kumimoji="0" lang="en-US" altLang="zh-CN" b="1" i="0" u="none" strike="noStrike" kern="1200" cap="none" spc="0" normalizeH="0" baseline="0" noProof="0">
-              <a:ln>
-                <a:noFill/>
-              </a:ln>
-              <a:solidFill>
-                <a:prstClr val="white"/>
-              </a:solidFill>
-              <a:effectLst/>
-              <a:uLnTx/>
-              <a:uFillTx/>
-              <a:latin typeface="等线" panose="020F0502020204030204"/>
-              <a:ea typeface="等线" panose="02010600030101010101" pitchFamily="2" charset="-122"/>
-              <a:cs typeface="+mn-cs"/>
-            </a:endParaRPr>
-          </a:p>
-        </p:txBody>
-      </p:sp>
-      <p:sp>
-        <p:nvSpPr>
-          <p:cNvPr id="13" name="Rectangle: Rounded Corners 12">
-            <a:extLst>
-              <a:ext uri="{FF2B5EF4-FFF2-40B4-BE49-F238E27FC236}">
-                <a16:creationId xmlns:a16="http://schemas.microsoft.com/office/drawing/2014/main" id="{F49E50A9-09F0-6405-0947-26A292CD792E}"/>
-              </a:ext>
-            </a:extLst>
-          </p:cNvPr>
-          <p:cNvSpPr/>
-          <p:nvPr/>
-        </p:nvSpPr>
-        <p:spPr>
-          <a:xfrm>
-            <a:off x="212087" y="177632"/>
-            <a:ext cx="632634" cy="369332"/>
-          </a:xfrm>
-          <a:prstGeom prst="roundRect">
-            <a:avLst>
-              <a:gd name="adj" fmla="val 5756"/>
-            </a:avLst>
-          </a:prstGeom>
-          <a:solidFill>
-            <a:schemeClr val="accent6">
-              <a:lumMod val="60000"/>
-              <a:lumOff val="40000"/>
-            </a:schemeClr>
-          </a:solidFill>
-          <a:ln w="38100">
-            <a:noFill/>
-          </a:ln>
-          <a:effectLst>
-            <a:outerShdw blurRad="50800" dist="38100" dir="2700000" algn="tl" rotWithShape="0">
-              <a:prstClr val="black">
-                <a:alpha val="40000"/>
-              </a:prstClr>
-            </a:outerShdw>
-          </a:effectLst>
-        </p:spPr>
-        <p:style>
-          <a:lnRef idx="2">
-            <a:schemeClr val="accent1">
-              <a:shade val="50000"/>
-            </a:schemeClr>
-          </a:lnRef>
-          <a:fillRef idx="1">
-            <a:schemeClr val="accent1"/>
-          </a:fillRef>
-          <a:effectRef idx="0">
-            <a:schemeClr val="accent1"/>
-          </a:effectRef>
-          <a:fontRef idx="minor">
-            <a:schemeClr val="lt1"/>
-          </a:fontRef>
-        </p:style>
-        <p:txBody>
-          <a:bodyPr rtlCol="0" anchor="ctr"/>
-          <a:lstStyle/>
-          <a:p>
-            <a:pPr marL="0" marR="0" lvl="0" indent="0" algn="ctr" defTabSz="914400" rtl="0" eaLnBrk="1" fontAlgn="auto" latinLnBrk="0" hangingPunct="1">
-              <a:lnSpc>
-                <a:spcPct val="100000"/>
-              </a:lnSpc>
-              <a:spcBef>
-                <a:spcPts val="0"/>
-              </a:spcBef>
-              <a:spcAft>
-                <a:spcPts val="0"/>
-              </a:spcAft>
-              <a:buClrTx/>
-              <a:buSzTx/>
-              <a:buFontTx/>
-              <a:buNone/>
-              <a:tabLst/>
-              <a:defRPr/>
-            </a:pPr>
-            <a:r>
-              <a:rPr kumimoji="0" lang="zh-CN" altLang="en-US" sz="1600" i="0" u="none" strike="noStrike" kern="1200" cap="none" spc="0" normalizeH="0" baseline="0" noProof="0">
+        </p:grpSpPr>
+        <p:sp>
+          <p:nvSpPr>
+            <p:cNvPr id="17" name="Rectangle: Rounded Corners 16">
+              <a:extLst>
+                <a:ext uri="{FF2B5EF4-FFF2-40B4-BE49-F238E27FC236}">
+                  <a16:creationId xmlns:a16="http://schemas.microsoft.com/office/drawing/2014/main" id="{197BD189-7D8F-959B-1A25-72923142DC46}"/>
+                </a:ext>
+              </a:extLst>
+            </p:cNvPr>
+            <p:cNvSpPr/>
+            <p:nvPr/>
+          </p:nvSpPr>
+          <p:spPr>
+            <a:xfrm>
+              <a:off x="664041" y="177632"/>
+              <a:ext cx="680576" cy="369332"/>
+            </a:xfrm>
+            <a:prstGeom prst="roundRect">
+              <a:avLst>
+                <a:gd name="adj" fmla="val 5756"/>
+              </a:avLst>
+            </a:prstGeom>
+            <a:solidFill>
+              <a:srgbClr val="FFFFD9"/>
+            </a:solidFill>
+            <a:ln w="38100">
+              <a:noFill/>
+            </a:ln>
+            <a:effectLst>
+              <a:outerShdw blurRad="50800" dist="38100" dir="2700000" algn="tl" rotWithShape="0">
+                <a:prstClr val="black">
+                  <a:alpha val="40000"/>
+                </a:prstClr>
+              </a:outerShdw>
+            </a:effectLst>
+          </p:spPr>
+          <p:style>
+            <a:lnRef idx="2">
+              <a:schemeClr val="accent1">
+                <a:shade val="50000"/>
+              </a:schemeClr>
+            </a:lnRef>
+            <a:fillRef idx="1">
+              <a:schemeClr val="accent1"/>
+            </a:fillRef>
+            <a:effectRef idx="0">
+              <a:schemeClr val="accent1"/>
+            </a:effectRef>
+            <a:fontRef idx="minor">
+              <a:schemeClr val="lt1"/>
+            </a:fontRef>
+          </p:style>
+          <p:txBody>
+            <a:bodyPr rtlCol="0" anchor="ctr"/>
+            <a:lstStyle/>
+            <a:p>
+              <a:pPr marL="0" marR="0" lvl="0" indent="0" algn="ctr" defTabSz="914400" rtl="0" eaLnBrk="1" fontAlgn="auto" latinLnBrk="0" hangingPunct="1">
+                <a:lnSpc>
+                  <a:spcPct val="100000"/>
+                </a:lnSpc>
+                <a:spcBef>
+                  <a:spcPts val="0"/>
+                </a:spcBef>
+                <a:spcAft>
+                  <a:spcPts val="0"/>
+                </a:spcAft>
+                <a:buClrTx/>
+                <a:buSzTx/>
+                <a:buFontTx/>
+                <a:buNone/>
+                <a:tabLst/>
+                <a:defRPr/>
+              </a:pPr>
+              <a:endParaRPr kumimoji="0" lang="en-US" altLang="zh-CN" b="1" i="0" u="none" strike="noStrike" kern="1200" cap="none" spc="0" normalizeH="0" baseline="0" noProof="0">
+                <a:ln>
+                  <a:noFill/>
+                </a:ln>
+                <a:solidFill>
+                  <a:prstClr val="white"/>
+                </a:solidFill>
+                <a:effectLst/>
+                <a:uLnTx/>
+                <a:uFillTx/>
+                <a:latin typeface="等线" panose="020F0502020204030204"/>
+                <a:ea typeface="等线" panose="02010600030101010101" pitchFamily="2" charset="-122"/>
+                <a:cs typeface="+mn-cs"/>
+              </a:endParaRPr>
+            </a:p>
+          </p:txBody>
+        </p:sp>
+        <p:sp>
+          <p:nvSpPr>
+            <p:cNvPr id="18" name="Rectangle: Rounded Corners 17">
+              <a:extLst>
+                <a:ext uri="{FF2B5EF4-FFF2-40B4-BE49-F238E27FC236}">
+                  <a16:creationId xmlns:a16="http://schemas.microsoft.com/office/drawing/2014/main" id="{40969952-992A-9E66-EA53-7A742E4F335F}"/>
+                </a:ext>
+              </a:extLst>
+            </p:cNvPr>
+            <p:cNvSpPr/>
+            <p:nvPr/>
+          </p:nvSpPr>
+          <p:spPr>
+            <a:xfrm>
+              <a:off x="686227" y="640928"/>
+              <a:ext cx="658390" cy="369332"/>
+            </a:xfrm>
+            <a:prstGeom prst="roundRect">
+              <a:avLst>
+                <a:gd name="adj" fmla="val 5756"/>
+              </a:avLst>
+            </a:prstGeom>
+            <a:solidFill>
+              <a:srgbClr val="FFFFD9"/>
+            </a:solidFill>
+            <a:ln w="38100">
+              <a:noFill/>
+            </a:ln>
+            <a:effectLst>
+              <a:outerShdw blurRad="50800" dist="38100" dir="2700000" algn="tl" rotWithShape="0">
+                <a:prstClr val="black">
+                  <a:alpha val="40000"/>
+                </a:prstClr>
+              </a:outerShdw>
+            </a:effectLst>
+          </p:spPr>
+          <p:style>
+            <a:lnRef idx="2">
+              <a:schemeClr val="accent1">
+                <a:shade val="50000"/>
+              </a:schemeClr>
+            </a:lnRef>
+            <a:fillRef idx="1">
+              <a:schemeClr val="accent1"/>
+            </a:fillRef>
+            <a:effectRef idx="0">
+              <a:schemeClr val="accent1"/>
+            </a:effectRef>
+            <a:fontRef idx="minor">
+              <a:schemeClr val="lt1"/>
+            </a:fontRef>
+          </p:style>
+          <p:txBody>
+            <a:bodyPr rtlCol="0" anchor="ctr"/>
+            <a:lstStyle/>
+            <a:p>
+              <a:pPr marL="0" marR="0" lvl="0" indent="0" algn="ctr" defTabSz="914400" rtl="0" eaLnBrk="1" fontAlgn="auto" latinLnBrk="0" hangingPunct="1">
+                <a:lnSpc>
+                  <a:spcPct val="100000"/>
+                </a:lnSpc>
+                <a:spcBef>
+                  <a:spcPts val="0"/>
+                </a:spcBef>
+                <a:spcAft>
+                  <a:spcPts val="0"/>
+                </a:spcAft>
+                <a:buClrTx/>
+                <a:buSzTx/>
+                <a:buFontTx/>
+                <a:buNone/>
+                <a:tabLst/>
+                <a:defRPr/>
+              </a:pPr>
+              <a:endParaRPr kumimoji="0" lang="en-US" altLang="zh-CN" b="1" i="0" u="none" strike="noStrike" kern="1200" cap="none" spc="0" normalizeH="0" baseline="0" noProof="0">
+                <a:ln>
+                  <a:noFill/>
+                </a:ln>
+                <a:solidFill>
+                  <a:prstClr val="white"/>
+                </a:solidFill>
+                <a:effectLst/>
+                <a:uLnTx/>
+                <a:uFillTx/>
+                <a:latin typeface="等线" panose="020F0502020204030204"/>
+                <a:ea typeface="等线" panose="02010600030101010101" pitchFamily="2" charset="-122"/>
+                <a:cs typeface="+mn-cs"/>
+              </a:endParaRPr>
+            </a:p>
+          </p:txBody>
+        </p:sp>
+        <p:sp>
+          <p:nvSpPr>
+            <p:cNvPr id="13" name="Rectangle: Rounded Corners 12">
+              <a:extLst>
+                <a:ext uri="{FF2B5EF4-FFF2-40B4-BE49-F238E27FC236}">
+                  <a16:creationId xmlns:a16="http://schemas.microsoft.com/office/drawing/2014/main" id="{F49E50A9-09F0-6405-0947-26A292CD792E}"/>
+                </a:ext>
+              </a:extLst>
+            </p:cNvPr>
+            <p:cNvSpPr/>
+            <p:nvPr/>
+          </p:nvSpPr>
+          <p:spPr>
+            <a:xfrm>
+              <a:off x="212087" y="634832"/>
+              <a:ext cx="632634" cy="369332"/>
+            </a:xfrm>
+            <a:prstGeom prst="roundRect">
+              <a:avLst>
+                <a:gd name="adj" fmla="val 5756"/>
+              </a:avLst>
+            </a:prstGeom>
+            <a:solidFill>
+              <a:schemeClr val="accent6">
+                <a:lumMod val="60000"/>
+                <a:lumOff val="40000"/>
+              </a:schemeClr>
+            </a:solidFill>
+            <a:ln w="38100">
+              <a:noFill/>
+            </a:ln>
+            <a:effectLst>
+              <a:outerShdw blurRad="50800" dist="38100" dir="2700000" algn="tl" rotWithShape="0">
+                <a:prstClr val="black">
+                  <a:alpha val="40000"/>
+                </a:prstClr>
+              </a:outerShdw>
+            </a:effectLst>
+          </p:spPr>
+          <p:style>
+            <a:lnRef idx="2">
+              <a:schemeClr val="accent1">
+                <a:shade val="50000"/>
+              </a:schemeClr>
+            </a:lnRef>
+            <a:fillRef idx="1">
+              <a:schemeClr val="accent1"/>
+            </a:fillRef>
+            <a:effectRef idx="0">
+              <a:schemeClr val="accent1"/>
+            </a:effectRef>
+            <a:fontRef idx="minor">
+              <a:schemeClr val="lt1"/>
+            </a:fontRef>
+          </p:style>
+          <p:txBody>
+            <a:bodyPr rtlCol="0" anchor="ctr"/>
+            <a:lstStyle/>
+            <a:p>
+              <a:pPr marL="0" marR="0" lvl="0" indent="0" algn="ctr" defTabSz="914400" rtl="0" eaLnBrk="1" fontAlgn="auto" latinLnBrk="0" hangingPunct="1">
+                <a:lnSpc>
+                  <a:spcPct val="100000"/>
+                </a:lnSpc>
+                <a:spcBef>
+                  <a:spcPts val="0"/>
+                </a:spcBef>
+                <a:spcAft>
+                  <a:spcPts val="0"/>
+                </a:spcAft>
+                <a:buClrTx/>
+                <a:buSzTx/>
+                <a:buFontTx/>
+                <a:buNone/>
+                <a:tabLst/>
+                <a:defRPr/>
+              </a:pPr>
+              <a:r>
+                <a:rPr lang="zh-CN" altLang="en-US" sz="1600">
+                  <a:solidFill>
+                    <a:schemeClr val="tx1"/>
+                  </a:solidFill>
+                  <a:latin typeface="微软雅黑" panose="020B0503020204020204" pitchFamily="34" charset="-122"/>
+                  <a:ea typeface="微软雅黑" panose="020B0503020204020204" pitchFamily="34" charset="-122"/>
+                </a:rPr>
+                <a:t>对</a:t>
+              </a:r>
+              <a:r>
+                <a:rPr kumimoji="0" lang="zh-CN" altLang="en-US" sz="1600" i="0" u="none" strike="noStrike" kern="1200" cap="none" spc="0" normalizeH="0" baseline="0" noProof="0">
+                  <a:ln>
+                    <a:noFill/>
+                  </a:ln>
+                  <a:solidFill>
+                    <a:schemeClr val="tx1"/>
+                  </a:solidFill>
+                  <a:effectLst/>
+                  <a:uLnTx/>
+                  <a:uFillTx/>
+                  <a:latin typeface="微软雅黑" panose="020B0503020204020204" pitchFamily="34" charset="-122"/>
+                  <a:ea typeface="微软雅黑" panose="020B0503020204020204" pitchFamily="34" charset="-122"/>
+                </a:rPr>
+                <a:t>方</a:t>
+              </a:r>
+              <a:endParaRPr kumimoji="0" lang="en-US" altLang="zh-CN" sz="1600" i="0" u="none" strike="noStrike" kern="1200" cap="none" spc="0" normalizeH="0" baseline="0" noProof="0">
                 <a:ln>
                   <a:noFill/>
                 </a:ln>
@@ -4062,113 +4107,103 @@
                 <a:uFillTx/>
                 <a:latin typeface="微软雅黑" panose="020B0503020204020204" pitchFamily="34" charset="-122"/>
                 <a:ea typeface="微软雅黑" panose="020B0503020204020204" pitchFamily="34" charset="-122"/>
-              </a:rPr>
-              <a:t>己方</a:t>
-            </a:r>
-            <a:endParaRPr kumimoji="0" lang="en-US" altLang="zh-CN" sz="1600" i="0" u="none" strike="noStrike" kern="1200" cap="none" spc="0" normalizeH="0" baseline="0" noProof="0">
-              <a:ln>
-                <a:noFill/>
-              </a:ln>
-              <a:solidFill>
-                <a:schemeClr val="tx1"/>
-              </a:solidFill>
-              <a:effectLst/>
-              <a:uLnTx/>
-              <a:uFillTx/>
-              <a:latin typeface="微软雅黑" panose="020B0503020204020204" pitchFamily="34" charset="-122"/>
-              <a:ea typeface="微软雅黑" panose="020B0503020204020204" pitchFamily="34" charset="-122"/>
-            </a:endParaRPr>
-          </a:p>
-        </p:txBody>
-      </p:sp>
-      <p:sp>
-        <p:nvSpPr>
-          <p:cNvPr id="15" name="Rectangle: Rounded Corners 14">
-            <a:extLst>
-              <a:ext uri="{FF2B5EF4-FFF2-40B4-BE49-F238E27FC236}">
-                <a16:creationId xmlns:a16="http://schemas.microsoft.com/office/drawing/2014/main" id="{50A81C3E-C276-416B-2EC3-DCE8D0434E37}"/>
-              </a:ext>
-            </a:extLst>
-          </p:cNvPr>
-          <p:cNvSpPr/>
-          <p:nvPr/>
-        </p:nvSpPr>
-        <p:spPr>
-          <a:xfrm>
-            <a:off x="212087" y="640928"/>
-            <a:ext cx="632634" cy="369332"/>
-          </a:xfrm>
-          <a:prstGeom prst="roundRect">
-            <a:avLst>
-              <a:gd name="adj" fmla="val 5756"/>
-            </a:avLst>
-          </a:prstGeom>
-          <a:solidFill>
-            <a:schemeClr val="accent1">
-              <a:lumMod val="60000"/>
-              <a:lumOff val="40000"/>
-            </a:schemeClr>
-          </a:solidFill>
-          <a:ln w="38100">
-            <a:noFill/>
-          </a:ln>
-          <a:effectLst>
-            <a:outerShdw blurRad="50800" dist="38100" dir="2700000" algn="tl" rotWithShape="0">
-              <a:prstClr val="black">
-                <a:alpha val="40000"/>
-              </a:prstClr>
-            </a:outerShdw>
-          </a:effectLst>
-        </p:spPr>
-        <p:style>
-          <a:lnRef idx="2">
-            <a:schemeClr val="accent1">
-              <a:shade val="50000"/>
-            </a:schemeClr>
-          </a:lnRef>
-          <a:fillRef idx="1">
-            <a:schemeClr val="accent1"/>
-          </a:fillRef>
-          <a:effectRef idx="0">
-            <a:schemeClr val="accent1"/>
-          </a:effectRef>
-          <a:fontRef idx="minor">
-            <a:schemeClr val="lt1"/>
-          </a:fontRef>
-        </p:style>
-        <p:txBody>
-          <a:bodyPr rtlCol="0" anchor="ctr"/>
-          <a:lstStyle/>
-          <a:p>
-            <a:pPr marL="0" marR="0" lvl="0" indent="0" algn="ctr" defTabSz="914400" rtl="0" eaLnBrk="1" fontAlgn="auto" latinLnBrk="0" hangingPunct="1">
-              <a:lnSpc>
-                <a:spcPct val="100000"/>
-              </a:lnSpc>
-              <a:spcBef>
-                <a:spcPts val="0"/>
-              </a:spcBef>
-              <a:spcAft>
-                <a:spcPts val="0"/>
-              </a:spcAft>
-              <a:buClrTx/>
-              <a:buSzTx/>
-              <a:buFontTx/>
-              <a:buNone/>
-              <a:tabLst/>
-              <a:defRPr/>
-            </a:pPr>
-            <a:r>
-              <a:rPr lang="zh-CN" altLang="en-US" sz="1600">
-                <a:solidFill>
-                  <a:schemeClr val="tx1"/>
-                </a:solidFill>
-                <a:latin typeface="微软雅黑" panose="020B0503020204020204" pitchFamily="34" charset="-122"/>
-                <a:ea typeface="微软雅黑" panose="020B0503020204020204" pitchFamily="34" charset="-122"/>
-              </a:rPr>
-              <a:t>对</a:t>
-            </a:r>
-            <a:r>
-              <a:rPr kumimoji="0" lang="zh-CN" altLang="en-US" sz="1600" i="0" u="none" strike="noStrike" kern="1200" cap="none" spc="0" normalizeH="0" baseline="0" noProof="0">
+              </a:endParaRPr>
+            </a:p>
+          </p:txBody>
+        </p:sp>
+        <p:sp>
+          <p:nvSpPr>
+            <p:cNvPr id="15" name="Rectangle: Rounded Corners 14">
+              <a:extLst>
+                <a:ext uri="{FF2B5EF4-FFF2-40B4-BE49-F238E27FC236}">
+                  <a16:creationId xmlns:a16="http://schemas.microsoft.com/office/drawing/2014/main" id="{50A81C3E-C276-416B-2EC3-DCE8D0434E37}"/>
+                </a:ext>
+              </a:extLst>
+            </p:cNvPr>
+            <p:cNvSpPr/>
+            <p:nvPr/>
+          </p:nvSpPr>
+          <p:spPr>
+            <a:xfrm>
+              <a:off x="204452" y="171906"/>
+              <a:ext cx="632634" cy="381153"/>
+            </a:xfrm>
+            <a:prstGeom prst="roundRect">
+              <a:avLst>
+                <a:gd name="adj" fmla="val 5756"/>
+              </a:avLst>
+            </a:prstGeom>
+            <a:solidFill>
+              <a:schemeClr val="accent1">
+                <a:lumMod val="60000"/>
+                <a:lumOff val="40000"/>
+              </a:schemeClr>
+            </a:solidFill>
+            <a:ln w="38100">
+              <a:noFill/>
+            </a:ln>
+            <a:effectLst>
+              <a:outerShdw blurRad="50800" dist="38100" dir="2700000" algn="tl" rotWithShape="0">
+                <a:prstClr val="black">
+                  <a:alpha val="40000"/>
+                </a:prstClr>
+              </a:outerShdw>
+            </a:effectLst>
+          </p:spPr>
+          <p:style>
+            <a:lnRef idx="2">
+              <a:schemeClr val="accent1">
+                <a:shade val="50000"/>
+              </a:schemeClr>
+            </a:lnRef>
+            <a:fillRef idx="1">
+              <a:schemeClr val="accent1"/>
+            </a:fillRef>
+            <a:effectRef idx="0">
+              <a:schemeClr val="accent1"/>
+            </a:effectRef>
+            <a:fontRef idx="minor">
+              <a:schemeClr val="lt1"/>
+            </a:fontRef>
+          </p:style>
+          <p:txBody>
+            <a:bodyPr rtlCol="0" anchor="ctr"/>
+            <a:lstStyle/>
+            <a:p>
+              <a:pPr marL="0" marR="0" lvl="0" indent="0" algn="ctr" defTabSz="914400" rtl="0" eaLnBrk="1" fontAlgn="auto" latinLnBrk="0" hangingPunct="1">
+                <a:lnSpc>
+                  <a:spcPct val="100000"/>
+                </a:lnSpc>
+                <a:spcBef>
+                  <a:spcPts val="0"/>
+                </a:spcBef>
+                <a:spcAft>
+                  <a:spcPts val="0"/>
+                </a:spcAft>
+                <a:buClrTx/>
+                <a:buSzTx/>
+                <a:buFontTx/>
+                <a:buNone/>
+                <a:tabLst/>
+                <a:defRPr/>
+              </a:pPr>
+              <a:r>
+                <a:rPr kumimoji="0" lang="zh-CN" altLang="en-US" sz="1600" i="0" u="none" strike="noStrike" kern="1200" cap="none" spc="0" normalizeH="0" baseline="0" noProof="0">
+                  <a:ln>
+                    <a:noFill/>
+                  </a:ln>
+                  <a:solidFill>
+                    <a:schemeClr val="tx1"/>
+                  </a:solidFill>
+                  <a:effectLst/>
+                  <a:uLnTx/>
+                  <a:uFillTx/>
+                  <a:latin typeface="微软雅黑" panose="020B0503020204020204" pitchFamily="34" charset="-122"/>
+                  <a:ea typeface="微软雅黑" panose="020B0503020204020204" pitchFamily="34" charset="-122"/>
+                </a:rPr>
+                <a:t>己方</a:t>
+              </a:r>
+              <a:endParaRPr kumimoji="0" lang="en-US" altLang="zh-CN" sz="1600" i="0" u="none" strike="noStrike" kern="1200" cap="none" spc="0" normalizeH="0" baseline="0" noProof="0">
                 <a:ln>
                   <a:noFill/>
                 </a:ln>
@@ -4180,25 +4215,11 @@
                 <a:uFillTx/>
                 <a:latin typeface="微软雅黑" panose="020B0503020204020204" pitchFamily="34" charset="-122"/>
                 <a:ea typeface="微软雅黑" panose="020B0503020204020204" pitchFamily="34" charset="-122"/>
-              </a:rPr>
-              <a:t>方</a:t>
-            </a:r>
-            <a:endParaRPr kumimoji="0" lang="en-US" altLang="zh-CN" sz="1600" i="0" u="none" strike="noStrike" kern="1200" cap="none" spc="0" normalizeH="0" baseline="0" noProof="0">
-              <a:ln>
-                <a:noFill/>
-              </a:ln>
-              <a:solidFill>
-                <a:schemeClr val="tx1"/>
-              </a:solidFill>
-              <a:effectLst/>
-              <a:uLnTx/>
-              <a:uFillTx/>
-              <a:latin typeface="微软雅黑" panose="020B0503020204020204" pitchFamily="34" charset="-122"/>
-              <a:ea typeface="微软雅黑" panose="020B0503020204020204" pitchFamily="34" charset="-122"/>
-            </a:endParaRPr>
-          </a:p>
-        </p:txBody>
-      </p:sp>
+              </a:endParaRPr>
+            </a:p>
+          </p:txBody>
+        </p:sp>
+      </p:grpSp>
       <p:grpSp>
         <p:nvGrpSpPr>
           <p:cNvPr id="96" name="Group 95">

--- a/qt_guan_dan/dev_ui_sketch.pptx
+++ b/qt_guan_dan/dev_ui_sketch.pptx
@@ -7504,6 +7504,150 @@
           </a:p>
         </p:txBody>
       </p:sp>
+      <p:sp>
+        <p:nvSpPr>
+          <p:cNvPr id="3" name="Rectangle: Rounded Corners 2">
+            <a:extLst>
+              <a:ext uri="{FF2B5EF4-FFF2-40B4-BE49-F238E27FC236}">
+                <a16:creationId xmlns:a16="http://schemas.microsoft.com/office/drawing/2014/main" id="{3975CCAA-45B1-CA89-4101-DB0BA92DB6BE}"/>
+              </a:ext>
+            </a:extLst>
+          </p:cNvPr>
+          <p:cNvSpPr/>
+          <p:nvPr/>
+        </p:nvSpPr>
+        <p:spPr>
+          <a:xfrm>
+            <a:off x="8460344" y="6981973"/>
+            <a:ext cx="1768526" cy="596095"/>
+          </a:xfrm>
+          <a:prstGeom prst="roundRect">
+            <a:avLst>
+              <a:gd name="adj" fmla="val 42656"/>
+            </a:avLst>
+          </a:prstGeom>
+          <a:solidFill>
+            <a:srgbClr val="FFC000"/>
+          </a:solidFill>
+          <a:ln w="38100">
+            <a:solidFill>
+              <a:schemeClr val="bg1"/>
+            </a:solidFill>
+          </a:ln>
+          <a:effectLst>
+            <a:outerShdw blurRad="50800" dist="38100" dir="2700000" algn="tl" rotWithShape="0">
+              <a:prstClr val="black">
+                <a:alpha val="40000"/>
+              </a:prstClr>
+            </a:outerShdw>
+          </a:effectLst>
+        </p:spPr>
+        <p:style>
+          <a:lnRef idx="2">
+            <a:schemeClr val="accent1">
+              <a:shade val="50000"/>
+            </a:schemeClr>
+          </a:lnRef>
+          <a:fillRef idx="1">
+            <a:schemeClr val="accent1"/>
+          </a:fillRef>
+          <a:effectRef idx="0">
+            <a:schemeClr val="accent1"/>
+          </a:effectRef>
+          <a:fontRef idx="minor">
+            <a:schemeClr val="lt1"/>
+          </a:fontRef>
+        </p:style>
+        <p:txBody>
+          <a:bodyPr rtlCol="0" anchor="ctr"/>
+          <a:lstStyle/>
+          <a:p>
+            <a:pPr algn="ctr"/>
+            <a:r>
+              <a:rPr lang="zh-CN" altLang="en-US" sz="2800" b="1">
+                <a:solidFill>
+                  <a:schemeClr val="tx1"/>
+                </a:solidFill>
+                <a:latin typeface="微软雅黑" panose="020B0503020204020204" pitchFamily="34" charset="-122"/>
+                <a:ea typeface="微软雅黑" panose="020B0503020204020204" pitchFamily="34" charset="-122"/>
+              </a:rPr>
+              <a:t> 贡牌</a:t>
+            </a:r>
+          </a:p>
+        </p:txBody>
+      </p:sp>
+      <p:sp>
+        <p:nvSpPr>
+          <p:cNvPr id="4" name="Rectangle: Rounded Corners 3">
+            <a:extLst>
+              <a:ext uri="{FF2B5EF4-FFF2-40B4-BE49-F238E27FC236}">
+                <a16:creationId xmlns:a16="http://schemas.microsoft.com/office/drawing/2014/main" id="{C8A2D3F3-8D4F-8127-DFFB-F268440DEFB1}"/>
+              </a:ext>
+            </a:extLst>
+          </p:cNvPr>
+          <p:cNvSpPr/>
+          <p:nvPr/>
+        </p:nvSpPr>
+        <p:spPr>
+          <a:xfrm>
+            <a:off x="10437682" y="6981973"/>
+            <a:ext cx="1768526" cy="596095"/>
+          </a:xfrm>
+          <a:prstGeom prst="roundRect">
+            <a:avLst>
+              <a:gd name="adj" fmla="val 42656"/>
+            </a:avLst>
+          </a:prstGeom>
+          <a:solidFill>
+            <a:srgbClr val="FFC000"/>
+          </a:solidFill>
+          <a:ln w="38100">
+            <a:solidFill>
+              <a:schemeClr val="bg1"/>
+            </a:solidFill>
+          </a:ln>
+          <a:effectLst>
+            <a:outerShdw blurRad="50800" dist="38100" dir="2700000" algn="tl" rotWithShape="0">
+              <a:prstClr val="black">
+                <a:alpha val="40000"/>
+              </a:prstClr>
+            </a:outerShdw>
+          </a:effectLst>
+        </p:spPr>
+        <p:style>
+          <a:lnRef idx="2">
+            <a:schemeClr val="accent1">
+              <a:shade val="50000"/>
+            </a:schemeClr>
+          </a:lnRef>
+          <a:fillRef idx="1">
+            <a:schemeClr val="accent1"/>
+          </a:fillRef>
+          <a:effectRef idx="0">
+            <a:schemeClr val="accent1"/>
+          </a:effectRef>
+          <a:fontRef idx="minor">
+            <a:schemeClr val="lt1"/>
+          </a:fontRef>
+        </p:style>
+        <p:txBody>
+          <a:bodyPr rtlCol="0" anchor="ctr"/>
+          <a:lstStyle/>
+          <a:p>
+            <a:pPr algn="ctr"/>
+            <a:r>
+              <a:rPr lang="zh-CN" altLang="en-US" sz="2800" b="1">
+                <a:solidFill>
+                  <a:schemeClr val="tx1"/>
+                </a:solidFill>
+                <a:latin typeface="微软雅黑" panose="020B0503020204020204" pitchFamily="34" charset="-122"/>
+                <a:ea typeface="微软雅黑" panose="020B0503020204020204" pitchFamily="34" charset="-122"/>
+              </a:rPr>
+              <a:t> 还贡</a:t>
+            </a:r>
+          </a:p>
+        </p:txBody>
+      </p:sp>
     </p:spTree>
     <p:extLst>
       <p:ext uri="{BB962C8B-B14F-4D97-AF65-F5344CB8AC3E}">

--- a/qt_guan_dan/dev_ui_sketch.pptx
+++ b/qt_guan_dan/dev_ui_sketch.pptx
@@ -6986,7 +6986,171 @@
         </p:nvSpPr>
         <p:spPr>
           <a:xfrm>
-            <a:off x="3922515" y="6314456"/>
+            <a:off x="4035291" y="6304373"/>
+            <a:ext cx="430029" cy="422021"/>
+          </a:xfrm>
+          <a:prstGeom prst="roundRect">
+            <a:avLst>
+              <a:gd name="adj" fmla="val 50000"/>
+            </a:avLst>
+          </a:prstGeom>
+          <a:gradFill flip="none" rotWithShape="1">
+            <a:gsLst>
+              <a:gs pos="0">
+                <a:schemeClr val="accent4">
+                  <a:lumMod val="40000"/>
+                  <a:lumOff val="60000"/>
+                </a:schemeClr>
+              </a:gs>
+              <a:gs pos="46000">
+                <a:schemeClr val="accent4">
+                  <a:lumMod val="95000"/>
+                  <a:lumOff val="5000"/>
+                </a:schemeClr>
+              </a:gs>
+              <a:gs pos="100000">
+                <a:schemeClr val="accent4">
+                  <a:lumMod val="60000"/>
+                </a:schemeClr>
+              </a:gs>
+            </a:gsLst>
+            <a:path path="circle">
+              <a:fillToRect l="50000" t="130000" r="50000" b="-30000"/>
+            </a:path>
+            <a:tileRect/>
+          </a:gradFill>
+          <a:ln w="38100">
+            <a:noFill/>
+          </a:ln>
+          <a:effectLst>
+            <a:outerShdw blurRad="50800" dist="38100" dir="2700000" algn="tl" rotWithShape="0">
+              <a:prstClr val="black">
+                <a:alpha val="40000"/>
+              </a:prstClr>
+            </a:outerShdw>
+          </a:effectLst>
+        </p:spPr>
+        <p:style>
+          <a:lnRef idx="2">
+            <a:schemeClr val="accent1">
+              <a:shade val="50000"/>
+            </a:schemeClr>
+          </a:lnRef>
+          <a:fillRef idx="1">
+            <a:schemeClr val="accent1"/>
+          </a:fillRef>
+          <a:effectRef idx="0">
+            <a:schemeClr val="accent1"/>
+          </a:effectRef>
+          <a:fontRef idx="minor">
+            <a:schemeClr val="lt1"/>
+          </a:fontRef>
+        </p:style>
+        <p:txBody>
+          <a:bodyPr rtlCol="0" anchor="ctr"/>
+          <a:lstStyle/>
+          <a:p>
+            <a:pPr algn="ctr"/>
+            <a:r>
+              <a:rPr lang="zh-CN" altLang="en-US" sz="2000" b="1">
+                <a:solidFill>
+                  <a:schemeClr val="tx1"/>
+                </a:solidFill>
+                <a:latin typeface="微软雅黑" panose="020B0503020204020204" pitchFamily="34" charset="-122"/>
+                <a:ea typeface="微软雅黑" panose="020B0503020204020204" pitchFamily="34" charset="-122"/>
+              </a:rPr>
+              <a:t>♠</a:t>
+            </a:r>
+          </a:p>
+        </p:txBody>
+      </p:sp>
+      <p:sp>
+        <p:nvSpPr>
+          <p:cNvPr id="180" name="Rectangle: Rounded Corners 179">
+            <a:extLst>
+              <a:ext uri="{FF2B5EF4-FFF2-40B4-BE49-F238E27FC236}">
+                <a16:creationId xmlns:a16="http://schemas.microsoft.com/office/drawing/2014/main" id="{2A00BF0B-AF02-89C2-CD3F-DC557F00244C}"/>
+              </a:ext>
+            </a:extLst>
+          </p:cNvPr>
+          <p:cNvSpPr/>
+          <p:nvPr/>
+        </p:nvSpPr>
+        <p:spPr>
+          <a:xfrm>
+            <a:off x="267973" y="2775718"/>
+            <a:ext cx="945136" cy="369332"/>
+          </a:xfrm>
+          <a:prstGeom prst="roundRect">
+            <a:avLst/>
+          </a:prstGeom>
+          <a:gradFill flip="none" rotWithShape="1">
+            <a:gsLst>
+              <a:gs pos="0">
+                <a:srgbClr val="FF0000"/>
+              </a:gs>
+              <a:gs pos="100000">
+                <a:schemeClr val="accent2">
+                  <a:lumMod val="75000"/>
+                </a:schemeClr>
+              </a:gs>
+            </a:gsLst>
+            <a:lin ang="16200000" scaled="1"/>
+            <a:tileRect/>
+          </a:gradFill>
+          <a:ln>
+            <a:noFill/>
+          </a:ln>
+        </p:spPr>
+        <p:style>
+          <a:lnRef idx="0">
+            <a:scrgbClr r="0" g="0" b="0"/>
+          </a:lnRef>
+          <a:fillRef idx="0">
+            <a:scrgbClr r="0" g="0" b="0"/>
+          </a:fillRef>
+          <a:effectRef idx="0">
+            <a:scrgbClr r="0" g="0" b="0"/>
+          </a:effectRef>
+          <a:fontRef idx="minor">
+            <a:schemeClr val="lt1"/>
+          </a:fontRef>
+        </p:style>
+        <p:txBody>
+          <a:bodyPr rtlCol="0" anchor="ctr"/>
+          <a:lstStyle/>
+          <a:p>
+            <a:pPr algn="ctr"/>
+            <a:r>
+              <a:rPr lang="zh-CN" altLang="en-US"/>
+              <a:t>剩</a:t>
+            </a:r>
+            <a:r>
+              <a:rPr lang="en-US" altLang="zh-CN"/>
+              <a:t>    </a:t>
+            </a:r>
+            <a:r>
+              <a:rPr lang="zh-CN" altLang="en-US"/>
+              <a:t>张</a:t>
+            </a:r>
+          </a:p>
+        </p:txBody>
+      </p:sp>
+      <p:sp>
+        <p:nvSpPr>
+          <p:cNvPr id="182" name="Rectangle: Rounded Corners 181">
+            <a:extLst>
+              <a:ext uri="{FF2B5EF4-FFF2-40B4-BE49-F238E27FC236}">
+                <a16:creationId xmlns:a16="http://schemas.microsoft.com/office/drawing/2014/main" id="{599E0164-9A74-96C1-3BA4-F3E6F8364F76}"/>
+              </a:ext>
+            </a:extLst>
+          </p:cNvPr>
+          <p:cNvSpPr/>
+          <p:nvPr/>
+        </p:nvSpPr>
+        <p:spPr>
+          <a:xfrm>
+            <a:off x="6973966" y="6320475"/>
             <a:ext cx="1630981" cy="422021"/>
           </a:xfrm>
           <a:prstGeom prst="roundRect">
@@ -7059,17 +7223,17 @@
                 <a:latin typeface="微软雅黑" panose="020B0503020204020204" pitchFamily="34" charset="-122"/>
                 <a:ea typeface="微软雅黑" panose="020B0503020204020204" pitchFamily="34" charset="-122"/>
               </a:rPr>
-              <a:t>❀ 同花顺</a:t>
+              <a:t>▲ 理牌</a:t>
             </a:r>
           </a:p>
         </p:txBody>
       </p:sp>
       <p:sp>
         <p:nvSpPr>
-          <p:cNvPr id="180" name="Rectangle: Rounded Corners 179">
-            <a:extLst>
-              <a:ext uri="{FF2B5EF4-FFF2-40B4-BE49-F238E27FC236}">
-                <a16:creationId xmlns:a16="http://schemas.microsoft.com/office/drawing/2014/main" id="{2A00BF0B-AF02-89C2-CD3F-DC557F00244C}"/>
+          <p:cNvPr id="184" name="Rectangle: Rounded Corners 183">
+            <a:extLst>
+              <a:ext uri="{FF2B5EF4-FFF2-40B4-BE49-F238E27FC236}">
+                <a16:creationId xmlns:a16="http://schemas.microsoft.com/office/drawing/2014/main" id="{3B7E11FD-9E7F-84C3-6757-27B8FC1DF68F}"/>
               </a:ext>
             </a:extLst>
           </p:cNvPr>
@@ -7078,171 +7242,7 @@
         </p:nvSpPr>
         <p:spPr>
           <a:xfrm>
-            <a:off x="267973" y="2775718"/>
-            <a:ext cx="945136" cy="369332"/>
-          </a:xfrm>
-          <a:prstGeom prst="roundRect">
-            <a:avLst/>
-          </a:prstGeom>
-          <a:gradFill flip="none" rotWithShape="1">
-            <a:gsLst>
-              <a:gs pos="0">
-                <a:srgbClr val="FF0000"/>
-              </a:gs>
-              <a:gs pos="100000">
-                <a:schemeClr val="accent2">
-                  <a:lumMod val="75000"/>
-                </a:schemeClr>
-              </a:gs>
-            </a:gsLst>
-            <a:lin ang="16200000" scaled="1"/>
-            <a:tileRect/>
-          </a:gradFill>
-          <a:ln>
-            <a:noFill/>
-          </a:ln>
-        </p:spPr>
-        <p:style>
-          <a:lnRef idx="0">
-            <a:scrgbClr r="0" g="0" b="0"/>
-          </a:lnRef>
-          <a:fillRef idx="0">
-            <a:scrgbClr r="0" g="0" b="0"/>
-          </a:fillRef>
-          <a:effectRef idx="0">
-            <a:scrgbClr r="0" g="0" b="0"/>
-          </a:effectRef>
-          <a:fontRef idx="minor">
-            <a:schemeClr val="lt1"/>
-          </a:fontRef>
-        </p:style>
-        <p:txBody>
-          <a:bodyPr rtlCol="0" anchor="ctr"/>
-          <a:lstStyle/>
-          <a:p>
-            <a:pPr algn="ctr"/>
-            <a:r>
-              <a:rPr lang="zh-CN" altLang="en-US"/>
-              <a:t>剩</a:t>
-            </a:r>
-            <a:r>
-              <a:rPr lang="en-US" altLang="zh-CN"/>
-              <a:t>    </a:t>
-            </a:r>
-            <a:r>
-              <a:rPr lang="zh-CN" altLang="en-US"/>
-              <a:t>张</a:t>
-            </a:r>
-          </a:p>
-        </p:txBody>
-      </p:sp>
-      <p:sp>
-        <p:nvSpPr>
-          <p:cNvPr id="182" name="Rectangle: Rounded Corners 181">
-            <a:extLst>
-              <a:ext uri="{FF2B5EF4-FFF2-40B4-BE49-F238E27FC236}">
-                <a16:creationId xmlns:a16="http://schemas.microsoft.com/office/drawing/2014/main" id="{599E0164-9A74-96C1-3BA4-F3E6F8364F76}"/>
-              </a:ext>
-            </a:extLst>
-          </p:cNvPr>
-          <p:cNvSpPr/>
-          <p:nvPr/>
-        </p:nvSpPr>
-        <p:spPr>
-          <a:xfrm>
-            <a:off x="6168809" y="6330558"/>
-            <a:ext cx="1630981" cy="422021"/>
-          </a:xfrm>
-          <a:prstGeom prst="roundRect">
-            <a:avLst>
-              <a:gd name="adj" fmla="val 50000"/>
-            </a:avLst>
-          </a:prstGeom>
-          <a:gradFill flip="none" rotWithShape="1">
-            <a:gsLst>
-              <a:gs pos="0">
-                <a:schemeClr val="accent4">
-                  <a:lumMod val="40000"/>
-                  <a:lumOff val="60000"/>
-                </a:schemeClr>
-              </a:gs>
-              <a:gs pos="46000">
-                <a:schemeClr val="accent4">
-                  <a:lumMod val="95000"/>
-                  <a:lumOff val="5000"/>
-                </a:schemeClr>
-              </a:gs>
-              <a:gs pos="100000">
-                <a:schemeClr val="accent4">
-                  <a:lumMod val="60000"/>
-                </a:schemeClr>
-              </a:gs>
-            </a:gsLst>
-            <a:path path="circle">
-              <a:fillToRect l="50000" t="130000" r="50000" b="-30000"/>
-            </a:path>
-            <a:tileRect/>
-          </a:gradFill>
-          <a:ln w="38100">
-            <a:noFill/>
-          </a:ln>
-          <a:effectLst>
-            <a:outerShdw blurRad="50800" dist="38100" dir="2700000" algn="tl" rotWithShape="0">
-              <a:prstClr val="black">
-                <a:alpha val="40000"/>
-              </a:prstClr>
-            </a:outerShdw>
-          </a:effectLst>
-        </p:spPr>
-        <p:style>
-          <a:lnRef idx="2">
-            <a:schemeClr val="accent1">
-              <a:shade val="50000"/>
-            </a:schemeClr>
-          </a:lnRef>
-          <a:fillRef idx="1">
-            <a:schemeClr val="accent1"/>
-          </a:fillRef>
-          <a:effectRef idx="0">
-            <a:schemeClr val="accent1"/>
-          </a:effectRef>
-          <a:fontRef idx="minor">
-            <a:schemeClr val="lt1"/>
-          </a:fontRef>
-        </p:style>
-        <p:txBody>
-          <a:bodyPr rtlCol="0" anchor="ctr"/>
-          <a:lstStyle/>
-          <a:p>
-            <a:pPr algn="ctr"/>
-            <a:r>
-              <a:rPr lang="zh-CN" altLang="en-US" sz="2000" b="1">
-                <a:solidFill>
-                  <a:schemeClr val="tx1"/>
-                </a:solidFill>
-                <a:latin typeface="微软雅黑" panose="020B0503020204020204" pitchFamily="34" charset="-122"/>
-                <a:ea typeface="微软雅黑" panose="020B0503020204020204" pitchFamily="34" charset="-122"/>
-              </a:rPr>
-              <a:t>▲ 理牌</a:t>
-            </a:r>
-          </a:p>
-        </p:txBody>
-      </p:sp>
-      <p:sp>
-        <p:nvSpPr>
-          <p:cNvPr id="184" name="Rectangle: Rounded Corners 183">
-            <a:extLst>
-              <a:ext uri="{FF2B5EF4-FFF2-40B4-BE49-F238E27FC236}">
-                <a16:creationId xmlns:a16="http://schemas.microsoft.com/office/drawing/2014/main" id="{3B7E11FD-9E7F-84C3-6757-27B8FC1DF68F}"/>
-              </a:ext>
-            </a:extLst>
-          </p:cNvPr>
-          <p:cNvSpPr/>
-          <p:nvPr/>
-        </p:nvSpPr>
-        <p:spPr>
-          <a:xfrm>
-            <a:off x="6168808" y="6858000"/>
+            <a:off x="5447824" y="7578068"/>
             <a:ext cx="1630981" cy="422021"/>
           </a:xfrm>
           <a:prstGeom prst="roundRect">
@@ -7644,6 +7644,641 @@
                 <a:ea typeface="微软雅黑" panose="020B0503020204020204" pitchFamily="34" charset="-122"/>
               </a:rPr>
               <a:t> 还贡</a:t>
+            </a:r>
+          </a:p>
+        </p:txBody>
+      </p:sp>
+      <p:sp>
+        <p:nvSpPr>
+          <p:cNvPr id="5" name="Rectangle: Rounded Corners 4">
+            <a:extLst>
+              <a:ext uri="{FF2B5EF4-FFF2-40B4-BE49-F238E27FC236}">
+                <a16:creationId xmlns:a16="http://schemas.microsoft.com/office/drawing/2014/main" id="{3AF23233-E155-729E-8065-5207223CC5C5}"/>
+              </a:ext>
+            </a:extLst>
+          </p:cNvPr>
+          <p:cNvSpPr/>
+          <p:nvPr/>
+        </p:nvSpPr>
+        <p:spPr>
+          <a:xfrm>
+            <a:off x="-1395530" y="1038947"/>
+            <a:ext cx="945136" cy="369332"/>
+          </a:xfrm>
+          <a:prstGeom prst="roundRect">
+            <a:avLst/>
+          </a:prstGeom>
+          <a:gradFill flip="none" rotWithShape="1">
+            <a:gsLst>
+              <a:gs pos="0">
+                <a:srgbClr val="FF0000"/>
+              </a:gs>
+              <a:gs pos="100000">
+                <a:schemeClr val="accent2">
+                  <a:lumMod val="75000"/>
+                </a:schemeClr>
+              </a:gs>
+            </a:gsLst>
+            <a:lin ang="16200000" scaled="1"/>
+            <a:tileRect/>
+          </a:gradFill>
+          <a:ln>
+            <a:noFill/>
+          </a:ln>
+        </p:spPr>
+        <p:style>
+          <a:lnRef idx="0">
+            <a:scrgbClr r="0" g="0" b="0"/>
+          </a:lnRef>
+          <a:fillRef idx="0">
+            <a:scrgbClr r="0" g="0" b="0"/>
+          </a:fillRef>
+          <a:effectRef idx="0">
+            <a:scrgbClr r="0" g="0" b="0"/>
+          </a:effectRef>
+          <a:fontRef idx="minor">
+            <a:schemeClr val="lt1"/>
+          </a:fontRef>
+        </p:style>
+        <p:txBody>
+          <a:bodyPr rtlCol="0" anchor="ctr"/>
+          <a:lstStyle/>
+          <a:p>
+            <a:pPr algn="ctr"/>
+            <a:r>
+              <a:rPr lang="zh-CN" altLang="en-US" b="1"/>
+              <a:t>头游</a:t>
+            </a:r>
+          </a:p>
+        </p:txBody>
+      </p:sp>
+      <p:sp>
+        <p:nvSpPr>
+          <p:cNvPr id="6" name="Rectangle: Rounded Corners 5">
+            <a:extLst>
+              <a:ext uri="{FF2B5EF4-FFF2-40B4-BE49-F238E27FC236}">
+                <a16:creationId xmlns:a16="http://schemas.microsoft.com/office/drawing/2014/main" id="{50E12252-8CCC-6197-761A-2DCD6ED70331}"/>
+              </a:ext>
+            </a:extLst>
+          </p:cNvPr>
+          <p:cNvSpPr/>
+          <p:nvPr/>
+        </p:nvSpPr>
+        <p:spPr>
+          <a:xfrm>
+            <a:off x="267973" y="5945124"/>
+            <a:ext cx="945136" cy="369332"/>
+          </a:xfrm>
+          <a:prstGeom prst="roundRect">
+            <a:avLst/>
+          </a:prstGeom>
+          <a:gradFill flip="none" rotWithShape="1">
+            <a:gsLst>
+              <a:gs pos="0">
+                <a:srgbClr val="FF0000"/>
+              </a:gs>
+              <a:gs pos="100000">
+                <a:schemeClr val="accent2">
+                  <a:lumMod val="75000"/>
+                </a:schemeClr>
+              </a:gs>
+            </a:gsLst>
+            <a:lin ang="16200000" scaled="1"/>
+            <a:tileRect/>
+          </a:gradFill>
+          <a:ln>
+            <a:noFill/>
+          </a:ln>
+        </p:spPr>
+        <p:style>
+          <a:lnRef idx="0">
+            <a:scrgbClr r="0" g="0" b="0"/>
+          </a:lnRef>
+          <a:fillRef idx="0">
+            <a:scrgbClr r="0" g="0" b="0"/>
+          </a:fillRef>
+          <a:effectRef idx="0">
+            <a:scrgbClr r="0" g="0" b="0"/>
+          </a:effectRef>
+          <a:fontRef idx="minor">
+            <a:schemeClr val="lt1"/>
+          </a:fontRef>
+        </p:style>
+        <p:txBody>
+          <a:bodyPr rtlCol="0" anchor="ctr"/>
+          <a:lstStyle/>
+          <a:p>
+            <a:pPr algn="ctr"/>
+            <a:r>
+              <a:rPr lang="zh-CN" altLang="en-US" b="1"/>
+              <a:t>二游</a:t>
+            </a:r>
+          </a:p>
+        </p:txBody>
+      </p:sp>
+      <p:sp>
+        <p:nvSpPr>
+          <p:cNvPr id="7" name="Rectangle: Rounded Corners 6">
+            <a:extLst>
+              <a:ext uri="{FF2B5EF4-FFF2-40B4-BE49-F238E27FC236}">
+                <a16:creationId xmlns:a16="http://schemas.microsoft.com/office/drawing/2014/main" id="{CCB144FA-BEF8-1968-5A67-7B16D80DD8C1}"/>
+              </a:ext>
+            </a:extLst>
+          </p:cNvPr>
+          <p:cNvSpPr/>
+          <p:nvPr/>
+        </p:nvSpPr>
+        <p:spPr>
+          <a:xfrm>
+            <a:off x="-1280271" y="2275951"/>
+            <a:ext cx="945136" cy="369332"/>
+          </a:xfrm>
+          <a:prstGeom prst="roundRect">
+            <a:avLst/>
+          </a:prstGeom>
+          <a:gradFill flip="none" rotWithShape="1">
+            <a:gsLst>
+              <a:gs pos="0">
+                <a:schemeClr val="tx1">
+                  <a:lumMod val="85000"/>
+                  <a:lumOff val="15000"/>
+                </a:schemeClr>
+              </a:gs>
+              <a:gs pos="100000">
+                <a:schemeClr val="bg1">
+                  <a:lumMod val="65000"/>
+                </a:schemeClr>
+              </a:gs>
+            </a:gsLst>
+            <a:lin ang="16200000" scaled="1"/>
+            <a:tileRect/>
+          </a:gradFill>
+          <a:ln>
+            <a:noFill/>
+          </a:ln>
+        </p:spPr>
+        <p:style>
+          <a:lnRef idx="0">
+            <a:scrgbClr r="0" g="0" b="0"/>
+          </a:lnRef>
+          <a:fillRef idx="0">
+            <a:scrgbClr r="0" g="0" b="0"/>
+          </a:fillRef>
+          <a:effectRef idx="0">
+            <a:scrgbClr r="0" g="0" b="0"/>
+          </a:effectRef>
+          <a:fontRef idx="minor">
+            <a:schemeClr val="lt1"/>
+          </a:fontRef>
+        </p:style>
+        <p:txBody>
+          <a:bodyPr rtlCol="0" anchor="ctr"/>
+          <a:lstStyle/>
+          <a:p>
+            <a:pPr algn="ctr"/>
+            <a:r>
+              <a:rPr lang="zh-CN" altLang="en-US" b="1"/>
+              <a:t>三游</a:t>
+            </a:r>
+          </a:p>
+        </p:txBody>
+      </p:sp>
+      <p:sp>
+        <p:nvSpPr>
+          <p:cNvPr id="9" name="Rectangle: Rounded Corners 8">
+            <a:extLst>
+              <a:ext uri="{FF2B5EF4-FFF2-40B4-BE49-F238E27FC236}">
+                <a16:creationId xmlns:a16="http://schemas.microsoft.com/office/drawing/2014/main" id="{B5D3D9AC-0DCD-587F-F2D1-195E7FCCA6FB}"/>
+              </a:ext>
+            </a:extLst>
+          </p:cNvPr>
+          <p:cNvSpPr/>
+          <p:nvPr/>
+        </p:nvSpPr>
+        <p:spPr>
+          <a:xfrm>
+            <a:off x="-1314357" y="3429000"/>
+            <a:ext cx="945136" cy="369332"/>
+          </a:xfrm>
+          <a:prstGeom prst="roundRect">
+            <a:avLst/>
+          </a:prstGeom>
+          <a:gradFill flip="none" rotWithShape="1">
+            <a:gsLst>
+              <a:gs pos="0">
+                <a:schemeClr val="tx1">
+                  <a:lumMod val="85000"/>
+                  <a:lumOff val="15000"/>
+                </a:schemeClr>
+              </a:gs>
+              <a:gs pos="100000">
+                <a:schemeClr val="bg1">
+                  <a:lumMod val="65000"/>
+                </a:schemeClr>
+              </a:gs>
+            </a:gsLst>
+            <a:lin ang="16200000" scaled="1"/>
+            <a:tileRect/>
+          </a:gradFill>
+          <a:ln>
+            <a:noFill/>
+          </a:ln>
+        </p:spPr>
+        <p:style>
+          <a:lnRef idx="0">
+            <a:scrgbClr r="0" g="0" b="0"/>
+          </a:lnRef>
+          <a:fillRef idx="0">
+            <a:scrgbClr r="0" g="0" b="0"/>
+          </a:fillRef>
+          <a:effectRef idx="0">
+            <a:scrgbClr r="0" g="0" b="0"/>
+          </a:effectRef>
+          <a:fontRef idx="minor">
+            <a:schemeClr val="lt1"/>
+          </a:fontRef>
+        </p:style>
+        <p:txBody>
+          <a:bodyPr rtlCol="0" anchor="ctr"/>
+          <a:lstStyle/>
+          <a:p>
+            <a:pPr algn="ctr"/>
+            <a:r>
+              <a:rPr lang="zh-CN" altLang="en-US" b="1"/>
+              <a:t>下游</a:t>
+            </a:r>
+          </a:p>
+        </p:txBody>
+      </p:sp>
+      <p:sp>
+        <p:nvSpPr>
+          <p:cNvPr id="8" name="Rectangle: Rounded Corners 7">
+            <a:extLst>
+              <a:ext uri="{FF2B5EF4-FFF2-40B4-BE49-F238E27FC236}">
+                <a16:creationId xmlns:a16="http://schemas.microsoft.com/office/drawing/2014/main" id="{0F166FD3-C7AC-39C1-F313-405A1F434146}"/>
+              </a:ext>
+            </a:extLst>
+          </p:cNvPr>
+          <p:cNvSpPr/>
+          <p:nvPr/>
+        </p:nvSpPr>
+        <p:spPr>
+          <a:xfrm>
+            <a:off x="4572060" y="6320475"/>
+            <a:ext cx="430029" cy="422021"/>
+          </a:xfrm>
+          <a:prstGeom prst="roundRect">
+            <a:avLst>
+              <a:gd name="adj" fmla="val 50000"/>
+            </a:avLst>
+          </a:prstGeom>
+          <a:gradFill flip="none" rotWithShape="1">
+            <a:gsLst>
+              <a:gs pos="0">
+                <a:schemeClr val="accent4">
+                  <a:lumMod val="40000"/>
+                  <a:lumOff val="60000"/>
+                </a:schemeClr>
+              </a:gs>
+              <a:gs pos="46000">
+                <a:schemeClr val="accent4">
+                  <a:lumMod val="95000"/>
+                  <a:lumOff val="5000"/>
+                </a:schemeClr>
+              </a:gs>
+              <a:gs pos="100000">
+                <a:schemeClr val="accent4">
+                  <a:lumMod val="60000"/>
+                </a:schemeClr>
+              </a:gs>
+            </a:gsLst>
+            <a:path path="circle">
+              <a:fillToRect l="50000" t="130000" r="50000" b="-30000"/>
+            </a:path>
+            <a:tileRect/>
+          </a:gradFill>
+          <a:ln w="38100">
+            <a:noFill/>
+          </a:ln>
+          <a:effectLst>
+            <a:outerShdw blurRad="50800" dist="38100" dir="2700000" algn="tl" rotWithShape="0">
+              <a:prstClr val="black">
+                <a:alpha val="40000"/>
+              </a:prstClr>
+            </a:outerShdw>
+          </a:effectLst>
+        </p:spPr>
+        <p:style>
+          <a:lnRef idx="2">
+            <a:schemeClr val="accent1">
+              <a:shade val="50000"/>
+            </a:schemeClr>
+          </a:lnRef>
+          <a:fillRef idx="1">
+            <a:schemeClr val="accent1"/>
+          </a:fillRef>
+          <a:effectRef idx="0">
+            <a:schemeClr val="accent1"/>
+          </a:effectRef>
+          <a:fontRef idx="minor">
+            <a:schemeClr val="lt1"/>
+          </a:fontRef>
+        </p:style>
+        <p:txBody>
+          <a:bodyPr rtlCol="0" anchor="ctr"/>
+          <a:lstStyle/>
+          <a:p>
+            <a:pPr algn="ctr"/>
+            <a:r>
+              <a:rPr lang="zh-CN" altLang="en-US" sz="2000" b="1">
+                <a:solidFill>
+                  <a:schemeClr val="tx1"/>
+                </a:solidFill>
+                <a:latin typeface="微软雅黑" panose="020B0503020204020204" pitchFamily="34" charset="-122"/>
+                <a:ea typeface="微软雅黑" panose="020B0503020204020204" pitchFamily="34" charset="-122"/>
+              </a:rPr>
+              <a:t>♥</a:t>
+            </a:r>
+          </a:p>
+        </p:txBody>
+      </p:sp>
+      <p:sp>
+        <p:nvSpPr>
+          <p:cNvPr id="12" name="Rectangle: Rounded Corners 11">
+            <a:extLst>
+              <a:ext uri="{FF2B5EF4-FFF2-40B4-BE49-F238E27FC236}">
+                <a16:creationId xmlns:a16="http://schemas.microsoft.com/office/drawing/2014/main" id="{874C15C3-96BA-0813-FE35-39B8CBD41D66}"/>
+              </a:ext>
+            </a:extLst>
+          </p:cNvPr>
+          <p:cNvSpPr/>
+          <p:nvPr/>
+        </p:nvSpPr>
+        <p:spPr>
+          <a:xfrm>
+            <a:off x="5108829" y="6329927"/>
+            <a:ext cx="430029" cy="422021"/>
+          </a:xfrm>
+          <a:prstGeom prst="roundRect">
+            <a:avLst>
+              <a:gd name="adj" fmla="val 50000"/>
+            </a:avLst>
+          </a:prstGeom>
+          <a:gradFill flip="none" rotWithShape="1">
+            <a:gsLst>
+              <a:gs pos="0">
+                <a:schemeClr val="accent4">
+                  <a:lumMod val="40000"/>
+                  <a:lumOff val="60000"/>
+                </a:schemeClr>
+              </a:gs>
+              <a:gs pos="46000">
+                <a:schemeClr val="accent4">
+                  <a:lumMod val="95000"/>
+                  <a:lumOff val="5000"/>
+                </a:schemeClr>
+              </a:gs>
+              <a:gs pos="100000">
+                <a:schemeClr val="accent4">
+                  <a:lumMod val="60000"/>
+                </a:schemeClr>
+              </a:gs>
+            </a:gsLst>
+            <a:path path="circle">
+              <a:fillToRect l="50000" t="130000" r="50000" b="-30000"/>
+            </a:path>
+            <a:tileRect/>
+          </a:gradFill>
+          <a:ln w="38100">
+            <a:noFill/>
+          </a:ln>
+          <a:effectLst>
+            <a:outerShdw blurRad="50800" dist="38100" dir="2700000" algn="tl" rotWithShape="0">
+              <a:prstClr val="black">
+                <a:alpha val="40000"/>
+              </a:prstClr>
+            </a:outerShdw>
+          </a:effectLst>
+        </p:spPr>
+        <p:style>
+          <a:lnRef idx="2">
+            <a:schemeClr val="accent1">
+              <a:shade val="50000"/>
+            </a:schemeClr>
+          </a:lnRef>
+          <a:fillRef idx="1">
+            <a:schemeClr val="accent1"/>
+          </a:fillRef>
+          <a:effectRef idx="0">
+            <a:schemeClr val="accent1"/>
+          </a:effectRef>
+          <a:fontRef idx="minor">
+            <a:schemeClr val="lt1"/>
+          </a:fontRef>
+        </p:style>
+        <p:txBody>
+          <a:bodyPr rtlCol="0" anchor="ctr"/>
+          <a:lstStyle/>
+          <a:p>
+            <a:pPr algn="ctr"/>
+            <a:r>
+              <a:rPr lang="zh-CN" altLang="en-US" sz="2000" b="1">
+                <a:solidFill>
+                  <a:schemeClr val="tx1"/>
+                </a:solidFill>
+                <a:latin typeface="微软雅黑" panose="020B0503020204020204" pitchFamily="34" charset="-122"/>
+                <a:ea typeface="微软雅黑" panose="020B0503020204020204" pitchFamily="34" charset="-122"/>
+              </a:rPr>
+              <a:t>♣</a:t>
+            </a:r>
+          </a:p>
+        </p:txBody>
+      </p:sp>
+      <p:sp>
+        <p:nvSpPr>
+          <p:cNvPr id="14" name="Rectangle: Rounded Corners 13">
+            <a:extLst>
+              <a:ext uri="{FF2B5EF4-FFF2-40B4-BE49-F238E27FC236}">
+                <a16:creationId xmlns:a16="http://schemas.microsoft.com/office/drawing/2014/main" id="{F70347D9-16A3-46B2-645D-852CC6A36194}"/>
+              </a:ext>
+            </a:extLst>
+          </p:cNvPr>
+          <p:cNvSpPr/>
+          <p:nvPr/>
+        </p:nvSpPr>
+        <p:spPr>
+          <a:xfrm>
+            <a:off x="5646229" y="6329927"/>
+            <a:ext cx="430029" cy="422021"/>
+          </a:xfrm>
+          <a:prstGeom prst="roundRect">
+            <a:avLst>
+              <a:gd name="adj" fmla="val 50000"/>
+            </a:avLst>
+          </a:prstGeom>
+          <a:gradFill flip="none" rotWithShape="1">
+            <a:gsLst>
+              <a:gs pos="0">
+                <a:schemeClr val="accent4">
+                  <a:lumMod val="40000"/>
+                  <a:lumOff val="60000"/>
+                </a:schemeClr>
+              </a:gs>
+              <a:gs pos="46000">
+                <a:schemeClr val="accent4">
+                  <a:lumMod val="95000"/>
+                  <a:lumOff val="5000"/>
+                </a:schemeClr>
+              </a:gs>
+              <a:gs pos="100000">
+                <a:schemeClr val="accent4">
+                  <a:lumMod val="60000"/>
+                </a:schemeClr>
+              </a:gs>
+            </a:gsLst>
+            <a:path path="circle">
+              <a:fillToRect l="50000" t="130000" r="50000" b="-30000"/>
+            </a:path>
+            <a:tileRect/>
+          </a:gradFill>
+          <a:ln w="38100">
+            <a:noFill/>
+          </a:ln>
+          <a:effectLst>
+            <a:outerShdw blurRad="50800" dist="38100" dir="2700000" algn="tl" rotWithShape="0">
+              <a:prstClr val="black">
+                <a:alpha val="40000"/>
+              </a:prstClr>
+            </a:outerShdw>
+          </a:effectLst>
+        </p:spPr>
+        <p:style>
+          <a:lnRef idx="2">
+            <a:schemeClr val="accent1">
+              <a:shade val="50000"/>
+            </a:schemeClr>
+          </a:lnRef>
+          <a:fillRef idx="1">
+            <a:schemeClr val="accent1"/>
+          </a:fillRef>
+          <a:effectRef idx="0">
+            <a:schemeClr val="accent1"/>
+          </a:effectRef>
+          <a:fontRef idx="minor">
+            <a:schemeClr val="lt1"/>
+          </a:fontRef>
+        </p:style>
+        <p:txBody>
+          <a:bodyPr rtlCol="0" anchor="ctr"/>
+          <a:lstStyle/>
+          <a:p>
+            <a:pPr algn="ctr"/>
+            <a:r>
+              <a:rPr lang="zh-CN" altLang="en-US" sz="2000" b="1">
+                <a:solidFill>
+                  <a:schemeClr val="tx1"/>
+                </a:solidFill>
+                <a:latin typeface="微软雅黑" panose="020B0503020204020204" pitchFamily="34" charset="-122"/>
+                <a:ea typeface="微软雅黑" panose="020B0503020204020204" pitchFamily="34" charset="-122"/>
+              </a:rPr>
+              <a:t>♦</a:t>
+            </a:r>
+          </a:p>
+        </p:txBody>
+      </p:sp>
+      <p:sp>
+        <p:nvSpPr>
+          <p:cNvPr id="16" name="TextBox 15">
+            <a:extLst>
+              <a:ext uri="{FF2B5EF4-FFF2-40B4-BE49-F238E27FC236}">
+                <a16:creationId xmlns:a16="http://schemas.microsoft.com/office/drawing/2014/main" id="{76F4CC3F-3653-DD75-1519-2C03E7DCBEC7}"/>
+              </a:ext>
+            </a:extLst>
+          </p:cNvPr>
+          <p:cNvSpPr txBox="1"/>
+          <p:nvPr/>
+        </p:nvSpPr>
+        <p:spPr>
+          <a:xfrm>
+            <a:off x="3128566" y="6347840"/>
+            <a:ext cx="1375611" cy="369332"/>
+          </a:xfrm>
+          <a:prstGeom prst="rect">
+            <a:avLst/>
+          </a:prstGeom>
+          <a:noFill/>
+        </p:spPr>
+        <p:txBody>
+          <a:bodyPr wrap="square" rtlCol="0">
+            <a:spAutoFit/>
+          </a:bodyPr>
+          <a:lstStyle/>
+          <a:p>
+            <a:r>
+              <a:rPr lang="zh-CN" altLang="en-US" b="1">
+                <a:solidFill>
+                  <a:srgbClr val="FFC000"/>
+                </a:solidFill>
+                <a:latin typeface="微软雅黑" panose="020B0503020204020204" pitchFamily="34" charset="-122"/>
+                <a:ea typeface="微软雅黑" panose="020B0503020204020204" pitchFamily="34" charset="-122"/>
+              </a:rPr>
+              <a:t>同花顺</a:t>
+            </a:r>
+          </a:p>
+        </p:txBody>
+      </p:sp>
+      <p:sp>
+        <p:nvSpPr>
+          <p:cNvPr id="19" name="Rectangle: Rounded Corners 18">
+            <a:extLst>
+              <a:ext uri="{FF2B5EF4-FFF2-40B4-BE49-F238E27FC236}">
+                <a16:creationId xmlns:a16="http://schemas.microsoft.com/office/drawing/2014/main" id="{59D9056D-3DD1-7CEC-4B9E-914C4AC29010}"/>
+              </a:ext>
+            </a:extLst>
+          </p:cNvPr>
+          <p:cNvSpPr/>
+          <p:nvPr/>
+        </p:nvSpPr>
+        <p:spPr>
+          <a:xfrm>
+            <a:off x="11253964" y="4684822"/>
+            <a:ext cx="430029" cy="422021"/>
+          </a:xfrm>
+          <a:prstGeom prst="roundRect">
+            <a:avLst>
+              <a:gd name="adj" fmla="val 50000"/>
+            </a:avLst>
+          </a:prstGeom>
+          <a:ln/>
+        </p:spPr>
+        <p:style>
+          <a:lnRef idx="1">
+            <a:schemeClr val="accent3"/>
+          </a:lnRef>
+          <a:fillRef idx="3">
+            <a:schemeClr val="accent3"/>
+          </a:fillRef>
+          <a:effectRef idx="2">
+            <a:schemeClr val="accent3"/>
+          </a:effectRef>
+          <a:fontRef idx="minor">
+            <a:schemeClr val="lt1"/>
+          </a:fontRef>
+        </p:style>
+        <p:txBody>
+          <a:bodyPr rtlCol="0" anchor="ctr"/>
+          <a:lstStyle/>
+          <a:p>
+            <a:pPr algn="ctr"/>
+            <a:r>
+              <a:rPr lang="zh-CN" altLang="en-US" sz="2000" b="1">
+                <a:solidFill>
+                  <a:schemeClr val="tx1"/>
+                </a:solidFill>
+                <a:latin typeface="微软雅黑" panose="020B0503020204020204" pitchFamily="34" charset="-122"/>
+                <a:ea typeface="微软雅黑" panose="020B0503020204020204" pitchFamily="34" charset="-122"/>
+              </a:rPr>
+              <a:t>♦</a:t>
             </a:r>
           </a:p>
         </p:txBody>

--- a/qt_guan_dan/dev_ui_sketch.pptx
+++ b/qt_guan_dan/dev_ui_sketch.pptx
@@ -262,7 +262,7 @@
           <a:p>
             <a:fld id="{6E86E93E-9FC2-4E2D-B23B-44D3A41FB4D3}" type="datetimeFigureOut">
               <a:rPr lang="zh-CN" altLang="en-US" smtClean="0"/>
-              <a:t>2023/4/30</a:t>
+              <a:t>2023/5/1</a:t>
             </a:fld>
             <a:endParaRPr lang="zh-CN" altLang="en-US"/>
           </a:p>
@@ -462,7 +462,7 @@
           <a:p>
             <a:fld id="{6E86E93E-9FC2-4E2D-B23B-44D3A41FB4D3}" type="datetimeFigureOut">
               <a:rPr lang="zh-CN" altLang="en-US" smtClean="0"/>
-              <a:t>2023/4/30</a:t>
+              <a:t>2023/5/1</a:t>
             </a:fld>
             <a:endParaRPr lang="zh-CN" altLang="en-US"/>
           </a:p>
@@ -672,7 +672,7 @@
           <a:p>
             <a:fld id="{6E86E93E-9FC2-4E2D-B23B-44D3A41FB4D3}" type="datetimeFigureOut">
               <a:rPr lang="zh-CN" altLang="en-US" smtClean="0"/>
-              <a:t>2023/4/30</a:t>
+              <a:t>2023/5/1</a:t>
             </a:fld>
             <a:endParaRPr lang="zh-CN" altLang="en-US"/>
           </a:p>
@@ -872,7 +872,7 @@
           <a:p>
             <a:fld id="{6E86E93E-9FC2-4E2D-B23B-44D3A41FB4D3}" type="datetimeFigureOut">
               <a:rPr lang="zh-CN" altLang="en-US" smtClean="0"/>
-              <a:t>2023/4/30</a:t>
+              <a:t>2023/5/1</a:t>
             </a:fld>
             <a:endParaRPr lang="zh-CN" altLang="en-US"/>
           </a:p>
@@ -1148,7 +1148,7 @@
           <a:p>
             <a:fld id="{6E86E93E-9FC2-4E2D-B23B-44D3A41FB4D3}" type="datetimeFigureOut">
               <a:rPr lang="zh-CN" altLang="en-US" smtClean="0"/>
-              <a:t>2023/4/30</a:t>
+              <a:t>2023/5/1</a:t>
             </a:fld>
             <a:endParaRPr lang="zh-CN" altLang="en-US"/>
           </a:p>
@@ -1416,7 +1416,7 @@
           <a:p>
             <a:fld id="{6E86E93E-9FC2-4E2D-B23B-44D3A41FB4D3}" type="datetimeFigureOut">
               <a:rPr lang="zh-CN" altLang="en-US" smtClean="0"/>
-              <a:t>2023/4/30</a:t>
+              <a:t>2023/5/1</a:t>
             </a:fld>
             <a:endParaRPr lang="zh-CN" altLang="en-US"/>
           </a:p>
@@ -1831,7 +1831,7 @@
           <a:p>
             <a:fld id="{6E86E93E-9FC2-4E2D-B23B-44D3A41FB4D3}" type="datetimeFigureOut">
               <a:rPr lang="zh-CN" altLang="en-US" smtClean="0"/>
-              <a:t>2023/4/30</a:t>
+              <a:t>2023/5/1</a:t>
             </a:fld>
             <a:endParaRPr lang="zh-CN" altLang="en-US"/>
           </a:p>
@@ -1973,7 +1973,7 @@
           <a:p>
             <a:fld id="{6E86E93E-9FC2-4E2D-B23B-44D3A41FB4D3}" type="datetimeFigureOut">
               <a:rPr lang="zh-CN" altLang="en-US" smtClean="0"/>
-              <a:t>2023/4/30</a:t>
+              <a:t>2023/5/1</a:t>
             </a:fld>
             <a:endParaRPr lang="zh-CN" altLang="en-US"/>
           </a:p>
@@ -2086,7 +2086,7 @@
           <a:p>
             <a:fld id="{6E86E93E-9FC2-4E2D-B23B-44D3A41FB4D3}" type="datetimeFigureOut">
               <a:rPr lang="zh-CN" altLang="en-US" smtClean="0"/>
-              <a:t>2023/4/30</a:t>
+              <a:t>2023/5/1</a:t>
             </a:fld>
             <a:endParaRPr lang="zh-CN" altLang="en-US"/>
           </a:p>
@@ -2399,7 +2399,7 @@
           <a:p>
             <a:fld id="{6E86E93E-9FC2-4E2D-B23B-44D3A41FB4D3}" type="datetimeFigureOut">
               <a:rPr lang="zh-CN" altLang="en-US" smtClean="0"/>
-              <a:t>2023/4/30</a:t>
+              <a:t>2023/5/1</a:t>
             </a:fld>
             <a:endParaRPr lang="zh-CN" altLang="en-US"/>
           </a:p>
@@ -2688,7 +2688,7 @@
           <a:p>
             <a:fld id="{6E86E93E-9FC2-4E2D-B23B-44D3A41FB4D3}" type="datetimeFigureOut">
               <a:rPr lang="zh-CN" altLang="en-US" smtClean="0"/>
-              <a:t>2023/4/30</a:t>
+              <a:t>2023/5/1</a:t>
             </a:fld>
             <a:endParaRPr lang="zh-CN" altLang="en-US"/>
           </a:p>
@@ -2931,7 +2931,7 @@
           <a:p>
             <a:fld id="{6E86E93E-9FC2-4E2D-B23B-44D3A41FB4D3}" type="datetimeFigureOut">
               <a:rPr lang="zh-CN" altLang="en-US" smtClean="0"/>
-              <a:t>2023/4/30</a:t>
+              <a:t>2023/5/1</a:t>
             </a:fld>
             <a:endParaRPr lang="zh-CN" altLang="en-US"/>
           </a:p>
@@ -7992,7 +7992,7 @@
             <a:r>
               <a:rPr lang="zh-CN" altLang="en-US" sz="2000" b="1">
                 <a:solidFill>
-                  <a:schemeClr val="tx1"/>
+                  <a:srgbClr val="FF0000"/>
                 </a:solidFill>
                 <a:latin typeface="微软雅黑" panose="020B0503020204020204" pitchFamily="34" charset="-122"/>
                 <a:ea typeface="微软雅黑" panose="020B0503020204020204" pitchFamily="34" charset="-122"/>
@@ -8176,7 +8176,7 @@
             <a:r>
               <a:rPr lang="zh-CN" altLang="en-US" sz="2000" b="1">
                 <a:solidFill>
-                  <a:schemeClr val="tx1"/>
+                  <a:srgbClr val="FF0000"/>
                 </a:solidFill>
                 <a:latin typeface="微软雅黑" panose="020B0503020204020204" pitchFamily="34" charset="-122"/>
                 <a:ea typeface="微软雅黑" panose="020B0503020204020204" pitchFamily="34" charset="-122"/>
@@ -8201,7 +8201,7 @@
         <p:spPr>
           <a:xfrm>
             <a:off x="3128566" y="6347840"/>
-            <a:ext cx="1375611" cy="369332"/>
+            <a:ext cx="906725" cy="369332"/>
           </a:xfrm>
           <a:prstGeom prst="rect">
             <a:avLst/>
@@ -8229,10 +8229,10 @@
       </p:sp>
       <p:sp>
         <p:nvSpPr>
-          <p:cNvPr id="19" name="Rectangle: Rounded Corners 18">
-            <a:extLst>
-              <a:ext uri="{FF2B5EF4-FFF2-40B4-BE49-F238E27FC236}">
-                <a16:creationId xmlns:a16="http://schemas.microsoft.com/office/drawing/2014/main" id="{59D9056D-3DD1-7CEC-4B9E-914C4AC29010}"/>
+          <p:cNvPr id="10" name="Rectangle: Rounded Corners 9">
+            <a:extLst>
+              <a:ext uri="{FF2B5EF4-FFF2-40B4-BE49-F238E27FC236}">
+                <a16:creationId xmlns:a16="http://schemas.microsoft.com/office/drawing/2014/main" id="{12F34EDE-9685-BDEC-3601-D577DFAD1C4F}"/>
               </a:ext>
             </a:extLst>
           </p:cNvPr>
@@ -8241,7 +8241,543 @@
         </p:nvSpPr>
         <p:spPr>
           <a:xfrm>
-            <a:off x="11253964" y="4684822"/>
+            <a:off x="10457405" y="3438468"/>
+            <a:ext cx="430029" cy="422021"/>
+          </a:xfrm>
+          <a:prstGeom prst="roundRect">
+            <a:avLst>
+              <a:gd name="adj" fmla="val 50000"/>
+            </a:avLst>
+          </a:prstGeom>
+          <a:gradFill flip="none" rotWithShape="1">
+            <a:gsLst>
+              <a:gs pos="0">
+                <a:schemeClr val="accent4">
+                  <a:lumMod val="40000"/>
+                  <a:lumOff val="60000"/>
+                </a:schemeClr>
+              </a:gs>
+              <a:gs pos="46000">
+                <a:schemeClr val="accent4">
+                  <a:lumMod val="95000"/>
+                  <a:lumOff val="5000"/>
+                </a:schemeClr>
+              </a:gs>
+              <a:gs pos="100000">
+                <a:schemeClr val="accent4">
+                  <a:lumMod val="60000"/>
+                </a:schemeClr>
+              </a:gs>
+            </a:gsLst>
+            <a:path path="circle">
+              <a:fillToRect l="50000" t="130000" r="50000" b="-30000"/>
+            </a:path>
+            <a:tileRect/>
+          </a:gradFill>
+          <a:ln w="38100">
+            <a:noFill/>
+          </a:ln>
+          <a:effectLst>
+            <a:outerShdw blurRad="50800" dist="38100" dir="2700000" algn="tl" rotWithShape="0">
+              <a:prstClr val="black">
+                <a:alpha val="40000"/>
+              </a:prstClr>
+            </a:outerShdw>
+          </a:effectLst>
+        </p:spPr>
+        <p:style>
+          <a:lnRef idx="2">
+            <a:schemeClr val="accent1">
+              <a:shade val="50000"/>
+            </a:schemeClr>
+          </a:lnRef>
+          <a:fillRef idx="1">
+            <a:schemeClr val="accent1"/>
+          </a:fillRef>
+          <a:effectRef idx="0">
+            <a:schemeClr val="accent1"/>
+          </a:effectRef>
+          <a:fontRef idx="minor">
+            <a:schemeClr val="lt1"/>
+          </a:fontRef>
+        </p:style>
+        <p:txBody>
+          <a:bodyPr rtlCol="0" anchor="ctr"/>
+          <a:lstStyle/>
+          <a:p>
+            <a:pPr algn="ctr"/>
+            <a:r>
+              <a:rPr lang="zh-CN" altLang="en-US" sz="2000" b="1">
+                <a:solidFill>
+                  <a:schemeClr val="tx1"/>
+                </a:solidFill>
+                <a:latin typeface="微软雅黑" panose="020B0503020204020204" pitchFamily="34" charset="-122"/>
+                <a:ea typeface="微软雅黑" panose="020B0503020204020204" pitchFamily="34" charset="-122"/>
+              </a:rPr>
+              <a:t>♠</a:t>
+            </a:r>
+          </a:p>
+        </p:txBody>
+      </p:sp>
+      <p:sp>
+        <p:nvSpPr>
+          <p:cNvPr id="11" name="Rectangle: Rounded Corners 10">
+            <a:extLst>
+              <a:ext uri="{FF2B5EF4-FFF2-40B4-BE49-F238E27FC236}">
+                <a16:creationId xmlns:a16="http://schemas.microsoft.com/office/drawing/2014/main" id="{971A2D96-7EF9-8B22-9B5E-E733ACCE02EE}"/>
+              </a:ext>
+            </a:extLst>
+          </p:cNvPr>
+          <p:cNvSpPr/>
+          <p:nvPr/>
+        </p:nvSpPr>
+        <p:spPr>
+          <a:xfrm>
+            <a:off x="10994174" y="3454570"/>
+            <a:ext cx="430029" cy="422021"/>
+          </a:xfrm>
+          <a:prstGeom prst="roundRect">
+            <a:avLst>
+              <a:gd name="adj" fmla="val 50000"/>
+            </a:avLst>
+          </a:prstGeom>
+          <a:gradFill flip="none" rotWithShape="1">
+            <a:gsLst>
+              <a:gs pos="0">
+                <a:schemeClr val="accent4">
+                  <a:lumMod val="40000"/>
+                  <a:lumOff val="60000"/>
+                </a:schemeClr>
+              </a:gs>
+              <a:gs pos="46000">
+                <a:schemeClr val="accent4">
+                  <a:lumMod val="95000"/>
+                  <a:lumOff val="5000"/>
+                </a:schemeClr>
+              </a:gs>
+              <a:gs pos="100000">
+                <a:schemeClr val="accent4">
+                  <a:lumMod val="60000"/>
+                </a:schemeClr>
+              </a:gs>
+            </a:gsLst>
+            <a:path path="circle">
+              <a:fillToRect l="50000" t="130000" r="50000" b="-30000"/>
+            </a:path>
+            <a:tileRect/>
+          </a:gradFill>
+          <a:ln w="38100">
+            <a:noFill/>
+          </a:ln>
+          <a:effectLst>
+            <a:outerShdw blurRad="50800" dist="38100" dir="2700000" algn="tl" rotWithShape="0">
+              <a:prstClr val="black">
+                <a:alpha val="40000"/>
+              </a:prstClr>
+            </a:outerShdw>
+          </a:effectLst>
+        </p:spPr>
+        <p:style>
+          <a:lnRef idx="2">
+            <a:schemeClr val="accent1">
+              <a:shade val="50000"/>
+            </a:schemeClr>
+          </a:lnRef>
+          <a:fillRef idx="1">
+            <a:schemeClr val="accent1"/>
+          </a:fillRef>
+          <a:effectRef idx="0">
+            <a:schemeClr val="accent1"/>
+          </a:effectRef>
+          <a:fontRef idx="minor">
+            <a:schemeClr val="lt1"/>
+          </a:fontRef>
+        </p:style>
+        <p:txBody>
+          <a:bodyPr rtlCol="0" anchor="ctr"/>
+          <a:lstStyle/>
+          <a:p>
+            <a:pPr algn="ctr"/>
+            <a:r>
+              <a:rPr lang="zh-CN" altLang="en-US" sz="2000" b="1">
+                <a:solidFill>
+                  <a:srgbClr val="FF0000"/>
+                </a:solidFill>
+                <a:latin typeface="微软雅黑" panose="020B0503020204020204" pitchFamily="34" charset="-122"/>
+                <a:ea typeface="微软雅黑" panose="020B0503020204020204" pitchFamily="34" charset="-122"/>
+              </a:rPr>
+              <a:t>♥</a:t>
+            </a:r>
+          </a:p>
+        </p:txBody>
+      </p:sp>
+      <p:sp>
+        <p:nvSpPr>
+          <p:cNvPr id="23" name="Rectangle: Rounded Corners 22">
+            <a:extLst>
+              <a:ext uri="{FF2B5EF4-FFF2-40B4-BE49-F238E27FC236}">
+                <a16:creationId xmlns:a16="http://schemas.microsoft.com/office/drawing/2014/main" id="{4305E8DB-FC5B-D891-C0DC-AEBD98172725}"/>
+              </a:ext>
+            </a:extLst>
+          </p:cNvPr>
+          <p:cNvSpPr/>
+          <p:nvPr/>
+        </p:nvSpPr>
+        <p:spPr>
+          <a:xfrm>
+            <a:off x="11530943" y="3464022"/>
+            <a:ext cx="430029" cy="422021"/>
+          </a:xfrm>
+          <a:prstGeom prst="roundRect">
+            <a:avLst>
+              <a:gd name="adj" fmla="val 50000"/>
+            </a:avLst>
+          </a:prstGeom>
+          <a:gradFill flip="none" rotWithShape="1">
+            <a:gsLst>
+              <a:gs pos="0">
+                <a:schemeClr val="accent4">
+                  <a:lumMod val="40000"/>
+                  <a:lumOff val="60000"/>
+                </a:schemeClr>
+              </a:gs>
+              <a:gs pos="46000">
+                <a:schemeClr val="accent4">
+                  <a:lumMod val="95000"/>
+                  <a:lumOff val="5000"/>
+                </a:schemeClr>
+              </a:gs>
+              <a:gs pos="100000">
+                <a:schemeClr val="accent4">
+                  <a:lumMod val="60000"/>
+                </a:schemeClr>
+              </a:gs>
+            </a:gsLst>
+            <a:path path="circle">
+              <a:fillToRect l="50000" t="130000" r="50000" b="-30000"/>
+            </a:path>
+            <a:tileRect/>
+          </a:gradFill>
+          <a:ln w="38100">
+            <a:noFill/>
+          </a:ln>
+          <a:effectLst>
+            <a:outerShdw blurRad="50800" dist="38100" dir="2700000" algn="tl" rotWithShape="0">
+              <a:prstClr val="black">
+                <a:alpha val="40000"/>
+              </a:prstClr>
+            </a:outerShdw>
+          </a:effectLst>
+        </p:spPr>
+        <p:style>
+          <a:lnRef idx="2">
+            <a:schemeClr val="accent1">
+              <a:shade val="50000"/>
+            </a:schemeClr>
+          </a:lnRef>
+          <a:fillRef idx="1">
+            <a:schemeClr val="accent1"/>
+          </a:fillRef>
+          <a:effectRef idx="0">
+            <a:schemeClr val="accent1"/>
+          </a:effectRef>
+          <a:fontRef idx="minor">
+            <a:schemeClr val="lt1"/>
+          </a:fontRef>
+        </p:style>
+        <p:txBody>
+          <a:bodyPr rtlCol="0" anchor="ctr"/>
+          <a:lstStyle/>
+          <a:p>
+            <a:pPr algn="ctr"/>
+            <a:r>
+              <a:rPr lang="zh-CN" altLang="en-US" sz="2000" b="1">
+                <a:solidFill>
+                  <a:schemeClr val="tx1"/>
+                </a:solidFill>
+                <a:latin typeface="微软雅黑" panose="020B0503020204020204" pitchFamily="34" charset="-122"/>
+                <a:ea typeface="微软雅黑" panose="020B0503020204020204" pitchFamily="34" charset="-122"/>
+              </a:rPr>
+              <a:t>♣</a:t>
+            </a:r>
+          </a:p>
+        </p:txBody>
+      </p:sp>
+      <p:sp>
+        <p:nvSpPr>
+          <p:cNvPr id="24" name="Rectangle: Rounded Corners 23">
+            <a:extLst>
+              <a:ext uri="{FF2B5EF4-FFF2-40B4-BE49-F238E27FC236}">
+                <a16:creationId xmlns:a16="http://schemas.microsoft.com/office/drawing/2014/main" id="{3BFBDF6B-4315-BB37-78FA-66F8BB517B6A}"/>
+              </a:ext>
+            </a:extLst>
+          </p:cNvPr>
+          <p:cNvSpPr/>
+          <p:nvPr/>
+        </p:nvSpPr>
+        <p:spPr>
+          <a:xfrm>
+            <a:off x="12068343" y="3464022"/>
+            <a:ext cx="430029" cy="422021"/>
+          </a:xfrm>
+          <a:prstGeom prst="roundRect">
+            <a:avLst>
+              <a:gd name="adj" fmla="val 50000"/>
+            </a:avLst>
+          </a:prstGeom>
+          <a:gradFill flip="none" rotWithShape="1">
+            <a:gsLst>
+              <a:gs pos="0">
+                <a:schemeClr val="accent4">
+                  <a:lumMod val="40000"/>
+                  <a:lumOff val="60000"/>
+                </a:schemeClr>
+              </a:gs>
+              <a:gs pos="46000">
+                <a:schemeClr val="accent4">
+                  <a:lumMod val="95000"/>
+                  <a:lumOff val="5000"/>
+                </a:schemeClr>
+              </a:gs>
+              <a:gs pos="100000">
+                <a:schemeClr val="accent4">
+                  <a:lumMod val="60000"/>
+                </a:schemeClr>
+              </a:gs>
+            </a:gsLst>
+            <a:path path="circle">
+              <a:fillToRect l="50000" t="130000" r="50000" b="-30000"/>
+            </a:path>
+            <a:tileRect/>
+          </a:gradFill>
+          <a:ln w="38100">
+            <a:noFill/>
+          </a:ln>
+          <a:effectLst>
+            <a:outerShdw blurRad="50800" dist="38100" dir="2700000" algn="tl" rotWithShape="0">
+              <a:prstClr val="black">
+                <a:alpha val="40000"/>
+              </a:prstClr>
+            </a:outerShdw>
+          </a:effectLst>
+        </p:spPr>
+        <p:style>
+          <a:lnRef idx="2">
+            <a:schemeClr val="accent1">
+              <a:shade val="50000"/>
+            </a:schemeClr>
+          </a:lnRef>
+          <a:fillRef idx="1">
+            <a:schemeClr val="accent1"/>
+          </a:fillRef>
+          <a:effectRef idx="0">
+            <a:schemeClr val="accent1"/>
+          </a:effectRef>
+          <a:fontRef idx="minor">
+            <a:schemeClr val="lt1"/>
+          </a:fontRef>
+        </p:style>
+        <p:txBody>
+          <a:bodyPr rtlCol="0" anchor="ctr"/>
+          <a:lstStyle/>
+          <a:p>
+            <a:pPr algn="ctr"/>
+            <a:r>
+              <a:rPr lang="zh-CN" altLang="en-US" sz="2000" b="1">
+                <a:solidFill>
+                  <a:srgbClr val="FF0000"/>
+                </a:solidFill>
+                <a:latin typeface="微软雅黑" panose="020B0503020204020204" pitchFamily="34" charset="-122"/>
+                <a:ea typeface="微软雅黑" panose="020B0503020204020204" pitchFamily="34" charset="-122"/>
+              </a:rPr>
+              <a:t>♦</a:t>
+            </a:r>
+          </a:p>
+        </p:txBody>
+      </p:sp>
+      <p:sp>
+        <p:nvSpPr>
+          <p:cNvPr id="25" name="Rectangle: Rounded Corners 24">
+            <a:extLst>
+              <a:ext uri="{FF2B5EF4-FFF2-40B4-BE49-F238E27FC236}">
+                <a16:creationId xmlns:a16="http://schemas.microsoft.com/office/drawing/2014/main" id="{B312B571-A2F5-854D-7220-C494145CBA25}"/>
+              </a:ext>
+            </a:extLst>
+          </p:cNvPr>
+          <p:cNvSpPr/>
+          <p:nvPr/>
+        </p:nvSpPr>
+        <p:spPr>
+          <a:xfrm>
+            <a:off x="10453715" y="4057628"/>
+            <a:ext cx="430029" cy="422021"/>
+          </a:xfrm>
+          <a:prstGeom prst="roundRect">
+            <a:avLst>
+              <a:gd name="adj" fmla="val 50000"/>
+            </a:avLst>
+          </a:prstGeom>
+          <a:ln/>
+        </p:spPr>
+        <p:style>
+          <a:lnRef idx="0">
+            <a:schemeClr val="accent3"/>
+          </a:lnRef>
+          <a:fillRef idx="3">
+            <a:schemeClr val="accent3"/>
+          </a:fillRef>
+          <a:effectRef idx="3">
+            <a:schemeClr val="accent3"/>
+          </a:effectRef>
+          <a:fontRef idx="minor">
+            <a:schemeClr val="lt1"/>
+          </a:fontRef>
+        </p:style>
+        <p:txBody>
+          <a:bodyPr rtlCol="0" anchor="ctr"/>
+          <a:lstStyle/>
+          <a:p>
+            <a:pPr algn="ctr"/>
+            <a:r>
+              <a:rPr lang="zh-CN" altLang="en-US" sz="2000" b="1">
+                <a:solidFill>
+                  <a:schemeClr val="tx1"/>
+                </a:solidFill>
+                <a:latin typeface="微软雅黑" panose="020B0503020204020204" pitchFamily="34" charset="-122"/>
+                <a:ea typeface="微软雅黑" panose="020B0503020204020204" pitchFamily="34" charset="-122"/>
+              </a:rPr>
+              <a:t>♠</a:t>
+            </a:r>
+          </a:p>
+        </p:txBody>
+      </p:sp>
+      <p:sp>
+        <p:nvSpPr>
+          <p:cNvPr id="26" name="Rectangle: Rounded Corners 25">
+            <a:extLst>
+              <a:ext uri="{FF2B5EF4-FFF2-40B4-BE49-F238E27FC236}">
+                <a16:creationId xmlns:a16="http://schemas.microsoft.com/office/drawing/2014/main" id="{796B6639-0B79-E5EB-A116-D62561AB8239}"/>
+              </a:ext>
+            </a:extLst>
+          </p:cNvPr>
+          <p:cNvSpPr/>
+          <p:nvPr/>
+        </p:nvSpPr>
+        <p:spPr>
+          <a:xfrm>
+            <a:off x="10990484" y="4073730"/>
+            <a:ext cx="430029" cy="422021"/>
+          </a:xfrm>
+          <a:prstGeom prst="roundRect">
+            <a:avLst>
+              <a:gd name="adj" fmla="val 50000"/>
+            </a:avLst>
+          </a:prstGeom>
+          <a:ln/>
+        </p:spPr>
+        <p:style>
+          <a:lnRef idx="0">
+            <a:schemeClr val="accent3"/>
+          </a:lnRef>
+          <a:fillRef idx="3">
+            <a:schemeClr val="accent3"/>
+          </a:fillRef>
+          <a:effectRef idx="3">
+            <a:schemeClr val="accent3"/>
+          </a:effectRef>
+          <a:fontRef idx="minor">
+            <a:schemeClr val="lt1"/>
+          </a:fontRef>
+        </p:style>
+        <p:txBody>
+          <a:bodyPr rtlCol="0" anchor="ctr"/>
+          <a:lstStyle/>
+          <a:p>
+            <a:pPr algn="ctr"/>
+            <a:r>
+              <a:rPr lang="zh-CN" altLang="en-US" sz="2000" b="1">
+                <a:solidFill>
+                  <a:schemeClr val="tx1"/>
+                </a:solidFill>
+                <a:latin typeface="微软雅黑" panose="020B0503020204020204" pitchFamily="34" charset="-122"/>
+                <a:ea typeface="微软雅黑" panose="020B0503020204020204" pitchFamily="34" charset="-122"/>
+              </a:rPr>
+              <a:t>♥</a:t>
+            </a:r>
+          </a:p>
+        </p:txBody>
+      </p:sp>
+      <p:sp>
+        <p:nvSpPr>
+          <p:cNvPr id="27" name="Rectangle: Rounded Corners 26">
+            <a:extLst>
+              <a:ext uri="{FF2B5EF4-FFF2-40B4-BE49-F238E27FC236}">
+                <a16:creationId xmlns:a16="http://schemas.microsoft.com/office/drawing/2014/main" id="{4FDF8FAF-4339-610B-896C-A6805BD07CD7}"/>
+              </a:ext>
+            </a:extLst>
+          </p:cNvPr>
+          <p:cNvSpPr/>
+          <p:nvPr/>
+        </p:nvSpPr>
+        <p:spPr>
+          <a:xfrm>
+            <a:off x="11527253" y="4083182"/>
+            <a:ext cx="430029" cy="422021"/>
+          </a:xfrm>
+          <a:prstGeom prst="roundRect">
+            <a:avLst>
+              <a:gd name="adj" fmla="val 50000"/>
+            </a:avLst>
+          </a:prstGeom>
+          <a:ln/>
+        </p:spPr>
+        <p:style>
+          <a:lnRef idx="0">
+            <a:schemeClr val="accent3"/>
+          </a:lnRef>
+          <a:fillRef idx="3">
+            <a:schemeClr val="accent3"/>
+          </a:fillRef>
+          <a:effectRef idx="3">
+            <a:schemeClr val="accent3"/>
+          </a:effectRef>
+          <a:fontRef idx="minor">
+            <a:schemeClr val="lt1"/>
+          </a:fontRef>
+        </p:style>
+        <p:txBody>
+          <a:bodyPr rtlCol="0" anchor="ctr"/>
+          <a:lstStyle/>
+          <a:p>
+            <a:pPr algn="ctr"/>
+            <a:r>
+              <a:rPr lang="zh-CN" altLang="en-US" sz="2000" b="1">
+                <a:solidFill>
+                  <a:schemeClr val="tx1"/>
+                </a:solidFill>
+                <a:latin typeface="微软雅黑" panose="020B0503020204020204" pitchFamily="34" charset="-122"/>
+                <a:ea typeface="微软雅黑" panose="020B0503020204020204" pitchFamily="34" charset="-122"/>
+              </a:rPr>
+              <a:t>♣</a:t>
+            </a:r>
+          </a:p>
+        </p:txBody>
+      </p:sp>
+      <p:sp>
+        <p:nvSpPr>
+          <p:cNvPr id="28" name="Rectangle: Rounded Corners 27">
+            <a:extLst>
+              <a:ext uri="{FF2B5EF4-FFF2-40B4-BE49-F238E27FC236}">
+                <a16:creationId xmlns:a16="http://schemas.microsoft.com/office/drawing/2014/main" id="{4039D269-17D4-DFFF-048F-64A33F081F7F}"/>
+              </a:ext>
+            </a:extLst>
+          </p:cNvPr>
+          <p:cNvSpPr/>
+          <p:nvPr/>
+        </p:nvSpPr>
+        <p:spPr>
+          <a:xfrm>
+            <a:off x="12064653" y="4083182"/>
             <a:ext cx="430029" cy="422021"/>
           </a:xfrm>
           <a:prstGeom prst="roundRect">

--- a/qt_guan_dan/dev_ui_sketch.pptx
+++ b/qt_guan_dan/dev_ui_sketch.pptx
@@ -6056,7 +6056,9 @@
             </a:avLst>
           </a:prstGeom>
           <a:solidFill>
-            <a:srgbClr val="8FAADC"/>
+            <a:schemeClr val="bg2">
+              <a:lumMod val="75000"/>
+            </a:schemeClr>
           </a:solidFill>
           <a:ln w="38100">
             <a:solidFill>
@@ -7518,7 +7520,7 @@
         </p:nvSpPr>
         <p:spPr>
           <a:xfrm>
-            <a:off x="8460344" y="6981973"/>
+            <a:off x="1750002" y="6981973"/>
             <a:ext cx="1768526" cy="596095"/>
           </a:xfrm>
           <a:prstGeom prst="roundRect">
@@ -7599,7 +7601,9 @@
             </a:avLst>
           </a:prstGeom>
           <a:solidFill>
-            <a:srgbClr val="FFC000"/>
+            <a:schemeClr val="bg1">
+              <a:lumMod val="65000"/>
+            </a:schemeClr>
           </a:solidFill>
           <a:ln w="38100">
             <a:solidFill>

--- a/qt_guan_dan/dev_ui_sketch.pptx
+++ b/qt_guan_dan/dev_ui_sketch.pptx
@@ -262,7 +262,7 @@
           <a:p>
             <a:fld id="{6E86E93E-9FC2-4E2D-B23B-44D3A41FB4D3}" type="datetimeFigureOut">
               <a:rPr lang="zh-CN" altLang="en-US" smtClean="0"/>
-              <a:t>2023/5/1</a:t>
+              <a:t>2023/5/2</a:t>
             </a:fld>
             <a:endParaRPr lang="zh-CN" altLang="en-US"/>
           </a:p>
@@ -462,7 +462,7 @@
           <a:p>
             <a:fld id="{6E86E93E-9FC2-4E2D-B23B-44D3A41FB4D3}" type="datetimeFigureOut">
               <a:rPr lang="zh-CN" altLang="en-US" smtClean="0"/>
-              <a:t>2023/5/1</a:t>
+              <a:t>2023/5/2</a:t>
             </a:fld>
             <a:endParaRPr lang="zh-CN" altLang="en-US"/>
           </a:p>
@@ -672,7 +672,7 @@
           <a:p>
             <a:fld id="{6E86E93E-9FC2-4E2D-B23B-44D3A41FB4D3}" type="datetimeFigureOut">
               <a:rPr lang="zh-CN" altLang="en-US" smtClean="0"/>
-              <a:t>2023/5/1</a:t>
+              <a:t>2023/5/2</a:t>
             </a:fld>
             <a:endParaRPr lang="zh-CN" altLang="en-US"/>
           </a:p>
@@ -872,7 +872,7 @@
           <a:p>
             <a:fld id="{6E86E93E-9FC2-4E2D-B23B-44D3A41FB4D3}" type="datetimeFigureOut">
               <a:rPr lang="zh-CN" altLang="en-US" smtClean="0"/>
-              <a:t>2023/5/1</a:t>
+              <a:t>2023/5/2</a:t>
             </a:fld>
             <a:endParaRPr lang="zh-CN" altLang="en-US"/>
           </a:p>
@@ -1148,7 +1148,7 @@
           <a:p>
             <a:fld id="{6E86E93E-9FC2-4E2D-B23B-44D3A41FB4D3}" type="datetimeFigureOut">
               <a:rPr lang="zh-CN" altLang="en-US" smtClean="0"/>
-              <a:t>2023/5/1</a:t>
+              <a:t>2023/5/2</a:t>
             </a:fld>
             <a:endParaRPr lang="zh-CN" altLang="en-US"/>
           </a:p>
@@ -1416,7 +1416,7 @@
           <a:p>
             <a:fld id="{6E86E93E-9FC2-4E2D-B23B-44D3A41FB4D3}" type="datetimeFigureOut">
               <a:rPr lang="zh-CN" altLang="en-US" smtClean="0"/>
-              <a:t>2023/5/1</a:t>
+              <a:t>2023/5/2</a:t>
             </a:fld>
             <a:endParaRPr lang="zh-CN" altLang="en-US"/>
           </a:p>
@@ -1831,7 +1831,7 @@
           <a:p>
             <a:fld id="{6E86E93E-9FC2-4E2D-B23B-44D3A41FB4D3}" type="datetimeFigureOut">
               <a:rPr lang="zh-CN" altLang="en-US" smtClean="0"/>
-              <a:t>2023/5/1</a:t>
+              <a:t>2023/5/2</a:t>
             </a:fld>
             <a:endParaRPr lang="zh-CN" altLang="en-US"/>
           </a:p>
@@ -1973,7 +1973,7 @@
           <a:p>
             <a:fld id="{6E86E93E-9FC2-4E2D-B23B-44D3A41FB4D3}" type="datetimeFigureOut">
               <a:rPr lang="zh-CN" altLang="en-US" smtClean="0"/>
-              <a:t>2023/5/1</a:t>
+              <a:t>2023/5/2</a:t>
             </a:fld>
             <a:endParaRPr lang="zh-CN" altLang="en-US"/>
           </a:p>
@@ -2086,7 +2086,7 @@
           <a:p>
             <a:fld id="{6E86E93E-9FC2-4E2D-B23B-44D3A41FB4D3}" type="datetimeFigureOut">
               <a:rPr lang="zh-CN" altLang="en-US" smtClean="0"/>
-              <a:t>2023/5/1</a:t>
+              <a:t>2023/5/2</a:t>
             </a:fld>
             <a:endParaRPr lang="zh-CN" altLang="en-US"/>
           </a:p>
@@ -2399,7 +2399,7 @@
           <a:p>
             <a:fld id="{6E86E93E-9FC2-4E2D-B23B-44D3A41FB4D3}" type="datetimeFigureOut">
               <a:rPr lang="zh-CN" altLang="en-US" smtClean="0"/>
-              <a:t>2023/5/1</a:t>
+              <a:t>2023/5/2</a:t>
             </a:fld>
             <a:endParaRPr lang="zh-CN" altLang="en-US"/>
           </a:p>
@@ -2688,7 +2688,7 @@
           <a:p>
             <a:fld id="{6E86E93E-9FC2-4E2D-B23B-44D3A41FB4D3}" type="datetimeFigureOut">
               <a:rPr lang="zh-CN" altLang="en-US" smtClean="0"/>
-              <a:t>2023/5/1</a:t>
+              <a:t>2023/5/2</a:t>
             </a:fld>
             <a:endParaRPr lang="zh-CN" altLang="en-US"/>
           </a:p>
@@ -2931,7 +2931,7 @@
           <a:p>
             <a:fld id="{6E86E93E-9FC2-4E2D-B23B-44D3A41FB4D3}" type="datetimeFigureOut">
               <a:rPr lang="zh-CN" altLang="en-US" smtClean="0"/>
-              <a:t>2023/5/1</a:t>
+              <a:t>2023/5/2</a:t>
             </a:fld>
             <a:endParaRPr lang="zh-CN" altLang="en-US"/>
           </a:p>
@@ -8601,10 +8601,10 @@
       </p:sp>
       <p:sp>
         <p:nvSpPr>
-          <p:cNvPr id="25" name="Rectangle: Rounded Corners 24">
-            <a:extLst>
-              <a:ext uri="{FF2B5EF4-FFF2-40B4-BE49-F238E27FC236}">
-                <a16:creationId xmlns:a16="http://schemas.microsoft.com/office/drawing/2014/main" id="{B312B571-A2F5-854D-7220-C494145CBA25}"/>
+          <p:cNvPr id="19" name="Rectangle: Rounded Corners 18">
+            <a:extLst>
+              <a:ext uri="{FF2B5EF4-FFF2-40B4-BE49-F238E27FC236}">
+                <a16:creationId xmlns:a16="http://schemas.microsoft.com/office/drawing/2014/main" id="{C805B71C-3203-1881-4432-0B5476DFB3A4}"/>
               </a:ext>
             </a:extLst>
           </p:cNvPr>
@@ -8613,7 +8613,7 @@
         </p:nvSpPr>
         <p:spPr>
           <a:xfrm>
-            <a:off x="10453715" y="4057628"/>
+            <a:off x="10453715" y="4183466"/>
             <a:ext cx="430029" cy="422021"/>
           </a:xfrm>
           <a:prstGeom prst="roundRect">
@@ -8621,17 +8621,33 @@
               <a:gd name="adj" fmla="val 50000"/>
             </a:avLst>
           </a:prstGeom>
-          <a:ln/>
+          <a:solidFill>
+            <a:schemeClr val="bg1">
+              <a:lumMod val="65000"/>
+            </a:schemeClr>
+          </a:solidFill>
+          <a:ln w="38100">
+            <a:noFill/>
+          </a:ln>
+          <a:effectLst>
+            <a:outerShdw blurRad="50800" dist="38100" dir="2700000" algn="tl" rotWithShape="0">
+              <a:prstClr val="black">
+                <a:alpha val="40000"/>
+              </a:prstClr>
+            </a:outerShdw>
+          </a:effectLst>
         </p:spPr>
         <p:style>
-          <a:lnRef idx="0">
-            <a:schemeClr val="accent3"/>
+          <a:lnRef idx="2">
+            <a:schemeClr val="accent1">
+              <a:shade val="50000"/>
+            </a:schemeClr>
           </a:lnRef>
-          <a:fillRef idx="3">
-            <a:schemeClr val="accent3"/>
+          <a:fillRef idx="1">
+            <a:schemeClr val="accent1"/>
           </a:fillRef>
-          <a:effectRef idx="3">
-            <a:schemeClr val="accent3"/>
+          <a:effectRef idx="0">
+            <a:schemeClr val="accent1"/>
           </a:effectRef>
           <a:fontRef idx="minor">
             <a:schemeClr val="lt1"/>
@@ -8657,10 +8673,10 @@
       </p:sp>
       <p:sp>
         <p:nvSpPr>
-          <p:cNvPr id="26" name="Rectangle: Rounded Corners 25">
-            <a:extLst>
-              <a:ext uri="{FF2B5EF4-FFF2-40B4-BE49-F238E27FC236}">
-                <a16:creationId xmlns:a16="http://schemas.microsoft.com/office/drawing/2014/main" id="{796B6639-0B79-E5EB-A116-D62561AB8239}"/>
+          <p:cNvPr id="32" name="Rectangle: Rounded Corners 31">
+            <a:extLst>
+              <a:ext uri="{FF2B5EF4-FFF2-40B4-BE49-F238E27FC236}">
+                <a16:creationId xmlns:a16="http://schemas.microsoft.com/office/drawing/2014/main" id="{3B374811-FA2C-4807-EBC4-14A868B073E8}"/>
               </a:ext>
             </a:extLst>
           </p:cNvPr>
@@ -8669,7 +8685,7 @@
         </p:nvSpPr>
         <p:spPr>
           <a:xfrm>
-            <a:off x="10990484" y="4073730"/>
+            <a:off x="11031397" y="4192008"/>
             <a:ext cx="430029" cy="422021"/>
           </a:xfrm>
           <a:prstGeom prst="roundRect">
@@ -8677,17 +8693,33 @@
               <a:gd name="adj" fmla="val 50000"/>
             </a:avLst>
           </a:prstGeom>
-          <a:ln/>
+          <a:solidFill>
+            <a:schemeClr val="bg1">
+              <a:lumMod val="65000"/>
+            </a:schemeClr>
+          </a:solidFill>
+          <a:ln w="38100">
+            <a:noFill/>
+          </a:ln>
+          <a:effectLst>
+            <a:outerShdw blurRad="50800" dist="38100" dir="2700000" algn="tl" rotWithShape="0">
+              <a:prstClr val="black">
+                <a:alpha val="40000"/>
+              </a:prstClr>
+            </a:outerShdw>
+          </a:effectLst>
         </p:spPr>
         <p:style>
-          <a:lnRef idx="0">
-            <a:schemeClr val="accent3"/>
+          <a:lnRef idx="2">
+            <a:schemeClr val="accent1">
+              <a:shade val="50000"/>
+            </a:schemeClr>
           </a:lnRef>
-          <a:fillRef idx="3">
-            <a:schemeClr val="accent3"/>
+          <a:fillRef idx="1">
+            <a:schemeClr val="accent1"/>
           </a:fillRef>
-          <a:effectRef idx="3">
-            <a:schemeClr val="accent3"/>
+          <a:effectRef idx="0">
+            <a:schemeClr val="accent1"/>
           </a:effectRef>
           <a:fontRef idx="minor">
             <a:schemeClr val="lt1"/>
@@ -8713,10 +8745,10 @@
       </p:sp>
       <p:sp>
         <p:nvSpPr>
-          <p:cNvPr id="27" name="Rectangle: Rounded Corners 26">
-            <a:extLst>
-              <a:ext uri="{FF2B5EF4-FFF2-40B4-BE49-F238E27FC236}">
-                <a16:creationId xmlns:a16="http://schemas.microsoft.com/office/drawing/2014/main" id="{4FDF8FAF-4339-610B-896C-A6805BD07CD7}"/>
+          <p:cNvPr id="33" name="Rectangle: Rounded Corners 32">
+            <a:extLst>
+              <a:ext uri="{FF2B5EF4-FFF2-40B4-BE49-F238E27FC236}">
+                <a16:creationId xmlns:a16="http://schemas.microsoft.com/office/drawing/2014/main" id="{7F9201C9-BAA3-2FF7-8CA8-D757A3A60FB6}"/>
               </a:ext>
             </a:extLst>
           </p:cNvPr>
@@ -8725,7 +8757,7 @@
         </p:nvSpPr>
         <p:spPr>
           <a:xfrm>
-            <a:off x="11527253" y="4083182"/>
+            <a:off x="10953160" y="5169103"/>
             <a:ext cx="430029" cy="422021"/>
           </a:xfrm>
           <a:prstGeom prst="roundRect">
@@ -8733,17 +8765,105 @@
               <a:gd name="adj" fmla="val 50000"/>
             </a:avLst>
           </a:prstGeom>
-          <a:ln/>
+          <a:solidFill>
+            <a:schemeClr val="bg1">
+              <a:lumMod val="65000"/>
+            </a:schemeClr>
+          </a:solidFill>
+          <a:ln w="38100">
+            <a:noFill/>
+          </a:ln>
+          <a:effectLst>
+            <a:outerShdw blurRad="50800" dist="38100" dir="2700000" algn="tl" rotWithShape="0">
+              <a:prstClr val="black">
+                <a:alpha val="40000"/>
+              </a:prstClr>
+            </a:outerShdw>
+          </a:effectLst>
         </p:spPr>
         <p:style>
-          <a:lnRef idx="0">
-            <a:schemeClr val="accent3"/>
+          <a:lnRef idx="2">
+            <a:schemeClr val="accent1">
+              <a:shade val="50000"/>
+            </a:schemeClr>
           </a:lnRef>
-          <a:fillRef idx="3">
-            <a:schemeClr val="accent3"/>
+          <a:fillRef idx="1">
+            <a:schemeClr val="accent1"/>
           </a:fillRef>
-          <a:effectRef idx="3">
-            <a:schemeClr val="accent3"/>
+          <a:effectRef idx="0">
+            <a:schemeClr val="accent1"/>
+          </a:effectRef>
+          <a:fontRef idx="minor">
+            <a:schemeClr val="lt1"/>
+          </a:fontRef>
+        </p:style>
+        <p:txBody>
+          <a:bodyPr rtlCol="0" anchor="ctr"/>
+          <a:lstStyle/>
+          <a:p>
+            <a:pPr algn="ctr"/>
+            <a:r>
+              <a:rPr lang="zh-CN" altLang="en-US" sz="2000" b="1">
+                <a:solidFill>
+                  <a:schemeClr val="tx1"/>
+                </a:solidFill>
+                <a:latin typeface="微软雅黑" panose="020B0503020204020204" pitchFamily="34" charset="-122"/>
+                <a:ea typeface="微软雅黑" panose="020B0503020204020204" pitchFamily="34" charset="-122"/>
+              </a:rPr>
+              <a:t>♠</a:t>
+            </a:r>
+          </a:p>
+        </p:txBody>
+      </p:sp>
+      <p:sp>
+        <p:nvSpPr>
+          <p:cNvPr id="34" name="Rectangle: Rounded Corners 33">
+            <a:extLst>
+              <a:ext uri="{FF2B5EF4-FFF2-40B4-BE49-F238E27FC236}">
+                <a16:creationId xmlns:a16="http://schemas.microsoft.com/office/drawing/2014/main" id="{354C23CA-42F6-C03C-B656-2387206629DE}"/>
+              </a:ext>
+            </a:extLst>
+          </p:cNvPr>
+          <p:cNvSpPr/>
+          <p:nvPr/>
+        </p:nvSpPr>
+        <p:spPr>
+          <a:xfrm>
+            <a:off x="11664866" y="4568220"/>
+            <a:ext cx="430029" cy="422021"/>
+          </a:xfrm>
+          <a:prstGeom prst="roundRect">
+            <a:avLst>
+              <a:gd name="adj" fmla="val 50000"/>
+            </a:avLst>
+          </a:prstGeom>
+          <a:solidFill>
+            <a:schemeClr val="bg1">
+              <a:lumMod val="65000"/>
+            </a:schemeClr>
+          </a:solidFill>
+          <a:ln w="38100">
+            <a:noFill/>
+          </a:ln>
+          <a:effectLst>
+            <a:outerShdw blurRad="50800" dist="38100" dir="2700000" algn="tl" rotWithShape="0">
+              <a:prstClr val="black">
+                <a:alpha val="40000"/>
+              </a:prstClr>
+            </a:outerShdw>
+          </a:effectLst>
+        </p:spPr>
+        <p:style>
+          <a:lnRef idx="2">
+            <a:schemeClr val="accent1">
+              <a:shade val="50000"/>
+            </a:schemeClr>
+          </a:lnRef>
+          <a:fillRef idx="1">
+            <a:schemeClr val="accent1"/>
+          </a:fillRef>
+          <a:effectRef idx="0">
+            <a:schemeClr val="accent1"/>
           </a:effectRef>
           <a:fontRef idx="minor">
             <a:schemeClr val="lt1"/>
@@ -8763,62 +8883,6 @@
                 <a:ea typeface="微软雅黑" panose="020B0503020204020204" pitchFamily="34" charset="-122"/>
               </a:rPr>
               <a:t>♣</a:t>
-            </a:r>
-          </a:p>
-        </p:txBody>
-      </p:sp>
-      <p:sp>
-        <p:nvSpPr>
-          <p:cNvPr id="28" name="Rectangle: Rounded Corners 27">
-            <a:extLst>
-              <a:ext uri="{FF2B5EF4-FFF2-40B4-BE49-F238E27FC236}">
-                <a16:creationId xmlns:a16="http://schemas.microsoft.com/office/drawing/2014/main" id="{4039D269-17D4-DFFF-048F-64A33F081F7F}"/>
-              </a:ext>
-            </a:extLst>
-          </p:cNvPr>
-          <p:cNvSpPr/>
-          <p:nvPr/>
-        </p:nvSpPr>
-        <p:spPr>
-          <a:xfrm>
-            <a:off x="12064653" y="4083182"/>
-            <a:ext cx="430029" cy="422021"/>
-          </a:xfrm>
-          <a:prstGeom prst="roundRect">
-            <a:avLst>
-              <a:gd name="adj" fmla="val 50000"/>
-            </a:avLst>
-          </a:prstGeom>
-          <a:ln/>
-        </p:spPr>
-        <p:style>
-          <a:lnRef idx="1">
-            <a:schemeClr val="accent3"/>
-          </a:lnRef>
-          <a:fillRef idx="3">
-            <a:schemeClr val="accent3"/>
-          </a:fillRef>
-          <a:effectRef idx="2">
-            <a:schemeClr val="accent3"/>
-          </a:effectRef>
-          <a:fontRef idx="minor">
-            <a:schemeClr val="lt1"/>
-          </a:fontRef>
-        </p:style>
-        <p:txBody>
-          <a:bodyPr rtlCol="0" anchor="ctr"/>
-          <a:lstStyle/>
-          <a:p>
-            <a:pPr algn="ctr"/>
-            <a:r>
-              <a:rPr lang="zh-CN" altLang="en-US" sz="2000" b="1">
-                <a:solidFill>
-                  <a:schemeClr val="tx1"/>
-                </a:solidFill>
-                <a:latin typeface="微软雅黑" panose="020B0503020204020204" pitchFamily="34" charset="-122"/>
-                <a:ea typeface="微软雅黑" panose="020B0503020204020204" pitchFamily="34" charset="-122"/>
-              </a:rPr>
-              <a:t>♦</a:t>
             </a:r>
           </a:p>
         </p:txBody>

--- a/qt_guan_dan/dev_ui_sketch.pptx
+++ b/qt_guan_dan/dev_ui_sketch.pptx
@@ -8810,7 +8810,7 @@
                 <a:latin typeface="微软雅黑" panose="020B0503020204020204" pitchFamily="34" charset="-122"/>
                 <a:ea typeface="微软雅黑" panose="020B0503020204020204" pitchFamily="34" charset="-122"/>
               </a:rPr>
-              <a:t>♠</a:t>
+              <a:t>♦</a:t>
             </a:r>
           </a:p>
         </p:txBody>

--- a/qt_guan_dan/dev_ui_sketch.pptx
+++ b/qt_guan_dan/dev_ui_sketch.pptx
@@ -262,7 +262,7 @@
           <a:p>
             <a:fld id="{6E86E93E-9FC2-4E2D-B23B-44D3A41FB4D3}" type="datetimeFigureOut">
               <a:rPr lang="zh-CN" altLang="en-US" smtClean="0"/>
-              <a:t>2023/5/2</a:t>
+              <a:t>2023/5/5</a:t>
             </a:fld>
             <a:endParaRPr lang="zh-CN" altLang="en-US"/>
           </a:p>
@@ -462,7 +462,7 @@
           <a:p>
             <a:fld id="{6E86E93E-9FC2-4E2D-B23B-44D3A41FB4D3}" type="datetimeFigureOut">
               <a:rPr lang="zh-CN" altLang="en-US" smtClean="0"/>
-              <a:t>2023/5/2</a:t>
+              <a:t>2023/5/5</a:t>
             </a:fld>
             <a:endParaRPr lang="zh-CN" altLang="en-US"/>
           </a:p>
@@ -672,7 +672,7 @@
           <a:p>
             <a:fld id="{6E86E93E-9FC2-4E2D-B23B-44D3A41FB4D3}" type="datetimeFigureOut">
               <a:rPr lang="zh-CN" altLang="en-US" smtClean="0"/>
-              <a:t>2023/5/2</a:t>
+              <a:t>2023/5/5</a:t>
             </a:fld>
             <a:endParaRPr lang="zh-CN" altLang="en-US"/>
           </a:p>
@@ -872,7 +872,7 @@
           <a:p>
             <a:fld id="{6E86E93E-9FC2-4E2D-B23B-44D3A41FB4D3}" type="datetimeFigureOut">
               <a:rPr lang="zh-CN" altLang="en-US" smtClean="0"/>
-              <a:t>2023/5/2</a:t>
+              <a:t>2023/5/5</a:t>
             </a:fld>
             <a:endParaRPr lang="zh-CN" altLang="en-US"/>
           </a:p>
@@ -1148,7 +1148,7 @@
           <a:p>
             <a:fld id="{6E86E93E-9FC2-4E2D-B23B-44D3A41FB4D3}" type="datetimeFigureOut">
               <a:rPr lang="zh-CN" altLang="en-US" smtClean="0"/>
-              <a:t>2023/5/2</a:t>
+              <a:t>2023/5/5</a:t>
             </a:fld>
             <a:endParaRPr lang="zh-CN" altLang="en-US"/>
           </a:p>
@@ -1416,7 +1416,7 @@
           <a:p>
             <a:fld id="{6E86E93E-9FC2-4E2D-B23B-44D3A41FB4D3}" type="datetimeFigureOut">
               <a:rPr lang="zh-CN" altLang="en-US" smtClean="0"/>
-              <a:t>2023/5/2</a:t>
+              <a:t>2023/5/5</a:t>
             </a:fld>
             <a:endParaRPr lang="zh-CN" altLang="en-US"/>
           </a:p>
@@ -1831,7 +1831,7 @@
           <a:p>
             <a:fld id="{6E86E93E-9FC2-4E2D-B23B-44D3A41FB4D3}" type="datetimeFigureOut">
               <a:rPr lang="zh-CN" altLang="en-US" smtClean="0"/>
-              <a:t>2023/5/2</a:t>
+              <a:t>2023/5/5</a:t>
             </a:fld>
             <a:endParaRPr lang="zh-CN" altLang="en-US"/>
           </a:p>
@@ -1973,7 +1973,7 @@
           <a:p>
             <a:fld id="{6E86E93E-9FC2-4E2D-B23B-44D3A41FB4D3}" type="datetimeFigureOut">
               <a:rPr lang="zh-CN" altLang="en-US" smtClean="0"/>
-              <a:t>2023/5/2</a:t>
+              <a:t>2023/5/5</a:t>
             </a:fld>
             <a:endParaRPr lang="zh-CN" altLang="en-US"/>
           </a:p>
@@ -2086,7 +2086,7 @@
           <a:p>
             <a:fld id="{6E86E93E-9FC2-4E2D-B23B-44D3A41FB4D3}" type="datetimeFigureOut">
               <a:rPr lang="zh-CN" altLang="en-US" smtClean="0"/>
-              <a:t>2023/5/2</a:t>
+              <a:t>2023/5/5</a:t>
             </a:fld>
             <a:endParaRPr lang="zh-CN" altLang="en-US"/>
           </a:p>
@@ -2399,7 +2399,7 @@
           <a:p>
             <a:fld id="{6E86E93E-9FC2-4E2D-B23B-44D3A41FB4D3}" type="datetimeFigureOut">
               <a:rPr lang="zh-CN" altLang="en-US" smtClean="0"/>
-              <a:t>2023/5/2</a:t>
+              <a:t>2023/5/5</a:t>
             </a:fld>
             <a:endParaRPr lang="zh-CN" altLang="en-US"/>
           </a:p>
@@ -2688,7 +2688,7 @@
           <a:p>
             <a:fld id="{6E86E93E-9FC2-4E2D-B23B-44D3A41FB4D3}" type="datetimeFigureOut">
               <a:rPr lang="zh-CN" altLang="en-US" smtClean="0"/>
-              <a:t>2023/5/2</a:t>
+              <a:t>2023/5/5</a:t>
             </a:fld>
             <a:endParaRPr lang="zh-CN" altLang="en-US"/>
           </a:p>
@@ -2931,7 +2931,7 @@
           <a:p>
             <a:fld id="{6E86E93E-9FC2-4E2D-B23B-44D3A41FB4D3}" type="datetimeFigureOut">
               <a:rPr lang="zh-CN" altLang="en-US" smtClean="0"/>
-              <a:t>2023/5/2</a:t>
+              <a:t>2023/5/5</a:t>
             </a:fld>
             <a:endParaRPr lang="zh-CN" altLang="en-US"/>
           </a:p>
@@ -5965,7 +5965,7 @@
         </p:nvSpPr>
         <p:spPr>
           <a:xfrm>
-            <a:off x="3922515" y="2532796"/>
+            <a:off x="3922515" y="2112172"/>
             <a:ext cx="1768526" cy="596095"/>
           </a:xfrm>
           <a:prstGeom prst="roundRect">
@@ -6047,7 +6047,7 @@
         </p:nvSpPr>
         <p:spPr>
           <a:xfrm>
-            <a:off x="6774635" y="2515060"/>
+            <a:off x="6774635" y="2094436"/>
             <a:ext cx="1768526" cy="596095"/>
           </a:xfrm>
           <a:prstGeom prst="roundRect">
@@ -8883,6 +8883,47 @@
                 <a:ea typeface="微软雅黑" panose="020B0503020204020204" pitchFamily="34" charset="-122"/>
               </a:rPr>
               <a:t>♣</a:t>
+            </a:r>
+          </a:p>
+        </p:txBody>
+      </p:sp>
+      <p:sp>
+        <p:nvSpPr>
+          <p:cNvPr id="25" name="TextBox 24">
+            <a:extLst>
+              <a:ext uri="{FF2B5EF4-FFF2-40B4-BE49-F238E27FC236}">
+                <a16:creationId xmlns:a16="http://schemas.microsoft.com/office/drawing/2014/main" id="{5E61A7F6-A5EE-E9C8-9090-ED493ED8F3EF}"/>
+              </a:ext>
+            </a:extLst>
+          </p:cNvPr>
+          <p:cNvSpPr txBox="1"/>
+          <p:nvPr/>
+        </p:nvSpPr>
+        <p:spPr>
+          <a:xfrm>
+            <a:off x="2994600" y="928269"/>
+            <a:ext cx="1047856" cy="523220"/>
+          </a:xfrm>
+          <a:prstGeom prst="rect">
+            <a:avLst/>
+          </a:prstGeom>
+          <a:noFill/>
+        </p:spPr>
+        <p:txBody>
+          <a:bodyPr wrap="square" rtlCol="0">
+            <a:spAutoFit/>
+          </a:bodyPr>
+          <a:lstStyle/>
+          <a:p>
+            <a:r>
+              <a:rPr lang="zh-CN" altLang="en-US" sz="2800" b="1">
+                <a:solidFill>
+                  <a:srgbClr val="FFC000"/>
+                </a:solidFill>
+                <a:latin typeface="微软雅黑" panose="020B0503020204020204" pitchFamily="34" charset="-122"/>
+                <a:ea typeface="微软雅黑" panose="020B0503020204020204" pitchFamily="34" charset="-122"/>
+              </a:rPr>
+              <a:t>不出</a:t>
             </a:r>
           </a:p>
         </p:txBody>

--- a/qt_guan_dan/dev_ui_sketch.pptx
+++ b/qt_guan_dan/dev_ui_sketch.pptx
@@ -262,7 +262,7 @@
           <a:p>
             <a:fld id="{6E86E93E-9FC2-4E2D-B23B-44D3A41FB4D3}" type="datetimeFigureOut">
               <a:rPr lang="zh-CN" altLang="en-US" smtClean="0"/>
-              <a:t>2023/5/5</a:t>
+              <a:t>2023/5/7</a:t>
             </a:fld>
             <a:endParaRPr lang="zh-CN" altLang="en-US"/>
           </a:p>
@@ -462,7 +462,7 @@
           <a:p>
             <a:fld id="{6E86E93E-9FC2-4E2D-B23B-44D3A41FB4D3}" type="datetimeFigureOut">
               <a:rPr lang="zh-CN" altLang="en-US" smtClean="0"/>
-              <a:t>2023/5/5</a:t>
+              <a:t>2023/5/7</a:t>
             </a:fld>
             <a:endParaRPr lang="zh-CN" altLang="en-US"/>
           </a:p>
@@ -672,7 +672,7 @@
           <a:p>
             <a:fld id="{6E86E93E-9FC2-4E2D-B23B-44D3A41FB4D3}" type="datetimeFigureOut">
               <a:rPr lang="zh-CN" altLang="en-US" smtClean="0"/>
-              <a:t>2023/5/5</a:t>
+              <a:t>2023/5/7</a:t>
             </a:fld>
             <a:endParaRPr lang="zh-CN" altLang="en-US"/>
           </a:p>
@@ -872,7 +872,7 @@
           <a:p>
             <a:fld id="{6E86E93E-9FC2-4E2D-B23B-44D3A41FB4D3}" type="datetimeFigureOut">
               <a:rPr lang="zh-CN" altLang="en-US" smtClean="0"/>
-              <a:t>2023/5/5</a:t>
+              <a:t>2023/5/7</a:t>
             </a:fld>
             <a:endParaRPr lang="zh-CN" altLang="en-US"/>
           </a:p>
@@ -1148,7 +1148,7 @@
           <a:p>
             <a:fld id="{6E86E93E-9FC2-4E2D-B23B-44D3A41FB4D3}" type="datetimeFigureOut">
               <a:rPr lang="zh-CN" altLang="en-US" smtClean="0"/>
-              <a:t>2023/5/5</a:t>
+              <a:t>2023/5/7</a:t>
             </a:fld>
             <a:endParaRPr lang="zh-CN" altLang="en-US"/>
           </a:p>
@@ -1416,7 +1416,7 @@
           <a:p>
             <a:fld id="{6E86E93E-9FC2-4E2D-B23B-44D3A41FB4D3}" type="datetimeFigureOut">
               <a:rPr lang="zh-CN" altLang="en-US" smtClean="0"/>
-              <a:t>2023/5/5</a:t>
+              <a:t>2023/5/7</a:t>
             </a:fld>
             <a:endParaRPr lang="zh-CN" altLang="en-US"/>
           </a:p>
@@ -1831,7 +1831,7 @@
           <a:p>
             <a:fld id="{6E86E93E-9FC2-4E2D-B23B-44D3A41FB4D3}" type="datetimeFigureOut">
               <a:rPr lang="zh-CN" altLang="en-US" smtClean="0"/>
-              <a:t>2023/5/5</a:t>
+              <a:t>2023/5/7</a:t>
             </a:fld>
             <a:endParaRPr lang="zh-CN" altLang="en-US"/>
           </a:p>
@@ -1973,7 +1973,7 @@
           <a:p>
             <a:fld id="{6E86E93E-9FC2-4E2D-B23B-44D3A41FB4D3}" type="datetimeFigureOut">
               <a:rPr lang="zh-CN" altLang="en-US" smtClean="0"/>
-              <a:t>2023/5/5</a:t>
+              <a:t>2023/5/7</a:t>
             </a:fld>
             <a:endParaRPr lang="zh-CN" altLang="en-US"/>
           </a:p>
@@ -2086,7 +2086,7 @@
           <a:p>
             <a:fld id="{6E86E93E-9FC2-4E2D-B23B-44D3A41FB4D3}" type="datetimeFigureOut">
               <a:rPr lang="zh-CN" altLang="en-US" smtClean="0"/>
-              <a:t>2023/5/5</a:t>
+              <a:t>2023/5/7</a:t>
             </a:fld>
             <a:endParaRPr lang="zh-CN" altLang="en-US"/>
           </a:p>
@@ -2399,7 +2399,7 @@
           <a:p>
             <a:fld id="{6E86E93E-9FC2-4E2D-B23B-44D3A41FB4D3}" type="datetimeFigureOut">
               <a:rPr lang="zh-CN" altLang="en-US" smtClean="0"/>
-              <a:t>2023/5/5</a:t>
+              <a:t>2023/5/7</a:t>
             </a:fld>
             <a:endParaRPr lang="zh-CN" altLang="en-US"/>
           </a:p>
@@ -2688,7 +2688,7 @@
           <a:p>
             <a:fld id="{6E86E93E-9FC2-4E2D-B23B-44D3A41FB4D3}" type="datetimeFigureOut">
               <a:rPr lang="zh-CN" altLang="en-US" smtClean="0"/>
-              <a:t>2023/5/5</a:t>
+              <a:t>2023/5/7</a:t>
             </a:fld>
             <a:endParaRPr lang="zh-CN" altLang="en-US"/>
           </a:p>
@@ -2931,7 +2931,7 @@
           <a:p>
             <a:fld id="{6E86E93E-9FC2-4E2D-B23B-44D3A41FB4D3}" type="datetimeFigureOut">
               <a:rPr lang="zh-CN" altLang="en-US" smtClean="0"/>
-              <a:t>2023/5/5</a:t>
+              <a:t>2023/5/7</a:t>
             </a:fld>
             <a:endParaRPr lang="zh-CN" altLang="en-US"/>
           </a:p>
@@ -8928,6 +8928,825 @@
           </a:p>
         </p:txBody>
       </p:sp>
+      <p:sp>
+        <p:nvSpPr>
+          <p:cNvPr id="37" name="Graphic 35">
+            <a:extLst>
+              <a:ext uri="{FF2B5EF4-FFF2-40B4-BE49-F238E27FC236}">
+                <a16:creationId xmlns:a16="http://schemas.microsoft.com/office/drawing/2014/main" id="{B9F6F2C5-8C11-0D1E-48D8-206110230D9F}"/>
+              </a:ext>
+            </a:extLst>
+          </p:cNvPr>
+          <p:cNvSpPr/>
+          <p:nvPr/>
+        </p:nvSpPr>
+        <p:spPr>
+          <a:xfrm>
+            <a:off x="-5445221" y="4108200"/>
+            <a:ext cx="5241053" cy="5402217"/>
+          </a:xfrm>
+          <a:custGeom>
+            <a:avLst/>
+            <a:gdLst>
+              <a:gd name="connsiteX0" fmla="*/ 4435234 w 5241053"/>
+              <a:gd name="connsiteY0" fmla="*/ 1560068 h 5402217"/>
+              <a:gd name="connsiteX1" fmla="*/ 4380438 w 5241053"/>
+              <a:gd name="connsiteY1" fmla="*/ 1547175 h 5402217"/>
+              <a:gd name="connsiteX2" fmla="*/ 4344982 w 5241053"/>
+              <a:gd name="connsiteY2" fmla="*/ 1502049 h 5402217"/>
+              <a:gd name="connsiteX3" fmla="*/ 4158032 w 5241053"/>
+              <a:gd name="connsiteY3" fmla="*/ 1063683 h 5402217"/>
+              <a:gd name="connsiteX4" fmla="*/ 3687433 w 5241053"/>
+              <a:gd name="connsiteY4" fmla="*/ 857393 h 5402217"/>
+              <a:gd name="connsiteX5" fmla="*/ 3642307 w 5241053"/>
+              <a:gd name="connsiteY5" fmla="*/ 821936 h 5402217"/>
+              <a:gd name="connsiteX6" fmla="*/ 3629414 w 5241053"/>
+              <a:gd name="connsiteY6" fmla="*/ 767141 h 5402217"/>
+              <a:gd name="connsiteX7" fmla="*/ 3642307 w 5241053"/>
+              <a:gd name="connsiteY7" fmla="*/ 712345 h 5402217"/>
+              <a:gd name="connsiteX8" fmla="*/ 3687433 w 5241053"/>
+              <a:gd name="connsiteY8" fmla="*/ 676889 h 5402217"/>
+              <a:gd name="connsiteX9" fmla="*/ 4158032 w 5241053"/>
+              <a:gd name="connsiteY9" fmla="*/ 477045 h 5402217"/>
+              <a:gd name="connsiteX10" fmla="*/ 4344982 w 5241053"/>
+              <a:gd name="connsiteY10" fmla="*/ 58019 h 5402217"/>
+              <a:gd name="connsiteX11" fmla="*/ 4380438 w 5241053"/>
+              <a:gd name="connsiteY11" fmla="*/ 12893 h 5402217"/>
+              <a:gd name="connsiteX12" fmla="*/ 4435234 w 5241053"/>
+              <a:gd name="connsiteY12" fmla="*/ 0 h 5402217"/>
+              <a:gd name="connsiteX13" fmla="*/ 4490030 w 5241053"/>
+              <a:gd name="connsiteY13" fmla="*/ 12893 h 5402217"/>
+              <a:gd name="connsiteX14" fmla="*/ 4525486 w 5241053"/>
+              <a:gd name="connsiteY14" fmla="*/ 58019 h 5402217"/>
+              <a:gd name="connsiteX15" fmla="*/ 4712436 w 5241053"/>
+              <a:gd name="connsiteY15" fmla="*/ 477045 h 5402217"/>
+              <a:gd name="connsiteX16" fmla="*/ 5183035 w 5241053"/>
+              <a:gd name="connsiteY16" fmla="*/ 676889 h 5402217"/>
+              <a:gd name="connsiteX17" fmla="*/ 5228161 w 5241053"/>
+              <a:gd name="connsiteY17" fmla="*/ 712345 h 5402217"/>
+              <a:gd name="connsiteX18" fmla="*/ 5241054 w 5241053"/>
+              <a:gd name="connsiteY18" fmla="*/ 767141 h 5402217"/>
+              <a:gd name="connsiteX19" fmla="*/ 5228161 w 5241053"/>
+              <a:gd name="connsiteY19" fmla="*/ 821936 h 5402217"/>
+              <a:gd name="connsiteX20" fmla="*/ 5183035 w 5241053"/>
+              <a:gd name="connsiteY20" fmla="*/ 857393 h 5402217"/>
+              <a:gd name="connsiteX21" fmla="*/ 4712436 w 5241053"/>
+              <a:gd name="connsiteY21" fmla="*/ 1063683 h 5402217"/>
+              <a:gd name="connsiteX22" fmla="*/ 4525486 w 5241053"/>
+              <a:gd name="connsiteY22" fmla="*/ 1502049 h 5402217"/>
+              <a:gd name="connsiteX23" fmla="*/ 4490030 w 5241053"/>
+              <a:gd name="connsiteY23" fmla="*/ 1547175 h 5402217"/>
+              <a:gd name="connsiteX24" fmla="*/ 4435234 w 5241053"/>
+              <a:gd name="connsiteY24" fmla="*/ 1560068 h 5402217"/>
+              <a:gd name="connsiteX25" fmla="*/ 4435234 w 5241053"/>
+              <a:gd name="connsiteY25" fmla="*/ 5402218 h 5402217"/>
+              <a:gd name="connsiteX26" fmla="*/ 4383661 w 5241053"/>
+              <a:gd name="connsiteY26" fmla="*/ 5389325 h 5402217"/>
+              <a:gd name="connsiteX27" fmla="*/ 4344982 w 5241053"/>
+              <a:gd name="connsiteY27" fmla="*/ 5344199 h 5402217"/>
+              <a:gd name="connsiteX28" fmla="*/ 4158032 w 5241053"/>
+              <a:gd name="connsiteY28" fmla="*/ 4925172 h 5402217"/>
+              <a:gd name="connsiteX29" fmla="*/ 3693879 w 5241053"/>
+              <a:gd name="connsiteY29" fmla="*/ 4725329 h 5402217"/>
+              <a:gd name="connsiteX30" fmla="*/ 3648753 w 5241053"/>
+              <a:gd name="connsiteY30" fmla="*/ 4689873 h 5402217"/>
+              <a:gd name="connsiteX31" fmla="*/ 3635860 w 5241053"/>
+              <a:gd name="connsiteY31" fmla="*/ 4635077 h 5402217"/>
+              <a:gd name="connsiteX32" fmla="*/ 3648753 w 5241053"/>
+              <a:gd name="connsiteY32" fmla="*/ 4580281 h 5402217"/>
+              <a:gd name="connsiteX33" fmla="*/ 3693879 w 5241053"/>
+              <a:gd name="connsiteY33" fmla="*/ 4544825 h 5402217"/>
+              <a:gd name="connsiteX34" fmla="*/ 4158032 w 5241053"/>
+              <a:gd name="connsiteY34" fmla="*/ 4344982 h 5402217"/>
+              <a:gd name="connsiteX35" fmla="*/ 4344982 w 5241053"/>
+              <a:gd name="connsiteY35" fmla="*/ 3900169 h 5402217"/>
+              <a:gd name="connsiteX36" fmla="*/ 4380438 w 5241053"/>
+              <a:gd name="connsiteY36" fmla="*/ 3855043 h 5402217"/>
+              <a:gd name="connsiteX37" fmla="*/ 4435234 w 5241053"/>
+              <a:gd name="connsiteY37" fmla="*/ 3842150 h 5402217"/>
+              <a:gd name="connsiteX38" fmla="*/ 4490030 w 5241053"/>
+              <a:gd name="connsiteY38" fmla="*/ 3855043 h 5402217"/>
+              <a:gd name="connsiteX39" fmla="*/ 4525486 w 5241053"/>
+              <a:gd name="connsiteY39" fmla="*/ 3900169 h 5402217"/>
+              <a:gd name="connsiteX40" fmla="*/ 4712436 w 5241053"/>
+              <a:gd name="connsiteY40" fmla="*/ 4344982 h 5402217"/>
+              <a:gd name="connsiteX41" fmla="*/ 5176588 w 5241053"/>
+              <a:gd name="connsiteY41" fmla="*/ 4544825 h 5402217"/>
+              <a:gd name="connsiteX42" fmla="*/ 5221714 w 5241053"/>
+              <a:gd name="connsiteY42" fmla="*/ 4580281 h 5402217"/>
+              <a:gd name="connsiteX43" fmla="*/ 5234607 w 5241053"/>
+              <a:gd name="connsiteY43" fmla="*/ 4635077 h 5402217"/>
+              <a:gd name="connsiteX44" fmla="*/ 5221714 w 5241053"/>
+              <a:gd name="connsiteY44" fmla="*/ 4689873 h 5402217"/>
+              <a:gd name="connsiteX45" fmla="*/ 5176588 w 5241053"/>
+              <a:gd name="connsiteY45" fmla="*/ 4725329 h 5402217"/>
+              <a:gd name="connsiteX46" fmla="*/ 4712436 w 5241053"/>
+              <a:gd name="connsiteY46" fmla="*/ 4925172 h 5402217"/>
+              <a:gd name="connsiteX47" fmla="*/ 4525486 w 5241053"/>
+              <a:gd name="connsiteY47" fmla="*/ 5344199 h 5402217"/>
+              <a:gd name="connsiteX48" fmla="*/ 4486806 w 5241053"/>
+              <a:gd name="connsiteY48" fmla="*/ 5389325 h 5402217"/>
+              <a:gd name="connsiteX49" fmla="*/ 4435234 w 5241053"/>
+              <a:gd name="connsiteY49" fmla="*/ 5402218 h 5402217"/>
+              <a:gd name="connsiteX50" fmla="*/ 1605194 w 5241053"/>
+              <a:gd name="connsiteY50" fmla="*/ 4286963 h 5402217"/>
+              <a:gd name="connsiteX51" fmla="*/ 1505272 w 5241053"/>
+              <a:gd name="connsiteY51" fmla="*/ 4257953 h 5402217"/>
+              <a:gd name="connsiteX52" fmla="*/ 1431136 w 5241053"/>
+              <a:gd name="connsiteY52" fmla="*/ 4177371 h 5402217"/>
+              <a:gd name="connsiteX53" fmla="*/ 1012110 w 5241053"/>
+              <a:gd name="connsiteY53" fmla="*/ 3281299 h 5402217"/>
+              <a:gd name="connsiteX54" fmla="*/ 109592 w 5241053"/>
+              <a:gd name="connsiteY54" fmla="*/ 2875166 h 5402217"/>
+              <a:gd name="connsiteX55" fmla="*/ 29010 w 5241053"/>
+              <a:gd name="connsiteY55" fmla="*/ 2801031 h 5402217"/>
+              <a:gd name="connsiteX56" fmla="*/ 0 w 5241053"/>
+              <a:gd name="connsiteY56" fmla="*/ 2701109 h 5402217"/>
+              <a:gd name="connsiteX57" fmla="*/ 29010 w 5241053"/>
+              <a:gd name="connsiteY57" fmla="*/ 2601187 h 5402217"/>
+              <a:gd name="connsiteX58" fmla="*/ 109592 w 5241053"/>
+              <a:gd name="connsiteY58" fmla="*/ 2527052 h 5402217"/>
+              <a:gd name="connsiteX59" fmla="*/ 1012110 w 5241053"/>
+              <a:gd name="connsiteY59" fmla="*/ 2120919 h 5402217"/>
+              <a:gd name="connsiteX60" fmla="*/ 1431136 w 5241053"/>
+              <a:gd name="connsiteY60" fmla="*/ 1231293 h 5402217"/>
+              <a:gd name="connsiteX61" fmla="*/ 1505272 w 5241053"/>
+              <a:gd name="connsiteY61" fmla="*/ 1144265 h 5402217"/>
+              <a:gd name="connsiteX62" fmla="*/ 1605194 w 5241053"/>
+              <a:gd name="connsiteY62" fmla="*/ 1115255 h 5402217"/>
+              <a:gd name="connsiteX63" fmla="*/ 1705115 w 5241053"/>
+              <a:gd name="connsiteY63" fmla="*/ 1144265 h 5402217"/>
+              <a:gd name="connsiteX64" fmla="*/ 1779251 w 5241053"/>
+              <a:gd name="connsiteY64" fmla="*/ 1224847 h 5402217"/>
+              <a:gd name="connsiteX65" fmla="*/ 2204724 w 5241053"/>
+              <a:gd name="connsiteY65" fmla="*/ 2120919 h 5402217"/>
+              <a:gd name="connsiteX66" fmla="*/ 3100796 w 5241053"/>
+              <a:gd name="connsiteY66" fmla="*/ 2527052 h 5402217"/>
+              <a:gd name="connsiteX67" fmla="*/ 3187824 w 5241053"/>
+              <a:gd name="connsiteY67" fmla="*/ 2601187 h 5402217"/>
+              <a:gd name="connsiteX68" fmla="*/ 3216834 w 5241053"/>
+              <a:gd name="connsiteY68" fmla="*/ 2701109 h 5402217"/>
+              <a:gd name="connsiteX69" fmla="*/ 3187824 w 5241053"/>
+              <a:gd name="connsiteY69" fmla="*/ 2801031 h 5402217"/>
+              <a:gd name="connsiteX70" fmla="*/ 3100796 w 5241053"/>
+              <a:gd name="connsiteY70" fmla="*/ 2875166 h 5402217"/>
+              <a:gd name="connsiteX71" fmla="*/ 2204724 w 5241053"/>
+              <a:gd name="connsiteY71" fmla="*/ 3281299 h 5402217"/>
+              <a:gd name="connsiteX72" fmla="*/ 1779251 w 5241053"/>
+              <a:gd name="connsiteY72" fmla="*/ 4177371 h 5402217"/>
+              <a:gd name="connsiteX73" fmla="*/ 1705115 w 5241053"/>
+              <a:gd name="connsiteY73" fmla="*/ 4261177 h 5402217"/>
+              <a:gd name="connsiteX74" fmla="*/ 1605194 w 5241053"/>
+              <a:gd name="connsiteY74" fmla="*/ 4286963 h 5402217"/>
+              <a:gd name="connsiteX75" fmla="*/ 1605194 w 5241053"/>
+              <a:gd name="connsiteY75" fmla="*/ 3597181 h 5402217"/>
+              <a:gd name="connsiteX76" fmla="*/ 1914629 w 5241053"/>
+              <a:gd name="connsiteY76" fmla="*/ 2978311 h 5402217"/>
+              <a:gd name="connsiteX77" fmla="*/ 2546391 w 5241053"/>
+              <a:gd name="connsiteY77" fmla="*/ 2701109 h 5402217"/>
+              <a:gd name="connsiteX78" fmla="*/ 1914629 w 5241053"/>
+              <a:gd name="connsiteY78" fmla="*/ 2423907 h 5402217"/>
+              <a:gd name="connsiteX79" fmla="*/ 1605194 w 5241053"/>
+              <a:gd name="connsiteY79" fmla="*/ 1805037 h 5402217"/>
+              <a:gd name="connsiteX80" fmla="*/ 1302205 w 5241053"/>
+              <a:gd name="connsiteY80" fmla="*/ 2423907 h 5402217"/>
+              <a:gd name="connsiteX81" fmla="*/ 663996 w 5241053"/>
+              <a:gd name="connsiteY81" fmla="*/ 2701109 h 5402217"/>
+              <a:gd name="connsiteX82" fmla="*/ 1302205 w 5241053"/>
+              <a:gd name="connsiteY82" fmla="*/ 2978311 h 5402217"/>
+              <a:gd name="connsiteX83" fmla="*/ 1605194 w 5241053"/>
+              <a:gd name="connsiteY83" fmla="*/ 3597181 h 5402217"/>
+            </a:gdLst>
+            <a:ahLst/>
+            <a:cxnLst>
+              <a:cxn ang="0">
+                <a:pos x="connsiteX0" y="connsiteY0"/>
+              </a:cxn>
+              <a:cxn ang="0">
+                <a:pos x="connsiteX1" y="connsiteY1"/>
+              </a:cxn>
+              <a:cxn ang="0">
+                <a:pos x="connsiteX2" y="connsiteY2"/>
+              </a:cxn>
+              <a:cxn ang="0">
+                <a:pos x="connsiteX3" y="connsiteY3"/>
+              </a:cxn>
+              <a:cxn ang="0">
+                <a:pos x="connsiteX4" y="connsiteY4"/>
+              </a:cxn>
+              <a:cxn ang="0">
+                <a:pos x="connsiteX5" y="connsiteY5"/>
+              </a:cxn>
+              <a:cxn ang="0">
+                <a:pos x="connsiteX6" y="connsiteY6"/>
+              </a:cxn>
+              <a:cxn ang="0">
+                <a:pos x="connsiteX7" y="connsiteY7"/>
+              </a:cxn>
+              <a:cxn ang="0">
+                <a:pos x="connsiteX8" y="connsiteY8"/>
+              </a:cxn>
+              <a:cxn ang="0">
+                <a:pos x="connsiteX9" y="connsiteY9"/>
+              </a:cxn>
+              <a:cxn ang="0">
+                <a:pos x="connsiteX10" y="connsiteY10"/>
+              </a:cxn>
+              <a:cxn ang="0">
+                <a:pos x="connsiteX11" y="connsiteY11"/>
+              </a:cxn>
+              <a:cxn ang="0">
+                <a:pos x="connsiteX12" y="connsiteY12"/>
+              </a:cxn>
+              <a:cxn ang="0">
+                <a:pos x="connsiteX13" y="connsiteY13"/>
+              </a:cxn>
+              <a:cxn ang="0">
+                <a:pos x="connsiteX14" y="connsiteY14"/>
+              </a:cxn>
+              <a:cxn ang="0">
+                <a:pos x="connsiteX15" y="connsiteY15"/>
+              </a:cxn>
+              <a:cxn ang="0">
+                <a:pos x="connsiteX16" y="connsiteY16"/>
+              </a:cxn>
+              <a:cxn ang="0">
+                <a:pos x="connsiteX17" y="connsiteY17"/>
+              </a:cxn>
+              <a:cxn ang="0">
+                <a:pos x="connsiteX18" y="connsiteY18"/>
+              </a:cxn>
+              <a:cxn ang="0">
+                <a:pos x="connsiteX19" y="connsiteY19"/>
+              </a:cxn>
+              <a:cxn ang="0">
+                <a:pos x="connsiteX20" y="connsiteY20"/>
+              </a:cxn>
+              <a:cxn ang="0">
+                <a:pos x="connsiteX21" y="connsiteY21"/>
+              </a:cxn>
+              <a:cxn ang="0">
+                <a:pos x="connsiteX22" y="connsiteY22"/>
+              </a:cxn>
+              <a:cxn ang="0">
+                <a:pos x="connsiteX23" y="connsiteY23"/>
+              </a:cxn>
+              <a:cxn ang="0">
+                <a:pos x="connsiteX24" y="connsiteY24"/>
+              </a:cxn>
+              <a:cxn ang="0">
+                <a:pos x="connsiteX25" y="connsiteY25"/>
+              </a:cxn>
+              <a:cxn ang="0">
+                <a:pos x="connsiteX26" y="connsiteY26"/>
+              </a:cxn>
+              <a:cxn ang="0">
+                <a:pos x="connsiteX27" y="connsiteY27"/>
+              </a:cxn>
+              <a:cxn ang="0">
+                <a:pos x="connsiteX28" y="connsiteY28"/>
+              </a:cxn>
+              <a:cxn ang="0">
+                <a:pos x="connsiteX29" y="connsiteY29"/>
+              </a:cxn>
+              <a:cxn ang="0">
+                <a:pos x="connsiteX30" y="connsiteY30"/>
+              </a:cxn>
+              <a:cxn ang="0">
+                <a:pos x="connsiteX31" y="connsiteY31"/>
+              </a:cxn>
+              <a:cxn ang="0">
+                <a:pos x="connsiteX32" y="connsiteY32"/>
+              </a:cxn>
+              <a:cxn ang="0">
+                <a:pos x="connsiteX33" y="connsiteY33"/>
+              </a:cxn>
+              <a:cxn ang="0">
+                <a:pos x="connsiteX34" y="connsiteY34"/>
+              </a:cxn>
+              <a:cxn ang="0">
+                <a:pos x="connsiteX35" y="connsiteY35"/>
+              </a:cxn>
+              <a:cxn ang="0">
+                <a:pos x="connsiteX36" y="connsiteY36"/>
+              </a:cxn>
+              <a:cxn ang="0">
+                <a:pos x="connsiteX37" y="connsiteY37"/>
+              </a:cxn>
+              <a:cxn ang="0">
+                <a:pos x="connsiteX38" y="connsiteY38"/>
+              </a:cxn>
+              <a:cxn ang="0">
+                <a:pos x="connsiteX39" y="connsiteY39"/>
+              </a:cxn>
+              <a:cxn ang="0">
+                <a:pos x="connsiteX40" y="connsiteY40"/>
+              </a:cxn>
+              <a:cxn ang="0">
+                <a:pos x="connsiteX41" y="connsiteY41"/>
+              </a:cxn>
+              <a:cxn ang="0">
+                <a:pos x="connsiteX42" y="connsiteY42"/>
+              </a:cxn>
+              <a:cxn ang="0">
+                <a:pos x="connsiteX43" y="connsiteY43"/>
+              </a:cxn>
+              <a:cxn ang="0">
+                <a:pos x="connsiteX44" y="connsiteY44"/>
+              </a:cxn>
+              <a:cxn ang="0">
+                <a:pos x="connsiteX45" y="connsiteY45"/>
+              </a:cxn>
+              <a:cxn ang="0">
+                <a:pos x="connsiteX46" y="connsiteY46"/>
+              </a:cxn>
+              <a:cxn ang="0">
+                <a:pos x="connsiteX47" y="connsiteY47"/>
+              </a:cxn>
+              <a:cxn ang="0">
+                <a:pos x="connsiteX48" y="connsiteY48"/>
+              </a:cxn>
+              <a:cxn ang="0">
+                <a:pos x="connsiteX49" y="connsiteY49"/>
+              </a:cxn>
+              <a:cxn ang="0">
+                <a:pos x="connsiteX50" y="connsiteY50"/>
+              </a:cxn>
+              <a:cxn ang="0">
+                <a:pos x="connsiteX51" y="connsiteY51"/>
+              </a:cxn>
+              <a:cxn ang="0">
+                <a:pos x="connsiteX52" y="connsiteY52"/>
+              </a:cxn>
+              <a:cxn ang="0">
+                <a:pos x="connsiteX53" y="connsiteY53"/>
+              </a:cxn>
+              <a:cxn ang="0">
+                <a:pos x="connsiteX54" y="connsiteY54"/>
+              </a:cxn>
+              <a:cxn ang="0">
+                <a:pos x="connsiteX55" y="connsiteY55"/>
+              </a:cxn>
+              <a:cxn ang="0">
+                <a:pos x="connsiteX56" y="connsiteY56"/>
+              </a:cxn>
+              <a:cxn ang="0">
+                <a:pos x="connsiteX57" y="connsiteY57"/>
+              </a:cxn>
+              <a:cxn ang="0">
+                <a:pos x="connsiteX58" y="connsiteY58"/>
+              </a:cxn>
+              <a:cxn ang="0">
+                <a:pos x="connsiteX59" y="connsiteY59"/>
+              </a:cxn>
+              <a:cxn ang="0">
+                <a:pos x="connsiteX60" y="connsiteY60"/>
+              </a:cxn>
+              <a:cxn ang="0">
+                <a:pos x="connsiteX61" y="connsiteY61"/>
+              </a:cxn>
+              <a:cxn ang="0">
+                <a:pos x="connsiteX62" y="connsiteY62"/>
+              </a:cxn>
+              <a:cxn ang="0">
+                <a:pos x="connsiteX63" y="connsiteY63"/>
+              </a:cxn>
+              <a:cxn ang="0">
+                <a:pos x="connsiteX64" y="connsiteY64"/>
+              </a:cxn>
+              <a:cxn ang="0">
+                <a:pos x="connsiteX65" y="connsiteY65"/>
+              </a:cxn>
+              <a:cxn ang="0">
+                <a:pos x="connsiteX66" y="connsiteY66"/>
+              </a:cxn>
+              <a:cxn ang="0">
+                <a:pos x="connsiteX67" y="connsiteY67"/>
+              </a:cxn>
+              <a:cxn ang="0">
+                <a:pos x="connsiteX68" y="connsiteY68"/>
+              </a:cxn>
+              <a:cxn ang="0">
+                <a:pos x="connsiteX69" y="connsiteY69"/>
+              </a:cxn>
+              <a:cxn ang="0">
+                <a:pos x="connsiteX70" y="connsiteY70"/>
+              </a:cxn>
+              <a:cxn ang="0">
+                <a:pos x="connsiteX71" y="connsiteY71"/>
+              </a:cxn>
+              <a:cxn ang="0">
+                <a:pos x="connsiteX72" y="connsiteY72"/>
+              </a:cxn>
+              <a:cxn ang="0">
+                <a:pos x="connsiteX73" y="connsiteY73"/>
+              </a:cxn>
+              <a:cxn ang="0">
+                <a:pos x="connsiteX74" y="connsiteY74"/>
+              </a:cxn>
+              <a:cxn ang="0">
+                <a:pos x="connsiteX75" y="connsiteY75"/>
+              </a:cxn>
+              <a:cxn ang="0">
+                <a:pos x="connsiteX76" y="connsiteY76"/>
+              </a:cxn>
+              <a:cxn ang="0">
+                <a:pos x="connsiteX77" y="connsiteY77"/>
+              </a:cxn>
+              <a:cxn ang="0">
+                <a:pos x="connsiteX78" y="connsiteY78"/>
+              </a:cxn>
+              <a:cxn ang="0">
+                <a:pos x="connsiteX79" y="connsiteY79"/>
+              </a:cxn>
+              <a:cxn ang="0">
+                <a:pos x="connsiteX80" y="connsiteY80"/>
+              </a:cxn>
+              <a:cxn ang="0">
+                <a:pos x="connsiteX81" y="connsiteY81"/>
+              </a:cxn>
+              <a:cxn ang="0">
+                <a:pos x="connsiteX82" y="connsiteY82"/>
+              </a:cxn>
+              <a:cxn ang="0">
+                <a:pos x="connsiteX83" y="connsiteY83"/>
+              </a:cxn>
+            </a:cxnLst>
+            <a:rect l="l" t="t" r="r" b="b"/>
+            <a:pathLst>
+              <a:path w="5241053" h="5402217">
+                <a:moveTo>
+                  <a:pt x="4435234" y="1560068"/>
+                </a:moveTo>
+                <a:cubicBezTo>
+                  <a:pt x="4413747" y="1560068"/>
+                  <a:pt x="4395478" y="1555768"/>
+                  <a:pt x="4380438" y="1547175"/>
+                </a:cubicBezTo>
+                <a:cubicBezTo>
+                  <a:pt x="4365398" y="1538581"/>
+                  <a:pt x="4353575" y="1523535"/>
+                  <a:pt x="4344982" y="1502049"/>
+                </a:cubicBezTo>
+                <a:lnTo>
+                  <a:pt x="4158032" y="1063683"/>
+                </a:lnTo>
+                <a:lnTo>
+                  <a:pt x="3687433" y="857393"/>
+                </a:lnTo>
+                <a:cubicBezTo>
+                  <a:pt x="3665946" y="848799"/>
+                  <a:pt x="3650900" y="836976"/>
+                  <a:pt x="3642307" y="821936"/>
+                </a:cubicBezTo>
+                <a:cubicBezTo>
+                  <a:pt x="3633713" y="806897"/>
+                  <a:pt x="3629414" y="788627"/>
+                  <a:pt x="3629414" y="767141"/>
+                </a:cubicBezTo>
+                <a:cubicBezTo>
+                  <a:pt x="3629414" y="745654"/>
+                  <a:pt x="3633713" y="727385"/>
+                  <a:pt x="3642307" y="712345"/>
+                </a:cubicBezTo>
+                <a:cubicBezTo>
+                  <a:pt x="3650900" y="697305"/>
+                  <a:pt x="3665946" y="685482"/>
+                  <a:pt x="3687433" y="676889"/>
+                </a:cubicBezTo>
+                <a:lnTo>
+                  <a:pt x="4158032" y="477045"/>
+                </a:lnTo>
+                <a:lnTo>
+                  <a:pt x="4344982" y="58019"/>
+                </a:lnTo>
+                <a:cubicBezTo>
+                  <a:pt x="4353575" y="36533"/>
+                  <a:pt x="4365398" y="21486"/>
+                  <a:pt x="4380438" y="12893"/>
+                </a:cubicBezTo>
+                <a:cubicBezTo>
+                  <a:pt x="4395478" y="4300"/>
+                  <a:pt x="4413747" y="0"/>
+                  <a:pt x="4435234" y="0"/>
+                </a:cubicBezTo>
+                <a:cubicBezTo>
+                  <a:pt x="4456720" y="0"/>
+                  <a:pt x="4474990" y="4300"/>
+                  <a:pt x="4490030" y="12893"/>
+                </a:cubicBezTo>
+                <a:cubicBezTo>
+                  <a:pt x="4505069" y="21486"/>
+                  <a:pt x="4516892" y="36533"/>
+                  <a:pt x="4525486" y="58019"/>
+                </a:cubicBezTo>
+                <a:lnTo>
+                  <a:pt x="4712436" y="477045"/>
+                </a:lnTo>
+                <a:lnTo>
+                  <a:pt x="5183035" y="676889"/>
+                </a:lnTo>
+                <a:cubicBezTo>
+                  <a:pt x="5204521" y="685482"/>
+                  <a:pt x="5219567" y="697305"/>
+                  <a:pt x="5228161" y="712345"/>
+                </a:cubicBezTo>
+                <a:cubicBezTo>
+                  <a:pt x="5236754" y="727385"/>
+                  <a:pt x="5241054" y="745654"/>
+                  <a:pt x="5241054" y="767141"/>
+                </a:cubicBezTo>
+                <a:cubicBezTo>
+                  <a:pt x="5241054" y="788627"/>
+                  <a:pt x="5236754" y="806897"/>
+                  <a:pt x="5228161" y="821936"/>
+                </a:cubicBezTo>
+                <a:cubicBezTo>
+                  <a:pt x="5219567" y="836976"/>
+                  <a:pt x="5204521" y="848799"/>
+                  <a:pt x="5183035" y="857393"/>
+                </a:cubicBezTo>
+                <a:lnTo>
+                  <a:pt x="4712436" y="1063683"/>
+                </a:lnTo>
+                <a:lnTo>
+                  <a:pt x="4525486" y="1502049"/>
+                </a:lnTo>
+                <a:cubicBezTo>
+                  <a:pt x="4516892" y="1523535"/>
+                  <a:pt x="4505069" y="1538581"/>
+                  <a:pt x="4490030" y="1547175"/>
+                </a:cubicBezTo>
+                <a:cubicBezTo>
+                  <a:pt x="4474990" y="1555768"/>
+                  <a:pt x="4456720" y="1560068"/>
+                  <a:pt x="4435234" y="1560068"/>
+                </a:cubicBezTo>
+                <a:close/>
+                <a:moveTo>
+                  <a:pt x="4435234" y="5402218"/>
+                </a:moveTo>
+                <a:cubicBezTo>
+                  <a:pt x="4418041" y="5402218"/>
+                  <a:pt x="4400854" y="5397918"/>
+                  <a:pt x="4383661" y="5389325"/>
+                </a:cubicBezTo>
+                <a:cubicBezTo>
+                  <a:pt x="4366468" y="5380731"/>
+                  <a:pt x="4353575" y="5365685"/>
+                  <a:pt x="4344982" y="5344199"/>
+                </a:cubicBezTo>
+                <a:lnTo>
+                  <a:pt x="4158032" y="4925172"/>
+                </a:lnTo>
+                <a:lnTo>
+                  <a:pt x="3693879" y="4725329"/>
+                </a:lnTo>
+                <a:cubicBezTo>
+                  <a:pt x="3672393" y="4716736"/>
+                  <a:pt x="3657347" y="4704913"/>
+                  <a:pt x="3648753" y="4689873"/>
+                </a:cubicBezTo>
+                <a:cubicBezTo>
+                  <a:pt x="3640160" y="4674833"/>
+                  <a:pt x="3635860" y="4656564"/>
+                  <a:pt x="3635860" y="4635077"/>
+                </a:cubicBezTo>
+                <a:cubicBezTo>
+                  <a:pt x="3635860" y="4613591"/>
+                  <a:pt x="3640160" y="4595321"/>
+                  <a:pt x="3648753" y="4580281"/>
+                </a:cubicBezTo>
+                <a:cubicBezTo>
+                  <a:pt x="3657347" y="4565242"/>
+                  <a:pt x="3672393" y="4553419"/>
+                  <a:pt x="3693879" y="4544825"/>
+                </a:cubicBezTo>
+                <a:lnTo>
+                  <a:pt x="4158032" y="4344982"/>
+                </a:lnTo>
+                <a:lnTo>
+                  <a:pt x="4344982" y="3900169"/>
+                </a:lnTo>
+                <a:cubicBezTo>
+                  <a:pt x="4353575" y="3878683"/>
+                  <a:pt x="4365398" y="3863637"/>
+                  <a:pt x="4380438" y="3855043"/>
+                </a:cubicBezTo>
+                <a:cubicBezTo>
+                  <a:pt x="4395478" y="3846450"/>
+                  <a:pt x="4413747" y="3842150"/>
+                  <a:pt x="4435234" y="3842150"/>
+                </a:cubicBezTo>
+                <a:cubicBezTo>
+                  <a:pt x="4456720" y="3842150"/>
+                  <a:pt x="4474990" y="3846450"/>
+                  <a:pt x="4490030" y="3855043"/>
+                </a:cubicBezTo>
+                <a:cubicBezTo>
+                  <a:pt x="4505069" y="3863637"/>
+                  <a:pt x="4516892" y="3878683"/>
+                  <a:pt x="4525486" y="3900169"/>
+                </a:cubicBezTo>
+                <a:lnTo>
+                  <a:pt x="4712436" y="4344982"/>
+                </a:lnTo>
+                <a:lnTo>
+                  <a:pt x="5176588" y="4544825"/>
+                </a:lnTo>
+                <a:cubicBezTo>
+                  <a:pt x="5198075" y="4553419"/>
+                  <a:pt x="5213121" y="4565242"/>
+                  <a:pt x="5221714" y="4580281"/>
+                </a:cubicBezTo>
+                <a:cubicBezTo>
+                  <a:pt x="5230308" y="4595321"/>
+                  <a:pt x="5234607" y="4613591"/>
+                  <a:pt x="5234607" y="4635077"/>
+                </a:cubicBezTo>
+                <a:cubicBezTo>
+                  <a:pt x="5234607" y="4656564"/>
+                  <a:pt x="5230308" y="4674833"/>
+                  <a:pt x="5221714" y="4689873"/>
+                </a:cubicBezTo>
+                <a:cubicBezTo>
+                  <a:pt x="5213121" y="4704913"/>
+                  <a:pt x="5198075" y="4716736"/>
+                  <a:pt x="5176588" y="4725329"/>
+                </a:cubicBezTo>
+                <a:lnTo>
+                  <a:pt x="4712436" y="4925172"/>
+                </a:lnTo>
+                <a:lnTo>
+                  <a:pt x="4525486" y="5344199"/>
+                </a:lnTo>
+                <a:cubicBezTo>
+                  <a:pt x="4516892" y="5365685"/>
+                  <a:pt x="4503999" y="5380731"/>
+                  <a:pt x="4486806" y="5389325"/>
+                </a:cubicBezTo>
+                <a:cubicBezTo>
+                  <a:pt x="4469613" y="5397918"/>
+                  <a:pt x="4452427" y="5402218"/>
+                  <a:pt x="4435234" y="5402218"/>
+                </a:cubicBezTo>
+                <a:close/>
+                <a:moveTo>
+                  <a:pt x="1605194" y="4286963"/>
+                </a:moveTo>
+                <a:cubicBezTo>
+                  <a:pt x="1570814" y="4286963"/>
+                  <a:pt x="1537505" y="4277293"/>
+                  <a:pt x="1505272" y="4257953"/>
+                </a:cubicBezTo>
+                <a:cubicBezTo>
+                  <a:pt x="1473039" y="4238614"/>
+                  <a:pt x="1448329" y="4211751"/>
+                  <a:pt x="1431136" y="4177371"/>
+                </a:cubicBezTo>
+                <a:lnTo>
+                  <a:pt x="1012110" y="3281299"/>
+                </a:lnTo>
+                <a:lnTo>
+                  <a:pt x="109592" y="2875166"/>
+                </a:lnTo>
+                <a:cubicBezTo>
+                  <a:pt x="75210" y="2857973"/>
+                  <a:pt x="48349" y="2833263"/>
+                  <a:pt x="29010" y="2801031"/>
+                </a:cubicBezTo>
+                <a:cubicBezTo>
+                  <a:pt x="9670" y="2768798"/>
+                  <a:pt x="0" y="2735488"/>
+                  <a:pt x="0" y="2701109"/>
+                </a:cubicBezTo>
+                <a:cubicBezTo>
+                  <a:pt x="0" y="2666729"/>
+                  <a:pt x="9670" y="2633420"/>
+                  <a:pt x="29010" y="2601187"/>
+                </a:cubicBezTo>
+                <a:cubicBezTo>
+                  <a:pt x="48349" y="2568954"/>
+                  <a:pt x="75210" y="2544245"/>
+                  <a:pt x="109592" y="2527052"/>
+                </a:cubicBezTo>
+                <a:lnTo>
+                  <a:pt x="1012110" y="2120919"/>
+                </a:lnTo>
+                <a:lnTo>
+                  <a:pt x="1431136" y="1231293"/>
+                </a:lnTo>
+                <a:cubicBezTo>
+                  <a:pt x="1448329" y="1192614"/>
+                  <a:pt x="1473039" y="1163604"/>
+                  <a:pt x="1505272" y="1144265"/>
+                </a:cubicBezTo>
+                <a:cubicBezTo>
+                  <a:pt x="1537505" y="1124925"/>
+                  <a:pt x="1570814" y="1115255"/>
+                  <a:pt x="1605194" y="1115255"/>
+                </a:cubicBezTo>
+                <a:cubicBezTo>
+                  <a:pt x="1639573" y="1115255"/>
+                  <a:pt x="1672882" y="1124925"/>
+                  <a:pt x="1705115" y="1144265"/>
+                </a:cubicBezTo>
+                <a:cubicBezTo>
+                  <a:pt x="1737348" y="1163604"/>
+                  <a:pt x="1762058" y="1190467"/>
+                  <a:pt x="1779251" y="1224847"/>
+                </a:cubicBezTo>
+                <a:lnTo>
+                  <a:pt x="2204724" y="2120919"/>
+                </a:lnTo>
+                <a:lnTo>
+                  <a:pt x="3100796" y="2527052"/>
+                </a:lnTo>
+                <a:cubicBezTo>
+                  <a:pt x="3139475" y="2544245"/>
+                  <a:pt x="3168485" y="2568954"/>
+                  <a:pt x="3187824" y="2601187"/>
+                </a:cubicBezTo>
+                <a:cubicBezTo>
+                  <a:pt x="3207164" y="2633420"/>
+                  <a:pt x="3216834" y="2666729"/>
+                  <a:pt x="3216834" y="2701109"/>
+                </a:cubicBezTo>
+                <a:cubicBezTo>
+                  <a:pt x="3216834" y="2735488"/>
+                  <a:pt x="3207164" y="2768798"/>
+                  <a:pt x="3187824" y="2801031"/>
+                </a:cubicBezTo>
+                <a:cubicBezTo>
+                  <a:pt x="3168485" y="2833263"/>
+                  <a:pt x="3139475" y="2857973"/>
+                  <a:pt x="3100796" y="2875166"/>
+                </a:cubicBezTo>
+                <a:lnTo>
+                  <a:pt x="2204724" y="3281299"/>
+                </a:lnTo>
+                <a:lnTo>
+                  <a:pt x="1779251" y="4177371"/>
+                </a:lnTo>
+                <a:cubicBezTo>
+                  <a:pt x="1762058" y="4216051"/>
+                  <a:pt x="1737348" y="4243984"/>
+                  <a:pt x="1705115" y="4261177"/>
+                </a:cubicBezTo>
+                <a:cubicBezTo>
+                  <a:pt x="1672882" y="4278370"/>
+                  <a:pt x="1639573" y="4286963"/>
+                  <a:pt x="1605194" y="4286963"/>
+                </a:cubicBezTo>
+                <a:close/>
+                <a:moveTo>
+                  <a:pt x="1605194" y="3597181"/>
+                </a:moveTo>
+                <a:lnTo>
+                  <a:pt x="1914629" y="2978311"/>
+                </a:lnTo>
+                <a:lnTo>
+                  <a:pt x="2546391" y="2701109"/>
+                </a:lnTo>
+                <a:lnTo>
+                  <a:pt x="1914629" y="2423907"/>
+                </a:lnTo>
+                <a:lnTo>
+                  <a:pt x="1605194" y="1805037"/>
+                </a:lnTo>
+                <a:lnTo>
+                  <a:pt x="1302205" y="2423907"/>
+                </a:lnTo>
+                <a:lnTo>
+                  <a:pt x="663996" y="2701109"/>
+                </a:lnTo>
+                <a:lnTo>
+                  <a:pt x="1302205" y="2978311"/>
+                </a:lnTo>
+                <a:lnTo>
+                  <a:pt x="1605194" y="3597181"/>
+                </a:lnTo>
+                <a:close/>
+              </a:path>
+            </a:pathLst>
+          </a:custGeom>
+          <a:solidFill>
+            <a:srgbClr val="FFD453"/>
+          </a:solidFill>
+          <a:ln w="6439" cap="flat">
+            <a:noFill/>
+            <a:prstDash val="solid"/>
+            <a:miter/>
+          </a:ln>
+        </p:spPr>
+        <p:txBody>
+          <a:bodyPr rtlCol="0" anchor="ctr"/>
+          <a:lstStyle/>
+          <a:p>
+            <a:endParaRPr lang="zh-CN" altLang="en-US"/>
+          </a:p>
+        </p:txBody>
+      </p:sp>
     </p:spTree>
     <p:extLst>
       <p:ext uri="{BB962C8B-B14F-4D97-AF65-F5344CB8AC3E}">

--- a/qt_guan_dan/dev_ui_sketch.pptx
+++ b/qt_guan_dan/dev_ui_sketch.pptx
@@ -262,7 +262,7 @@
           <a:p>
             <a:fld id="{6E86E93E-9FC2-4E2D-B23B-44D3A41FB4D3}" type="datetimeFigureOut">
               <a:rPr lang="zh-CN" altLang="en-US" smtClean="0"/>
-              <a:t>2023/5/7</a:t>
+              <a:t>2023/5/13</a:t>
             </a:fld>
             <a:endParaRPr lang="zh-CN" altLang="en-US"/>
           </a:p>
@@ -462,7 +462,7 @@
           <a:p>
             <a:fld id="{6E86E93E-9FC2-4E2D-B23B-44D3A41FB4D3}" type="datetimeFigureOut">
               <a:rPr lang="zh-CN" altLang="en-US" smtClean="0"/>
-              <a:t>2023/5/7</a:t>
+              <a:t>2023/5/13</a:t>
             </a:fld>
             <a:endParaRPr lang="zh-CN" altLang="en-US"/>
           </a:p>
@@ -672,7 +672,7 @@
           <a:p>
             <a:fld id="{6E86E93E-9FC2-4E2D-B23B-44D3A41FB4D3}" type="datetimeFigureOut">
               <a:rPr lang="zh-CN" altLang="en-US" smtClean="0"/>
-              <a:t>2023/5/7</a:t>
+              <a:t>2023/5/13</a:t>
             </a:fld>
             <a:endParaRPr lang="zh-CN" altLang="en-US"/>
           </a:p>
@@ -872,7 +872,7 @@
           <a:p>
             <a:fld id="{6E86E93E-9FC2-4E2D-B23B-44D3A41FB4D3}" type="datetimeFigureOut">
               <a:rPr lang="zh-CN" altLang="en-US" smtClean="0"/>
-              <a:t>2023/5/7</a:t>
+              <a:t>2023/5/13</a:t>
             </a:fld>
             <a:endParaRPr lang="zh-CN" altLang="en-US"/>
           </a:p>
@@ -1148,7 +1148,7 @@
           <a:p>
             <a:fld id="{6E86E93E-9FC2-4E2D-B23B-44D3A41FB4D3}" type="datetimeFigureOut">
               <a:rPr lang="zh-CN" altLang="en-US" smtClean="0"/>
-              <a:t>2023/5/7</a:t>
+              <a:t>2023/5/13</a:t>
             </a:fld>
             <a:endParaRPr lang="zh-CN" altLang="en-US"/>
           </a:p>
@@ -1416,7 +1416,7 @@
           <a:p>
             <a:fld id="{6E86E93E-9FC2-4E2D-B23B-44D3A41FB4D3}" type="datetimeFigureOut">
               <a:rPr lang="zh-CN" altLang="en-US" smtClean="0"/>
-              <a:t>2023/5/7</a:t>
+              <a:t>2023/5/13</a:t>
             </a:fld>
             <a:endParaRPr lang="zh-CN" altLang="en-US"/>
           </a:p>
@@ -1831,7 +1831,7 @@
           <a:p>
             <a:fld id="{6E86E93E-9FC2-4E2D-B23B-44D3A41FB4D3}" type="datetimeFigureOut">
               <a:rPr lang="zh-CN" altLang="en-US" smtClean="0"/>
-              <a:t>2023/5/7</a:t>
+              <a:t>2023/5/13</a:t>
             </a:fld>
             <a:endParaRPr lang="zh-CN" altLang="en-US"/>
           </a:p>
@@ -1973,7 +1973,7 @@
           <a:p>
             <a:fld id="{6E86E93E-9FC2-4E2D-B23B-44D3A41FB4D3}" type="datetimeFigureOut">
               <a:rPr lang="zh-CN" altLang="en-US" smtClean="0"/>
-              <a:t>2023/5/7</a:t>
+              <a:t>2023/5/13</a:t>
             </a:fld>
             <a:endParaRPr lang="zh-CN" altLang="en-US"/>
           </a:p>
@@ -2086,7 +2086,7 @@
           <a:p>
             <a:fld id="{6E86E93E-9FC2-4E2D-B23B-44D3A41FB4D3}" type="datetimeFigureOut">
               <a:rPr lang="zh-CN" altLang="en-US" smtClean="0"/>
-              <a:t>2023/5/7</a:t>
+              <a:t>2023/5/13</a:t>
             </a:fld>
             <a:endParaRPr lang="zh-CN" altLang="en-US"/>
           </a:p>
@@ -2399,7 +2399,7 @@
           <a:p>
             <a:fld id="{6E86E93E-9FC2-4E2D-B23B-44D3A41FB4D3}" type="datetimeFigureOut">
               <a:rPr lang="zh-CN" altLang="en-US" smtClean="0"/>
-              <a:t>2023/5/7</a:t>
+              <a:t>2023/5/13</a:t>
             </a:fld>
             <a:endParaRPr lang="zh-CN" altLang="en-US"/>
           </a:p>
@@ -2688,7 +2688,7 @@
           <a:p>
             <a:fld id="{6E86E93E-9FC2-4E2D-B23B-44D3A41FB4D3}" type="datetimeFigureOut">
               <a:rPr lang="zh-CN" altLang="en-US" smtClean="0"/>
-              <a:t>2023/5/7</a:t>
+              <a:t>2023/5/13</a:t>
             </a:fld>
             <a:endParaRPr lang="zh-CN" altLang="en-US"/>
           </a:p>
@@ -2931,7 +2931,7 @@
           <a:p>
             <a:fld id="{6E86E93E-9FC2-4E2D-B23B-44D3A41FB4D3}" type="datetimeFigureOut">
               <a:rPr lang="zh-CN" altLang="en-US" smtClean="0"/>
-              <a:t>2023/5/7</a:t>
+              <a:t>2023/5/13</a:t>
             </a:fld>
             <a:endParaRPr lang="zh-CN" altLang="en-US"/>
           </a:p>
